--- a/Zoe - Take Home Task - Zsolt Nyiri.pptx
+++ b/Zoe - Take Home Task - Zsolt Nyiri.pptx
@@ -16,23 +16,36 @@
     <p:sldId id="261" r:id="rId11"/>
     <p:sldId id="262" r:id="rId12"/>
     <p:sldId id="263" r:id="rId13"/>
+    <p:sldId id="264" r:id="rId14"/>
+    <p:sldId id="265" r:id="rId15"/>
+    <p:sldId id="266" r:id="rId16"/>
+    <p:sldId id="267" r:id="rId17"/>
+    <p:sldId id="268" r:id="rId18"/>
+    <p:sldId id="269" r:id="rId19"/>
+    <p:sldId id="270" r:id="rId20"/>
+    <p:sldId id="271" r:id="rId21"/>
+    <p:sldId id="272" r:id="rId22"/>
+    <p:sldId id="273" r:id="rId23"/>
+    <p:sldId id="274" r:id="rId24"/>
+    <p:sldId id="275" r:id="rId25"/>
+    <p:sldId id="276" r:id="rId26"/>
   </p:sldIdLst>
   <p:sldSz cy="5143500" cx="9144000"/>
   <p:notesSz cx="6858000" cy="9144000"/>
   <p:embeddedFontLst>
     <p:embeddedFont>
       <p:font typeface="Montserrat"/>
-      <p:regular r:id="rId14"/>
-      <p:bold r:id="rId15"/>
-      <p:italic r:id="rId16"/>
-      <p:boldItalic r:id="rId17"/>
+      <p:regular r:id="rId27"/>
+      <p:bold r:id="rId28"/>
+      <p:italic r:id="rId29"/>
+      <p:boldItalic r:id="rId30"/>
     </p:embeddedFont>
     <p:embeddedFont>
       <p:font typeface="Lato"/>
-      <p:regular r:id="rId18"/>
-      <p:bold r:id="rId19"/>
-      <p:italic r:id="rId20"/>
-      <p:boldItalic r:id="rId21"/>
+      <p:regular r:id="rId31"/>
+      <p:bold r:id="rId32"/>
+      <p:italic r:id="rId33"/>
+      <p:boldItalic r:id="rId34"/>
     </p:embeddedFont>
   </p:embeddedFontLst>
   <p:defaultTextStyle>
@@ -808,6 +821,996 @@
 </p:notes>
 </file>
 
+<file path=ppt/notesSlides/notesSlide10.xml><?xml version="1.0" encoding="utf-8"?>
+<p:notes xmlns:a="http://schemas.openxmlformats.org/drawingml/2006/main" xmlns:r="http://schemas.openxmlformats.org/officeDocument/2006/relationships" xmlns:mc="http://schemas.openxmlformats.org/markup-compatibility/2006" xmlns:mv="urn:schemas-microsoft-com:mac:vml" xmlns:p="http://schemas.openxmlformats.org/presentationml/2006/main" xmlns:c="http://schemas.openxmlformats.org/drawingml/2006/chart" xmlns:dgm="http://schemas.openxmlformats.org/drawingml/2006/diagram" xmlns:o="urn:schemas-microsoft-com:office:office" xmlns:v="urn:schemas-microsoft-com:vml" xmlns:pvml="urn:schemas-microsoft-com:office:powerpoint" xmlns:com="http://schemas.openxmlformats.org/drawingml/2006/compatibility" xmlns:p14="http://schemas.microsoft.com/office/powerpoint/2010/main" xmlns:p15="http://schemas.microsoft.com/office/powerpoint/2012/main" xmlns:ahyp="http://schemas.microsoft.com/office/drawing/2018/hyperlinkcolor" showMasterPhAnim="0" showMasterSp="0">
+  <p:cSld>
+    <p:spTree>
+      <p:nvGrpSpPr>
+        <p:cNvPr id="190" name="Shape 190"/>
+        <p:cNvGrpSpPr/>
+        <p:nvPr/>
+      </p:nvGrpSpPr>
+      <p:grpSpPr>
+        <a:xfrm>
+          <a:off x="0" y="0"/>
+          <a:ext cx="0" cy="0"/>
+          <a:chOff x="0" y="0"/>
+          <a:chExt cx="0" cy="0"/>
+        </a:xfrm>
+      </p:grpSpPr>
+      <p:sp>
+        <p:nvSpPr>
+          <p:cNvPr id="191" name="Google Shape;191;g278ab273896_0_331:notes"/>
+          <p:cNvSpPr/>
+          <p:nvPr>
+            <p:ph idx="2" type="sldImg"/>
+          </p:nvPr>
+        </p:nvSpPr>
+        <p:spPr>
+          <a:xfrm>
+            <a:off x="381300" y="685800"/>
+            <a:ext cx="6096000" cy="3429000"/>
+          </a:xfrm>
+          <a:custGeom>
+            <a:rect b="b" l="l" r="r" t="t"/>
+            <a:pathLst>
+              <a:path extrusionOk="0" h="120000" w="120000">
+                <a:moveTo>
+                  <a:pt x="0" y="0"/>
+                </a:moveTo>
+                <a:lnTo>
+                  <a:pt x="120000" y="0"/>
+                </a:lnTo>
+                <a:lnTo>
+                  <a:pt x="120000" y="120000"/>
+                </a:lnTo>
+                <a:lnTo>
+                  <a:pt x="0" y="120000"/>
+                </a:lnTo>
+                <a:close/>
+              </a:path>
+            </a:pathLst>
+          </a:custGeom>
+        </p:spPr>
+      </p:sp>
+      <p:sp>
+        <p:nvSpPr>
+          <p:cNvPr id="192" name="Google Shape;192;g278ab273896_0_331:notes"/>
+          <p:cNvSpPr txBox="1"/>
+          <p:nvPr>
+            <p:ph idx="1" type="body"/>
+          </p:nvPr>
+        </p:nvSpPr>
+        <p:spPr>
+          <a:xfrm>
+            <a:off x="685800" y="4343400"/>
+            <a:ext cx="5486400" cy="4114800"/>
+          </a:xfrm>
+          <a:prstGeom prst="rect">
+            <a:avLst/>
+          </a:prstGeom>
+        </p:spPr>
+        <p:txBody>
+          <a:bodyPr anchorCtr="0" anchor="t" bIns="91425" lIns="91425" spcFirstLastPara="1" rIns="91425" wrap="square" tIns="91425">
+            <a:noAutofit/>
+          </a:bodyPr>
+          <a:lstStyle/>
+          <a:p>
+            <a:pPr indent="0" lvl="0" marL="0" rtl="0" algn="l">
+              <a:spcBef>
+                <a:spcPts val="0"/>
+              </a:spcBef>
+              <a:spcAft>
+                <a:spcPts val="0"/>
+              </a:spcAft>
+              <a:buNone/>
+            </a:pPr>
+            <a:r>
+              <a:t/>
+            </a:r>
+            <a:endParaRPr/>
+          </a:p>
+        </p:txBody>
+      </p:sp>
+    </p:spTree>
+  </p:cSld>
+  <p:clrMapOvr>
+    <a:masterClrMapping/>
+  </p:clrMapOvr>
+</p:notes>
+</file>
+
+<file path=ppt/notesSlides/notesSlide11.xml><?xml version="1.0" encoding="utf-8"?>
+<p:notes xmlns:a="http://schemas.openxmlformats.org/drawingml/2006/main" xmlns:r="http://schemas.openxmlformats.org/officeDocument/2006/relationships" xmlns:mc="http://schemas.openxmlformats.org/markup-compatibility/2006" xmlns:mv="urn:schemas-microsoft-com:mac:vml" xmlns:p="http://schemas.openxmlformats.org/presentationml/2006/main" xmlns:c="http://schemas.openxmlformats.org/drawingml/2006/chart" xmlns:dgm="http://schemas.openxmlformats.org/drawingml/2006/diagram" xmlns:o="urn:schemas-microsoft-com:office:office" xmlns:v="urn:schemas-microsoft-com:vml" xmlns:pvml="urn:schemas-microsoft-com:office:powerpoint" xmlns:com="http://schemas.openxmlformats.org/drawingml/2006/compatibility" xmlns:p14="http://schemas.microsoft.com/office/powerpoint/2010/main" xmlns:p15="http://schemas.microsoft.com/office/powerpoint/2012/main" xmlns:ahyp="http://schemas.microsoft.com/office/drawing/2018/hyperlinkcolor" showMasterPhAnim="0" showMasterSp="0">
+  <p:cSld>
+    <p:spTree>
+      <p:nvGrpSpPr>
+        <p:cNvPr id="197" name="Shape 197"/>
+        <p:cNvGrpSpPr/>
+        <p:nvPr/>
+      </p:nvGrpSpPr>
+      <p:grpSpPr>
+        <a:xfrm>
+          <a:off x="0" y="0"/>
+          <a:ext cx="0" cy="0"/>
+          <a:chOff x="0" y="0"/>
+          <a:chExt cx="0" cy="0"/>
+        </a:xfrm>
+      </p:grpSpPr>
+      <p:sp>
+        <p:nvSpPr>
+          <p:cNvPr id="198" name="Google Shape;198;g278ab273896_0_352:notes"/>
+          <p:cNvSpPr/>
+          <p:nvPr>
+            <p:ph idx="2" type="sldImg"/>
+          </p:nvPr>
+        </p:nvSpPr>
+        <p:spPr>
+          <a:xfrm>
+            <a:off x="381300" y="685800"/>
+            <a:ext cx="6096000" cy="3429000"/>
+          </a:xfrm>
+          <a:custGeom>
+            <a:rect b="b" l="l" r="r" t="t"/>
+            <a:pathLst>
+              <a:path extrusionOk="0" h="120000" w="120000">
+                <a:moveTo>
+                  <a:pt x="0" y="0"/>
+                </a:moveTo>
+                <a:lnTo>
+                  <a:pt x="120000" y="0"/>
+                </a:lnTo>
+                <a:lnTo>
+                  <a:pt x="120000" y="120000"/>
+                </a:lnTo>
+                <a:lnTo>
+                  <a:pt x="0" y="120000"/>
+                </a:lnTo>
+                <a:close/>
+              </a:path>
+            </a:pathLst>
+          </a:custGeom>
+        </p:spPr>
+      </p:sp>
+      <p:sp>
+        <p:nvSpPr>
+          <p:cNvPr id="199" name="Google Shape;199;g278ab273896_0_352:notes"/>
+          <p:cNvSpPr txBox="1"/>
+          <p:nvPr>
+            <p:ph idx="1" type="body"/>
+          </p:nvPr>
+        </p:nvSpPr>
+        <p:spPr>
+          <a:xfrm>
+            <a:off x="685800" y="4343400"/>
+            <a:ext cx="5486400" cy="4114800"/>
+          </a:xfrm>
+          <a:prstGeom prst="rect">
+            <a:avLst/>
+          </a:prstGeom>
+        </p:spPr>
+        <p:txBody>
+          <a:bodyPr anchorCtr="0" anchor="t" bIns="91425" lIns="91425" spcFirstLastPara="1" rIns="91425" wrap="square" tIns="91425">
+            <a:noAutofit/>
+          </a:bodyPr>
+          <a:lstStyle/>
+          <a:p>
+            <a:pPr indent="0" lvl="0" marL="0" rtl="0" algn="l">
+              <a:spcBef>
+                <a:spcPts val="0"/>
+              </a:spcBef>
+              <a:spcAft>
+                <a:spcPts val="0"/>
+              </a:spcAft>
+              <a:buNone/>
+            </a:pPr>
+            <a:r>
+              <a:t/>
+            </a:r>
+            <a:endParaRPr/>
+          </a:p>
+        </p:txBody>
+      </p:sp>
+    </p:spTree>
+  </p:cSld>
+  <p:clrMapOvr>
+    <a:masterClrMapping/>
+  </p:clrMapOvr>
+</p:notes>
+</file>
+
+<file path=ppt/notesSlides/notesSlide12.xml><?xml version="1.0" encoding="utf-8"?>
+<p:notes xmlns:a="http://schemas.openxmlformats.org/drawingml/2006/main" xmlns:r="http://schemas.openxmlformats.org/officeDocument/2006/relationships" xmlns:mc="http://schemas.openxmlformats.org/markup-compatibility/2006" xmlns:mv="urn:schemas-microsoft-com:mac:vml" xmlns:p="http://schemas.openxmlformats.org/presentationml/2006/main" xmlns:c="http://schemas.openxmlformats.org/drawingml/2006/chart" xmlns:dgm="http://schemas.openxmlformats.org/drawingml/2006/diagram" xmlns:o="urn:schemas-microsoft-com:office:office" xmlns:v="urn:schemas-microsoft-com:vml" xmlns:pvml="urn:schemas-microsoft-com:office:powerpoint" xmlns:com="http://schemas.openxmlformats.org/drawingml/2006/compatibility" xmlns:p14="http://schemas.microsoft.com/office/powerpoint/2010/main" xmlns:p15="http://schemas.microsoft.com/office/powerpoint/2012/main" xmlns:ahyp="http://schemas.microsoft.com/office/drawing/2018/hyperlinkcolor" showMasterPhAnim="0" showMasterSp="0">
+  <p:cSld>
+    <p:spTree>
+      <p:nvGrpSpPr>
+        <p:cNvPr id="204" name="Shape 204"/>
+        <p:cNvGrpSpPr/>
+        <p:nvPr/>
+      </p:nvGrpSpPr>
+      <p:grpSpPr>
+        <a:xfrm>
+          <a:off x="0" y="0"/>
+          <a:ext cx="0" cy="0"/>
+          <a:chOff x="0" y="0"/>
+          <a:chExt cx="0" cy="0"/>
+        </a:xfrm>
+      </p:grpSpPr>
+      <p:sp>
+        <p:nvSpPr>
+          <p:cNvPr id="205" name="Google Shape;205;g278ab273896_0_346:notes"/>
+          <p:cNvSpPr/>
+          <p:nvPr>
+            <p:ph idx="2" type="sldImg"/>
+          </p:nvPr>
+        </p:nvSpPr>
+        <p:spPr>
+          <a:xfrm>
+            <a:off x="381300" y="685800"/>
+            <a:ext cx="6096000" cy="3429000"/>
+          </a:xfrm>
+          <a:custGeom>
+            <a:rect b="b" l="l" r="r" t="t"/>
+            <a:pathLst>
+              <a:path extrusionOk="0" h="120000" w="120000">
+                <a:moveTo>
+                  <a:pt x="0" y="0"/>
+                </a:moveTo>
+                <a:lnTo>
+                  <a:pt x="120000" y="0"/>
+                </a:lnTo>
+                <a:lnTo>
+                  <a:pt x="120000" y="120000"/>
+                </a:lnTo>
+                <a:lnTo>
+                  <a:pt x="0" y="120000"/>
+                </a:lnTo>
+                <a:close/>
+              </a:path>
+            </a:pathLst>
+          </a:custGeom>
+        </p:spPr>
+      </p:sp>
+      <p:sp>
+        <p:nvSpPr>
+          <p:cNvPr id="206" name="Google Shape;206;g278ab273896_0_346:notes"/>
+          <p:cNvSpPr txBox="1"/>
+          <p:nvPr>
+            <p:ph idx="1" type="body"/>
+          </p:nvPr>
+        </p:nvSpPr>
+        <p:spPr>
+          <a:xfrm>
+            <a:off x="685800" y="4343400"/>
+            <a:ext cx="5486400" cy="4114800"/>
+          </a:xfrm>
+          <a:prstGeom prst="rect">
+            <a:avLst/>
+          </a:prstGeom>
+        </p:spPr>
+        <p:txBody>
+          <a:bodyPr anchorCtr="0" anchor="t" bIns="91425" lIns="91425" spcFirstLastPara="1" rIns="91425" wrap="square" tIns="91425">
+            <a:noAutofit/>
+          </a:bodyPr>
+          <a:lstStyle/>
+          <a:p>
+            <a:pPr indent="0" lvl="0" marL="0" rtl="0" algn="l">
+              <a:spcBef>
+                <a:spcPts val="0"/>
+              </a:spcBef>
+              <a:spcAft>
+                <a:spcPts val="0"/>
+              </a:spcAft>
+              <a:buNone/>
+            </a:pPr>
+            <a:r>
+              <a:t/>
+            </a:r>
+            <a:endParaRPr/>
+          </a:p>
+        </p:txBody>
+      </p:sp>
+    </p:spTree>
+  </p:cSld>
+  <p:clrMapOvr>
+    <a:masterClrMapping/>
+  </p:clrMapOvr>
+</p:notes>
+</file>
+
+<file path=ppt/notesSlides/notesSlide13.xml><?xml version="1.0" encoding="utf-8"?>
+<p:notes xmlns:a="http://schemas.openxmlformats.org/drawingml/2006/main" xmlns:r="http://schemas.openxmlformats.org/officeDocument/2006/relationships" xmlns:mc="http://schemas.openxmlformats.org/markup-compatibility/2006" xmlns:mv="urn:schemas-microsoft-com:mac:vml" xmlns:p="http://schemas.openxmlformats.org/presentationml/2006/main" xmlns:c="http://schemas.openxmlformats.org/drawingml/2006/chart" xmlns:dgm="http://schemas.openxmlformats.org/drawingml/2006/diagram" xmlns:o="urn:schemas-microsoft-com:office:office" xmlns:v="urn:schemas-microsoft-com:vml" xmlns:pvml="urn:schemas-microsoft-com:office:powerpoint" xmlns:com="http://schemas.openxmlformats.org/drawingml/2006/compatibility" xmlns:p14="http://schemas.microsoft.com/office/powerpoint/2010/main" xmlns:p15="http://schemas.microsoft.com/office/powerpoint/2012/main" xmlns:ahyp="http://schemas.microsoft.com/office/drawing/2018/hyperlinkcolor" showMasterPhAnim="0" showMasterSp="0">
+  <p:cSld>
+    <p:spTree>
+      <p:nvGrpSpPr>
+        <p:cNvPr id="214" name="Shape 214"/>
+        <p:cNvGrpSpPr/>
+        <p:nvPr/>
+      </p:nvGrpSpPr>
+      <p:grpSpPr>
+        <a:xfrm>
+          <a:off x="0" y="0"/>
+          <a:ext cx="0" cy="0"/>
+          <a:chOff x="0" y="0"/>
+          <a:chExt cx="0" cy="0"/>
+        </a:xfrm>
+      </p:grpSpPr>
+      <p:sp>
+        <p:nvSpPr>
+          <p:cNvPr id="215" name="Google Shape;215;g278ab273896_0_365:notes"/>
+          <p:cNvSpPr/>
+          <p:nvPr>
+            <p:ph idx="2" type="sldImg"/>
+          </p:nvPr>
+        </p:nvSpPr>
+        <p:spPr>
+          <a:xfrm>
+            <a:off x="381300" y="685800"/>
+            <a:ext cx="6096000" cy="3429000"/>
+          </a:xfrm>
+          <a:custGeom>
+            <a:rect b="b" l="l" r="r" t="t"/>
+            <a:pathLst>
+              <a:path extrusionOk="0" h="120000" w="120000">
+                <a:moveTo>
+                  <a:pt x="0" y="0"/>
+                </a:moveTo>
+                <a:lnTo>
+                  <a:pt x="120000" y="0"/>
+                </a:lnTo>
+                <a:lnTo>
+                  <a:pt x="120000" y="120000"/>
+                </a:lnTo>
+                <a:lnTo>
+                  <a:pt x="0" y="120000"/>
+                </a:lnTo>
+                <a:close/>
+              </a:path>
+            </a:pathLst>
+          </a:custGeom>
+        </p:spPr>
+      </p:sp>
+      <p:sp>
+        <p:nvSpPr>
+          <p:cNvPr id="216" name="Google Shape;216;g278ab273896_0_365:notes"/>
+          <p:cNvSpPr txBox="1"/>
+          <p:nvPr>
+            <p:ph idx="1" type="body"/>
+          </p:nvPr>
+        </p:nvSpPr>
+        <p:spPr>
+          <a:xfrm>
+            <a:off x="685800" y="4343400"/>
+            <a:ext cx="5486400" cy="4114800"/>
+          </a:xfrm>
+          <a:prstGeom prst="rect">
+            <a:avLst/>
+          </a:prstGeom>
+        </p:spPr>
+        <p:txBody>
+          <a:bodyPr anchorCtr="0" anchor="t" bIns="91425" lIns="91425" spcFirstLastPara="1" rIns="91425" wrap="square" tIns="91425">
+            <a:noAutofit/>
+          </a:bodyPr>
+          <a:lstStyle/>
+          <a:p>
+            <a:pPr indent="0" lvl="0" marL="0" rtl="0" algn="l">
+              <a:spcBef>
+                <a:spcPts val="0"/>
+              </a:spcBef>
+              <a:spcAft>
+                <a:spcPts val="0"/>
+              </a:spcAft>
+              <a:buNone/>
+            </a:pPr>
+            <a:r>
+              <a:t/>
+            </a:r>
+            <a:endParaRPr/>
+          </a:p>
+        </p:txBody>
+      </p:sp>
+    </p:spTree>
+  </p:cSld>
+  <p:clrMapOvr>
+    <a:masterClrMapping/>
+  </p:clrMapOvr>
+</p:notes>
+</file>
+
+<file path=ppt/notesSlides/notesSlide14.xml><?xml version="1.0" encoding="utf-8"?>
+<p:notes xmlns:a="http://schemas.openxmlformats.org/drawingml/2006/main" xmlns:r="http://schemas.openxmlformats.org/officeDocument/2006/relationships" xmlns:mc="http://schemas.openxmlformats.org/markup-compatibility/2006" xmlns:mv="urn:schemas-microsoft-com:mac:vml" xmlns:p="http://schemas.openxmlformats.org/presentationml/2006/main" xmlns:c="http://schemas.openxmlformats.org/drawingml/2006/chart" xmlns:dgm="http://schemas.openxmlformats.org/drawingml/2006/diagram" xmlns:o="urn:schemas-microsoft-com:office:office" xmlns:v="urn:schemas-microsoft-com:vml" xmlns:pvml="urn:schemas-microsoft-com:office:powerpoint" xmlns:com="http://schemas.openxmlformats.org/drawingml/2006/compatibility" xmlns:p14="http://schemas.microsoft.com/office/powerpoint/2010/main" xmlns:p15="http://schemas.microsoft.com/office/powerpoint/2012/main" xmlns:ahyp="http://schemas.microsoft.com/office/drawing/2018/hyperlinkcolor" showMasterPhAnim="0" showMasterSp="0">
+  <p:cSld>
+    <p:spTree>
+      <p:nvGrpSpPr>
+        <p:cNvPr id="220" name="Shape 220"/>
+        <p:cNvGrpSpPr/>
+        <p:nvPr/>
+      </p:nvGrpSpPr>
+      <p:grpSpPr>
+        <a:xfrm>
+          <a:off x="0" y="0"/>
+          <a:ext cx="0" cy="0"/>
+          <a:chOff x="0" y="0"/>
+          <a:chExt cx="0" cy="0"/>
+        </a:xfrm>
+      </p:grpSpPr>
+      <p:sp>
+        <p:nvSpPr>
+          <p:cNvPr id="221" name="Google Shape;221;g278ab273896_0_372:notes"/>
+          <p:cNvSpPr/>
+          <p:nvPr>
+            <p:ph idx="2" type="sldImg"/>
+          </p:nvPr>
+        </p:nvSpPr>
+        <p:spPr>
+          <a:xfrm>
+            <a:off x="381300" y="685800"/>
+            <a:ext cx="6096000" cy="3429000"/>
+          </a:xfrm>
+          <a:custGeom>
+            <a:rect b="b" l="l" r="r" t="t"/>
+            <a:pathLst>
+              <a:path extrusionOk="0" h="120000" w="120000">
+                <a:moveTo>
+                  <a:pt x="0" y="0"/>
+                </a:moveTo>
+                <a:lnTo>
+                  <a:pt x="120000" y="0"/>
+                </a:lnTo>
+                <a:lnTo>
+                  <a:pt x="120000" y="120000"/>
+                </a:lnTo>
+                <a:lnTo>
+                  <a:pt x="0" y="120000"/>
+                </a:lnTo>
+                <a:close/>
+              </a:path>
+            </a:pathLst>
+          </a:custGeom>
+        </p:spPr>
+      </p:sp>
+      <p:sp>
+        <p:nvSpPr>
+          <p:cNvPr id="222" name="Google Shape;222;g278ab273896_0_372:notes"/>
+          <p:cNvSpPr txBox="1"/>
+          <p:nvPr>
+            <p:ph idx="1" type="body"/>
+          </p:nvPr>
+        </p:nvSpPr>
+        <p:spPr>
+          <a:xfrm>
+            <a:off x="685800" y="4343400"/>
+            <a:ext cx="5486400" cy="4114800"/>
+          </a:xfrm>
+          <a:prstGeom prst="rect">
+            <a:avLst/>
+          </a:prstGeom>
+        </p:spPr>
+        <p:txBody>
+          <a:bodyPr anchorCtr="0" anchor="t" bIns="91425" lIns="91425" spcFirstLastPara="1" rIns="91425" wrap="square" tIns="91425">
+            <a:noAutofit/>
+          </a:bodyPr>
+          <a:lstStyle/>
+          <a:p>
+            <a:pPr indent="0" lvl="0" marL="0" rtl="0" algn="l">
+              <a:spcBef>
+                <a:spcPts val="0"/>
+              </a:spcBef>
+              <a:spcAft>
+                <a:spcPts val="0"/>
+              </a:spcAft>
+              <a:buNone/>
+            </a:pPr>
+            <a:r>
+              <a:t/>
+            </a:r>
+            <a:endParaRPr/>
+          </a:p>
+        </p:txBody>
+      </p:sp>
+    </p:spTree>
+  </p:cSld>
+  <p:clrMapOvr>
+    <a:masterClrMapping/>
+  </p:clrMapOvr>
+</p:notes>
+</file>
+
+<file path=ppt/notesSlides/notesSlide15.xml><?xml version="1.0" encoding="utf-8"?>
+<p:notes xmlns:a="http://schemas.openxmlformats.org/drawingml/2006/main" xmlns:r="http://schemas.openxmlformats.org/officeDocument/2006/relationships" xmlns:mc="http://schemas.openxmlformats.org/markup-compatibility/2006" xmlns:mv="urn:schemas-microsoft-com:mac:vml" xmlns:p="http://schemas.openxmlformats.org/presentationml/2006/main" xmlns:c="http://schemas.openxmlformats.org/drawingml/2006/chart" xmlns:dgm="http://schemas.openxmlformats.org/drawingml/2006/diagram" xmlns:o="urn:schemas-microsoft-com:office:office" xmlns:v="urn:schemas-microsoft-com:vml" xmlns:pvml="urn:schemas-microsoft-com:office:powerpoint" xmlns:com="http://schemas.openxmlformats.org/drawingml/2006/compatibility" xmlns:p14="http://schemas.microsoft.com/office/powerpoint/2010/main" xmlns:p15="http://schemas.microsoft.com/office/powerpoint/2012/main" xmlns:ahyp="http://schemas.microsoft.com/office/drawing/2018/hyperlinkcolor" showMasterPhAnim="0" showMasterSp="0">
+  <p:cSld>
+    <p:spTree>
+      <p:nvGrpSpPr>
+        <p:cNvPr id="227" name="Shape 227"/>
+        <p:cNvGrpSpPr/>
+        <p:nvPr/>
+      </p:nvGrpSpPr>
+      <p:grpSpPr>
+        <a:xfrm>
+          <a:off x="0" y="0"/>
+          <a:ext cx="0" cy="0"/>
+          <a:chOff x="0" y="0"/>
+          <a:chExt cx="0" cy="0"/>
+        </a:xfrm>
+      </p:grpSpPr>
+      <p:sp>
+        <p:nvSpPr>
+          <p:cNvPr id="228" name="Google Shape;228;g278ab273896_0_380:notes"/>
+          <p:cNvSpPr/>
+          <p:nvPr>
+            <p:ph idx="2" type="sldImg"/>
+          </p:nvPr>
+        </p:nvSpPr>
+        <p:spPr>
+          <a:xfrm>
+            <a:off x="381300" y="685800"/>
+            <a:ext cx="6096000" cy="3429000"/>
+          </a:xfrm>
+          <a:custGeom>
+            <a:rect b="b" l="l" r="r" t="t"/>
+            <a:pathLst>
+              <a:path extrusionOk="0" h="120000" w="120000">
+                <a:moveTo>
+                  <a:pt x="0" y="0"/>
+                </a:moveTo>
+                <a:lnTo>
+                  <a:pt x="120000" y="0"/>
+                </a:lnTo>
+                <a:lnTo>
+                  <a:pt x="120000" y="120000"/>
+                </a:lnTo>
+                <a:lnTo>
+                  <a:pt x="0" y="120000"/>
+                </a:lnTo>
+                <a:close/>
+              </a:path>
+            </a:pathLst>
+          </a:custGeom>
+        </p:spPr>
+      </p:sp>
+      <p:sp>
+        <p:nvSpPr>
+          <p:cNvPr id="229" name="Google Shape;229;g278ab273896_0_380:notes"/>
+          <p:cNvSpPr txBox="1"/>
+          <p:nvPr>
+            <p:ph idx="1" type="body"/>
+          </p:nvPr>
+        </p:nvSpPr>
+        <p:spPr>
+          <a:xfrm>
+            <a:off x="685800" y="4343400"/>
+            <a:ext cx="5486400" cy="4114800"/>
+          </a:xfrm>
+          <a:prstGeom prst="rect">
+            <a:avLst/>
+          </a:prstGeom>
+        </p:spPr>
+        <p:txBody>
+          <a:bodyPr anchorCtr="0" anchor="t" bIns="91425" lIns="91425" spcFirstLastPara="1" rIns="91425" wrap="square" tIns="91425">
+            <a:noAutofit/>
+          </a:bodyPr>
+          <a:lstStyle/>
+          <a:p>
+            <a:pPr indent="0" lvl="0" marL="0" rtl="0" algn="l">
+              <a:spcBef>
+                <a:spcPts val="0"/>
+              </a:spcBef>
+              <a:spcAft>
+                <a:spcPts val="0"/>
+              </a:spcAft>
+              <a:buNone/>
+            </a:pPr>
+            <a:r>
+              <a:t/>
+            </a:r>
+            <a:endParaRPr/>
+          </a:p>
+        </p:txBody>
+      </p:sp>
+    </p:spTree>
+  </p:cSld>
+  <p:clrMapOvr>
+    <a:masterClrMapping/>
+  </p:clrMapOvr>
+</p:notes>
+</file>
+
+<file path=ppt/notesSlides/notesSlide16.xml><?xml version="1.0" encoding="utf-8"?>
+<p:notes xmlns:a="http://schemas.openxmlformats.org/drawingml/2006/main" xmlns:r="http://schemas.openxmlformats.org/officeDocument/2006/relationships" xmlns:mc="http://schemas.openxmlformats.org/markup-compatibility/2006" xmlns:mv="urn:schemas-microsoft-com:mac:vml" xmlns:p="http://schemas.openxmlformats.org/presentationml/2006/main" xmlns:c="http://schemas.openxmlformats.org/drawingml/2006/chart" xmlns:dgm="http://schemas.openxmlformats.org/drawingml/2006/diagram" xmlns:o="urn:schemas-microsoft-com:office:office" xmlns:v="urn:schemas-microsoft-com:vml" xmlns:pvml="urn:schemas-microsoft-com:office:powerpoint" xmlns:com="http://schemas.openxmlformats.org/drawingml/2006/compatibility" xmlns:p14="http://schemas.microsoft.com/office/powerpoint/2010/main" xmlns:p15="http://schemas.microsoft.com/office/powerpoint/2012/main" xmlns:ahyp="http://schemas.microsoft.com/office/drawing/2018/hyperlinkcolor" showMasterPhAnim="0" showMasterSp="0">
+  <p:cSld>
+    <p:spTree>
+      <p:nvGrpSpPr>
+        <p:cNvPr id="234" name="Shape 234"/>
+        <p:cNvGrpSpPr/>
+        <p:nvPr/>
+      </p:nvGrpSpPr>
+      <p:grpSpPr>
+        <a:xfrm>
+          <a:off x="0" y="0"/>
+          <a:ext cx="0" cy="0"/>
+          <a:chOff x="0" y="0"/>
+          <a:chExt cx="0" cy="0"/>
+        </a:xfrm>
+      </p:grpSpPr>
+      <p:sp>
+        <p:nvSpPr>
+          <p:cNvPr id="235" name="Google Shape;235;g278ab273896_0_386:notes"/>
+          <p:cNvSpPr/>
+          <p:nvPr>
+            <p:ph idx="2" type="sldImg"/>
+          </p:nvPr>
+        </p:nvSpPr>
+        <p:spPr>
+          <a:xfrm>
+            <a:off x="381300" y="685800"/>
+            <a:ext cx="6096000" cy="3429000"/>
+          </a:xfrm>
+          <a:custGeom>
+            <a:rect b="b" l="l" r="r" t="t"/>
+            <a:pathLst>
+              <a:path extrusionOk="0" h="120000" w="120000">
+                <a:moveTo>
+                  <a:pt x="0" y="0"/>
+                </a:moveTo>
+                <a:lnTo>
+                  <a:pt x="120000" y="0"/>
+                </a:lnTo>
+                <a:lnTo>
+                  <a:pt x="120000" y="120000"/>
+                </a:lnTo>
+                <a:lnTo>
+                  <a:pt x="0" y="120000"/>
+                </a:lnTo>
+                <a:close/>
+              </a:path>
+            </a:pathLst>
+          </a:custGeom>
+        </p:spPr>
+      </p:sp>
+      <p:sp>
+        <p:nvSpPr>
+          <p:cNvPr id="236" name="Google Shape;236;g278ab273896_0_386:notes"/>
+          <p:cNvSpPr txBox="1"/>
+          <p:nvPr>
+            <p:ph idx="1" type="body"/>
+          </p:nvPr>
+        </p:nvSpPr>
+        <p:spPr>
+          <a:xfrm>
+            <a:off x="685800" y="4343400"/>
+            <a:ext cx="5486400" cy="4114800"/>
+          </a:xfrm>
+          <a:prstGeom prst="rect">
+            <a:avLst/>
+          </a:prstGeom>
+        </p:spPr>
+        <p:txBody>
+          <a:bodyPr anchorCtr="0" anchor="t" bIns="91425" lIns="91425" spcFirstLastPara="1" rIns="91425" wrap="square" tIns="91425">
+            <a:noAutofit/>
+          </a:bodyPr>
+          <a:lstStyle/>
+          <a:p>
+            <a:pPr indent="0" lvl="0" marL="0" rtl="0" algn="l">
+              <a:spcBef>
+                <a:spcPts val="0"/>
+              </a:spcBef>
+              <a:spcAft>
+                <a:spcPts val="0"/>
+              </a:spcAft>
+              <a:buNone/>
+            </a:pPr>
+            <a:r>
+              <a:t/>
+            </a:r>
+            <a:endParaRPr/>
+          </a:p>
+        </p:txBody>
+      </p:sp>
+    </p:spTree>
+  </p:cSld>
+  <p:clrMapOvr>
+    <a:masterClrMapping/>
+  </p:clrMapOvr>
+</p:notes>
+</file>
+
+<file path=ppt/notesSlides/notesSlide17.xml><?xml version="1.0" encoding="utf-8"?>
+<p:notes xmlns:a="http://schemas.openxmlformats.org/drawingml/2006/main" xmlns:r="http://schemas.openxmlformats.org/officeDocument/2006/relationships" xmlns:mc="http://schemas.openxmlformats.org/markup-compatibility/2006" xmlns:mv="urn:schemas-microsoft-com:mac:vml" xmlns:p="http://schemas.openxmlformats.org/presentationml/2006/main" xmlns:c="http://schemas.openxmlformats.org/drawingml/2006/chart" xmlns:dgm="http://schemas.openxmlformats.org/drawingml/2006/diagram" xmlns:o="urn:schemas-microsoft-com:office:office" xmlns:v="urn:schemas-microsoft-com:vml" xmlns:pvml="urn:schemas-microsoft-com:office:powerpoint" xmlns:com="http://schemas.openxmlformats.org/drawingml/2006/compatibility" xmlns:p14="http://schemas.microsoft.com/office/powerpoint/2010/main" xmlns:p15="http://schemas.microsoft.com/office/powerpoint/2012/main" xmlns:ahyp="http://schemas.microsoft.com/office/drawing/2018/hyperlinkcolor" showMasterPhAnim="0" showMasterSp="0">
+  <p:cSld>
+    <p:spTree>
+      <p:nvGrpSpPr>
+        <p:cNvPr id="243" name="Shape 243"/>
+        <p:cNvGrpSpPr/>
+        <p:nvPr/>
+      </p:nvGrpSpPr>
+      <p:grpSpPr>
+        <a:xfrm>
+          <a:off x="0" y="0"/>
+          <a:ext cx="0" cy="0"/>
+          <a:chOff x="0" y="0"/>
+          <a:chExt cx="0" cy="0"/>
+        </a:xfrm>
+      </p:grpSpPr>
+      <p:sp>
+        <p:nvSpPr>
+          <p:cNvPr id="244" name="Google Shape;244;g278ab273896_0_396:notes"/>
+          <p:cNvSpPr/>
+          <p:nvPr>
+            <p:ph idx="2" type="sldImg"/>
+          </p:nvPr>
+        </p:nvSpPr>
+        <p:spPr>
+          <a:xfrm>
+            <a:off x="381300" y="685800"/>
+            <a:ext cx="6096000" cy="3429000"/>
+          </a:xfrm>
+          <a:custGeom>
+            <a:rect b="b" l="l" r="r" t="t"/>
+            <a:pathLst>
+              <a:path extrusionOk="0" h="120000" w="120000">
+                <a:moveTo>
+                  <a:pt x="0" y="0"/>
+                </a:moveTo>
+                <a:lnTo>
+                  <a:pt x="120000" y="0"/>
+                </a:lnTo>
+                <a:lnTo>
+                  <a:pt x="120000" y="120000"/>
+                </a:lnTo>
+                <a:lnTo>
+                  <a:pt x="0" y="120000"/>
+                </a:lnTo>
+                <a:close/>
+              </a:path>
+            </a:pathLst>
+          </a:custGeom>
+        </p:spPr>
+      </p:sp>
+      <p:sp>
+        <p:nvSpPr>
+          <p:cNvPr id="245" name="Google Shape;245;g278ab273896_0_396:notes"/>
+          <p:cNvSpPr txBox="1"/>
+          <p:nvPr>
+            <p:ph idx="1" type="body"/>
+          </p:nvPr>
+        </p:nvSpPr>
+        <p:spPr>
+          <a:xfrm>
+            <a:off x="685800" y="4343400"/>
+            <a:ext cx="5486400" cy="4114800"/>
+          </a:xfrm>
+          <a:prstGeom prst="rect">
+            <a:avLst/>
+          </a:prstGeom>
+        </p:spPr>
+        <p:txBody>
+          <a:bodyPr anchorCtr="0" anchor="t" bIns="91425" lIns="91425" spcFirstLastPara="1" rIns="91425" wrap="square" tIns="91425">
+            <a:noAutofit/>
+          </a:bodyPr>
+          <a:lstStyle/>
+          <a:p>
+            <a:pPr indent="0" lvl="0" marL="0" rtl="0" algn="l">
+              <a:spcBef>
+                <a:spcPts val="0"/>
+              </a:spcBef>
+              <a:spcAft>
+                <a:spcPts val="0"/>
+              </a:spcAft>
+              <a:buNone/>
+            </a:pPr>
+            <a:r>
+              <a:t/>
+            </a:r>
+            <a:endParaRPr/>
+          </a:p>
+        </p:txBody>
+      </p:sp>
+    </p:spTree>
+  </p:cSld>
+  <p:clrMapOvr>
+    <a:masterClrMapping/>
+  </p:clrMapOvr>
+</p:notes>
+</file>
+
+<file path=ppt/notesSlides/notesSlide18.xml><?xml version="1.0" encoding="utf-8"?>
+<p:notes xmlns:a="http://schemas.openxmlformats.org/drawingml/2006/main" xmlns:r="http://schemas.openxmlformats.org/officeDocument/2006/relationships" xmlns:mc="http://schemas.openxmlformats.org/markup-compatibility/2006" xmlns:mv="urn:schemas-microsoft-com:mac:vml" xmlns:p="http://schemas.openxmlformats.org/presentationml/2006/main" xmlns:c="http://schemas.openxmlformats.org/drawingml/2006/chart" xmlns:dgm="http://schemas.openxmlformats.org/drawingml/2006/diagram" xmlns:o="urn:schemas-microsoft-com:office:office" xmlns:v="urn:schemas-microsoft-com:vml" xmlns:pvml="urn:schemas-microsoft-com:office:powerpoint" xmlns:com="http://schemas.openxmlformats.org/drawingml/2006/compatibility" xmlns:p14="http://schemas.microsoft.com/office/powerpoint/2010/main" xmlns:p15="http://schemas.microsoft.com/office/powerpoint/2012/main" xmlns:ahyp="http://schemas.microsoft.com/office/drawing/2018/hyperlinkcolor" showMasterPhAnim="0" showMasterSp="0">
+  <p:cSld>
+    <p:spTree>
+      <p:nvGrpSpPr>
+        <p:cNvPr id="250" name="Shape 250"/>
+        <p:cNvGrpSpPr/>
+        <p:nvPr/>
+      </p:nvGrpSpPr>
+      <p:grpSpPr>
+        <a:xfrm>
+          <a:off x="0" y="0"/>
+          <a:ext cx="0" cy="0"/>
+          <a:chOff x="0" y="0"/>
+          <a:chExt cx="0" cy="0"/>
+        </a:xfrm>
+      </p:grpSpPr>
+      <p:sp>
+        <p:nvSpPr>
+          <p:cNvPr id="251" name="Google Shape;251;g278ab273896_0_403:notes"/>
+          <p:cNvSpPr/>
+          <p:nvPr>
+            <p:ph idx="2" type="sldImg"/>
+          </p:nvPr>
+        </p:nvSpPr>
+        <p:spPr>
+          <a:xfrm>
+            <a:off x="381300" y="685800"/>
+            <a:ext cx="6096000" cy="3429000"/>
+          </a:xfrm>
+          <a:custGeom>
+            <a:rect b="b" l="l" r="r" t="t"/>
+            <a:pathLst>
+              <a:path extrusionOk="0" h="120000" w="120000">
+                <a:moveTo>
+                  <a:pt x="0" y="0"/>
+                </a:moveTo>
+                <a:lnTo>
+                  <a:pt x="120000" y="0"/>
+                </a:lnTo>
+                <a:lnTo>
+                  <a:pt x="120000" y="120000"/>
+                </a:lnTo>
+                <a:lnTo>
+                  <a:pt x="0" y="120000"/>
+                </a:lnTo>
+                <a:close/>
+              </a:path>
+            </a:pathLst>
+          </a:custGeom>
+        </p:spPr>
+      </p:sp>
+      <p:sp>
+        <p:nvSpPr>
+          <p:cNvPr id="252" name="Google Shape;252;g278ab273896_0_403:notes"/>
+          <p:cNvSpPr txBox="1"/>
+          <p:nvPr>
+            <p:ph idx="1" type="body"/>
+          </p:nvPr>
+        </p:nvSpPr>
+        <p:spPr>
+          <a:xfrm>
+            <a:off x="685800" y="4343400"/>
+            <a:ext cx="5486400" cy="4114800"/>
+          </a:xfrm>
+          <a:prstGeom prst="rect">
+            <a:avLst/>
+          </a:prstGeom>
+        </p:spPr>
+        <p:txBody>
+          <a:bodyPr anchorCtr="0" anchor="t" bIns="91425" lIns="91425" spcFirstLastPara="1" rIns="91425" wrap="square" tIns="91425">
+            <a:noAutofit/>
+          </a:bodyPr>
+          <a:lstStyle/>
+          <a:p>
+            <a:pPr indent="0" lvl="0" marL="0" rtl="0" algn="l">
+              <a:spcBef>
+                <a:spcPts val="0"/>
+              </a:spcBef>
+              <a:spcAft>
+                <a:spcPts val="0"/>
+              </a:spcAft>
+              <a:buNone/>
+            </a:pPr>
+            <a:r>
+              <a:t/>
+            </a:r>
+            <a:endParaRPr/>
+          </a:p>
+        </p:txBody>
+      </p:sp>
+    </p:spTree>
+  </p:cSld>
+  <p:clrMapOvr>
+    <a:masterClrMapping/>
+  </p:clrMapOvr>
+</p:notes>
+</file>
+
+<file path=ppt/notesSlides/notesSlide19.xml><?xml version="1.0" encoding="utf-8"?>
+<p:notes xmlns:a="http://schemas.openxmlformats.org/drawingml/2006/main" xmlns:r="http://schemas.openxmlformats.org/officeDocument/2006/relationships" xmlns:mc="http://schemas.openxmlformats.org/markup-compatibility/2006" xmlns:mv="urn:schemas-microsoft-com:mac:vml" xmlns:p="http://schemas.openxmlformats.org/presentationml/2006/main" xmlns:c="http://schemas.openxmlformats.org/drawingml/2006/chart" xmlns:dgm="http://schemas.openxmlformats.org/drawingml/2006/diagram" xmlns:o="urn:schemas-microsoft-com:office:office" xmlns:v="urn:schemas-microsoft-com:vml" xmlns:pvml="urn:schemas-microsoft-com:office:powerpoint" xmlns:com="http://schemas.openxmlformats.org/drawingml/2006/compatibility" xmlns:p14="http://schemas.microsoft.com/office/powerpoint/2010/main" xmlns:p15="http://schemas.microsoft.com/office/powerpoint/2012/main" xmlns:ahyp="http://schemas.microsoft.com/office/drawing/2018/hyperlinkcolor" showMasterPhAnim="0" showMasterSp="0">
+  <p:cSld>
+    <p:spTree>
+      <p:nvGrpSpPr>
+        <p:cNvPr id="257" name="Shape 257"/>
+        <p:cNvGrpSpPr/>
+        <p:nvPr/>
+      </p:nvGrpSpPr>
+      <p:grpSpPr>
+        <a:xfrm>
+          <a:off x="0" y="0"/>
+          <a:ext cx="0" cy="0"/>
+          <a:chOff x="0" y="0"/>
+          <a:chExt cx="0" cy="0"/>
+        </a:xfrm>
+      </p:grpSpPr>
+      <p:sp>
+        <p:nvSpPr>
+          <p:cNvPr id="258" name="Google Shape;258;g278ab273896_0_410:notes"/>
+          <p:cNvSpPr/>
+          <p:nvPr>
+            <p:ph idx="2" type="sldImg"/>
+          </p:nvPr>
+        </p:nvSpPr>
+        <p:spPr>
+          <a:xfrm>
+            <a:off x="381300" y="685800"/>
+            <a:ext cx="6096000" cy="3429000"/>
+          </a:xfrm>
+          <a:custGeom>
+            <a:rect b="b" l="l" r="r" t="t"/>
+            <a:pathLst>
+              <a:path extrusionOk="0" h="120000" w="120000">
+                <a:moveTo>
+                  <a:pt x="0" y="0"/>
+                </a:moveTo>
+                <a:lnTo>
+                  <a:pt x="120000" y="0"/>
+                </a:lnTo>
+                <a:lnTo>
+                  <a:pt x="120000" y="120000"/>
+                </a:lnTo>
+                <a:lnTo>
+                  <a:pt x="0" y="120000"/>
+                </a:lnTo>
+                <a:close/>
+              </a:path>
+            </a:pathLst>
+          </a:custGeom>
+        </p:spPr>
+      </p:sp>
+      <p:sp>
+        <p:nvSpPr>
+          <p:cNvPr id="259" name="Google Shape;259;g278ab273896_0_410:notes"/>
+          <p:cNvSpPr txBox="1"/>
+          <p:nvPr>
+            <p:ph idx="1" type="body"/>
+          </p:nvPr>
+        </p:nvSpPr>
+        <p:spPr>
+          <a:xfrm>
+            <a:off x="685800" y="4343400"/>
+            <a:ext cx="5486400" cy="4114800"/>
+          </a:xfrm>
+          <a:prstGeom prst="rect">
+            <a:avLst/>
+          </a:prstGeom>
+        </p:spPr>
+        <p:txBody>
+          <a:bodyPr anchorCtr="0" anchor="t" bIns="91425" lIns="91425" spcFirstLastPara="1" rIns="91425" wrap="square" tIns="91425">
+            <a:noAutofit/>
+          </a:bodyPr>
+          <a:lstStyle/>
+          <a:p>
+            <a:pPr indent="0" lvl="0" marL="0" rtl="0" algn="l">
+              <a:spcBef>
+                <a:spcPts val="0"/>
+              </a:spcBef>
+              <a:spcAft>
+                <a:spcPts val="0"/>
+              </a:spcAft>
+              <a:buNone/>
+            </a:pPr>
+            <a:r>
+              <a:t/>
+            </a:r>
+            <a:endParaRPr/>
+          </a:p>
+        </p:txBody>
+      </p:sp>
+    </p:spTree>
+  </p:cSld>
+  <p:clrMapOvr>
+    <a:masterClrMapping/>
+  </p:clrMapOvr>
+</p:notes>
+</file>
+
 <file path=ppt/notesSlides/notesSlide2.xml><?xml version="1.0" encoding="utf-8"?>
 <p:notes xmlns:a="http://schemas.openxmlformats.org/drawingml/2006/main" xmlns:r="http://schemas.openxmlformats.org/officeDocument/2006/relationships" xmlns:mc="http://schemas.openxmlformats.org/markup-compatibility/2006" xmlns:mv="urn:schemas-microsoft-com:mac:vml" xmlns:p="http://schemas.openxmlformats.org/presentationml/2006/main" xmlns:c="http://schemas.openxmlformats.org/drawingml/2006/chart" xmlns:dgm="http://schemas.openxmlformats.org/drawingml/2006/diagram" xmlns:o="urn:schemas-microsoft-com:office:office" xmlns:v="urn:schemas-microsoft-com:vml" xmlns:pvml="urn:schemas-microsoft-com:office:powerpoint" xmlns:com="http://schemas.openxmlformats.org/drawingml/2006/compatibility" xmlns:p14="http://schemas.microsoft.com/office/powerpoint/2010/main" xmlns:p15="http://schemas.microsoft.com/office/powerpoint/2012/main" xmlns:ahyp="http://schemas.microsoft.com/office/drawing/2018/hyperlinkcolor" showMasterPhAnim="0" showMasterSp="0">
   <p:cSld>
@@ -863,6 +1866,204 @@
       <p:sp>
         <p:nvSpPr>
           <p:cNvPr id="138" name="Google Shape;138;g278ab273896_0_279:notes"/>
+          <p:cNvSpPr txBox="1"/>
+          <p:nvPr>
+            <p:ph idx="1" type="body"/>
+          </p:nvPr>
+        </p:nvSpPr>
+        <p:spPr>
+          <a:xfrm>
+            <a:off x="685800" y="4343400"/>
+            <a:ext cx="5486400" cy="4114800"/>
+          </a:xfrm>
+          <a:prstGeom prst="rect">
+            <a:avLst/>
+          </a:prstGeom>
+        </p:spPr>
+        <p:txBody>
+          <a:bodyPr anchorCtr="0" anchor="t" bIns="91425" lIns="91425" spcFirstLastPara="1" rIns="91425" wrap="square" tIns="91425">
+            <a:noAutofit/>
+          </a:bodyPr>
+          <a:lstStyle/>
+          <a:p>
+            <a:pPr indent="0" lvl="0" marL="0" rtl="0" algn="l">
+              <a:spcBef>
+                <a:spcPts val="0"/>
+              </a:spcBef>
+              <a:spcAft>
+                <a:spcPts val="0"/>
+              </a:spcAft>
+              <a:buNone/>
+            </a:pPr>
+            <a:r>
+              <a:t/>
+            </a:r>
+            <a:endParaRPr/>
+          </a:p>
+        </p:txBody>
+      </p:sp>
+    </p:spTree>
+  </p:cSld>
+  <p:clrMapOvr>
+    <a:masterClrMapping/>
+  </p:clrMapOvr>
+</p:notes>
+</file>
+
+<file path=ppt/notesSlides/notesSlide20.xml><?xml version="1.0" encoding="utf-8"?>
+<p:notes xmlns:a="http://schemas.openxmlformats.org/drawingml/2006/main" xmlns:r="http://schemas.openxmlformats.org/officeDocument/2006/relationships" xmlns:mc="http://schemas.openxmlformats.org/markup-compatibility/2006" xmlns:mv="urn:schemas-microsoft-com:mac:vml" xmlns:p="http://schemas.openxmlformats.org/presentationml/2006/main" xmlns:c="http://schemas.openxmlformats.org/drawingml/2006/chart" xmlns:dgm="http://schemas.openxmlformats.org/drawingml/2006/diagram" xmlns:o="urn:schemas-microsoft-com:office:office" xmlns:v="urn:schemas-microsoft-com:vml" xmlns:pvml="urn:schemas-microsoft-com:office:powerpoint" xmlns:com="http://schemas.openxmlformats.org/drawingml/2006/compatibility" xmlns:p14="http://schemas.microsoft.com/office/powerpoint/2010/main" xmlns:p15="http://schemas.microsoft.com/office/powerpoint/2012/main" xmlns:ahyp="http://schemas.microsoft.com/office/drawing/2018/hyperlinkcolor" showMasterPhAnim="0" showMasterSp="0">
+  <p:cSld>
+    <p:spTree>
+      <p:nvGrpSpPr>
+        <p:cNvPr id="264" name="Shape 264"/>
+        <p:cNvGrpSpPr/>
+        <p:nvPr/>
+      </p:nvGrpSpPr>
+      <p:grpSpPr>
+        <a:xfrm>
+          <a:off x="0" y="0"/>
+          <a:ext cx="0" cy="0"/>
+          <a:chOff x="0" y="0"/>
+          <a:chExt cx="0" cy="0"/>
+        </a:xfrm>
+      </p:grpSpPr>
+      <p:sp>
+        <p:nvSpPr>
+          <p:cNvPr id="265" name="Google Shape;265;g278ab273896_0_416:notes"/>
+          <p:cNvSpPr/>
+          <p:nvPr>
+            <p:ph idx="2" type="sldImg"/>
+          </p:nvPr>
+        </p:nvSpPr>
+        <p:spPr>
+          <a:xfrm>
+            <a:off x="381300" y="685800"/>
+            <a:ext cx="6096000" cy="3429000"/>
+          </a:xfrm>
+          <a:custGeom>
+            <a:rect b="b" l="l" r="r" t="t"/>
+            <a:pathLst>
+              <a:path extrusionOk="0" h="120000" w="120000">
+                <a:moveTo>
+                  <a:pt x="0" y="0"/>
+                </a:moveTo>
+                <a:lnTo>
+                  <a:pt x="120000" y="0"/>
+                </a:lnTo>
+                <a:lnTo>
+                  <a:pt x="120000" y="120000"/>
+                </a:lnTo>
+                <a:lnTo>
+                  <a:pt x="0" y="120000"/>
+                </a:lnTo>
+                <a:close/>
+              </a:path>
+            </a:pathLst>
+          </a:custGeom>
+        </p:spPr>
+      </p:sp>
+      <p:sp>
+        <p:nvSpPr>
+          <p:cNvPr id="266" name="Google Shape;266;g278ab273896_0_416:notes"/>
+          <p:cNvSpPr txBox="1"/>
+          <p:nvPr>
+            <p:ph idx="1" type="body"/>
+          </p:nvPr>
+        </p:nvSpPr>
+        <p:spPr>
+          <a:xfrm>
+            <a:off x="685800" y="4343400"/>
+            <a:ext cx="5486400" cy="4114800"/>
+          </a:xfrm>
+          <a:prstGeom prst="rect">
+            <a:avLst/>
+          </a:prstGeom>
+        </p:spPr>
+        <p:txBody>
+          <a:bodyPr anchorCtr="0" anchor="t" bIns="91425" lIns="91425" spcFirstLastPara="1" rIns="91425" wrap="square" tIns="91425">
+            <a:noAutofit/>
+          </a:bodyPr>
+          <a:lstStyle/>
+          <a:p>
+            <a:pPr indent="0" lvl="0" marL="0" rtl="0" algn="l">
+              <a:spcBef>
+                <a:spcPts val="0"/>
+              </a:spcBef>
+              <a:spcAft>
+                <a:spcPts val="0"/>
+              </a:spcAft>
+              <a:buNone/>
+            </a:pPr>
+            <a:r>
+              <a:t/>
+            </a:r>
+            <a:endParaRPr/>
+          </a:p>
+        </p:txBody>
+      </p:sp>
+    </p:spTree>
+  </p:cSld>
+  <p:clrMapOvr>
+    <a:masterClrMapping/>
+  </p:clrMapOvr>
+</p:notes>
+</file>
+
+<file path=ppt/notesSlides/notesSlide21.xml><?xml version="1.0" encoding="utf-8"?>
+<p:notes xmlns:a="http://schemas.openxmlformats.org/drawingml/2006/main" xmlns:r="http://schemas.openxmlformats.org/officeDocument/2006/relationships" xmlns:mc="http://schemas.openxmlformats.org/markup-compatibility/2006" xmlns:mv="urn:schemas-microsoft-com:mac:vml" xmlns:p="http://schemas.openxmlformats.org/presentationml/2006/main" xmlns:c="http://schemas.openxmlformats.org/drawingml/2006/chart" xmlns:dgm="http://schemas.openxmlformats.org/drawingml/2006/diagram" xmlns:o="urn:schemas-microsoft-com:office:office" xmlns:v="urn:schemas-microsoft-com:vml" xmlns:pvml="urn:schemas-microsoft-com:office:powerpoint" xmlns:com="http://schemas.openxmlformats.org/drawingml/2006/compatibility" xmlns:p14="http://schemas.microsoft.com/office/powerpoint/2010/main" xmlns:p15="http://schemas.microsoft.com/office/powerpoint/2012/main" xmlns:ahyp="http://schemas.microsoft.com/office/drawing/2018/hyperlinkcolor" showMasterPhAnim="0" showMasterSp="0">
+  <p:cSld>
+    <p:spTree>
+      <p:nvGrpSpPr>
+        <p:cNvPr id="271" name="Shape 271"/>
+        <p:cNvGrpSpPr/>
+        <p:nvPr/>
+      </p:nvGrpSpPr>
+      <p:grpSpPr>
+        <a:xfrm>
+          <a:off x="0" y="0"/>
+          <a:ext cx="0" cy="0"/>
+          <a:chOff x="0" y="0"/>
+          <a:chExt cx="0" cy="0"/>
+        </a:xfrm>
+      </p:grpSpPr>
+      <p:sp>
+        <p:nvSpPr>
+          <p:cNvPr id="272" name="Google Shape;272;g278ab273896_0_423:notes"/>
+          <p:cNvSpPr/>
+          <p:nvPr>
+            <p:ph idx="2" type="sldImg"/>
+          </p:nvPr>
+        </p:nvSpPr>
+        <p:spPr>
+          <a:xfrm>
+            <a:off x="381300" y="685800"/>
+            <a:ext cx="6096000" cy="3429000"/>
+          </a:xfrm>
+          <a:custGeom>
+            <a:rect b="b" l="l" r="r" t="t"/>
+            <a:pathLst>
+              <a:path extrusionOk="0" h="120000" w="120000">
+                <a:moveTo>
+                  <a:pt x="0" y="0"/>
+                </a:moveTo>
+                <a:lnTo>
+                  <a:pt x="120000" y="0"/>
+                </a:lnTo>
+                <a:lnTo>
+                  <a:pt x="120000" y="120000"/>
+                </a:lnTo>
+                <a:lnTo>
+                  <a:pt x="0" y="120000"/>
+                </a:lnTo>
+                <a:close/>
+              </a:path>
+            </a:pathLst>
+          </a:custGeom>
+        </p:spPr>
+      </p:sp>
+      <p:sp>
+        <p:nvSpPr>
+          <p:cNvPr id="273" name="Google Shape;273;g278ab273896_0_423:notes"/>
           <p:cNvSpPr txBox="1"/>
           <p:nvPr>
             <p:ph idx="1" type="body"/>
@@ -1421,7 +2622,7 @@
       </p:grpSpPr>
       <p:sp>
         <p:nvSpPr>
-          <p:cNvPr id="176" name="Google Shape;176;g278ab273896_0_325:notes"/>
+          <p:cNvPr id="176" name="Google Shape;176;g278ab273896_0_336:notes"/>
           <p:cNvSpPr/>
           <p:nvPr>
             <p:ph idx="2" type="sldImg"/>
@@ -1456,7 +2657,106 @@
       </p:sp>
       <p:sp>
         <p:nvSpPr>
-          <p:cNvPr id="177" name="Google Shape;177;g278ab273896_0_325:notes"/>
+          <p:cNvPr id="177" name="Google Shape;177;g278ab273896_0_336:notes"/>
+          <p:cNvSpPr txBox="1"/>
+          <p:nvPr>
+            <p:ph idx="1" type="body"/>
+          </p:nvPr>
+        </p:nvSpPr>
+        <p:spPr>
+          <a:xfrm>
+            <a:off x="685800" y="4343400"/>
+            <a:ext cx="5486400" cy="4114800"/>
+          </a:xfrm>
+          <a:prstGeom prst="rect">
+            <a:avLst/>
+          </a:prstGeom>
+        </p:spPr>
+        <p:txBody>
+          <a:bodyPr anchorCtr="0" anchor="t" bIns="91425" lIns="91425" spcFirstLastPara="1" rIns="91425" wrap="square" tIns="91425">
+            <a:noAutofit/>
+          </a:bodyPr>
+          <a:lstStyle/>
+          <a:p>
+            <a:pPr indent="0" lvl="0" marL="0" rtl="0" algn="l">
+              <a:spcBef>
+                <a:spcPts val="0"/>
+              </a:spcBef>
+              <a:spcAft>
+                <a:spcPts val="0"/>
+              </a:spcAft>
+              <a:buNone/>
+            </a:pPr>
+            <a:r>
+              <a:t/>
+            </a:r>
+            <a:endParaRPr/>
+          </a:p>
+        </p:txBody>
+      </p:sp>
+    </p:spTree>
+  </p:cSld>
+  <p:clrMapOvr>
+    <a:masterClrMapping/>
+  </p:clrMapOvr>
+</p:notes>
+</file>
+
+<file path=ppt/notesSlides/notesSlide9.xml><?xml version="1.0" encoding="utf-8"?>
+<p:notes xmlns:a="http://schemas.openxmlformats.org/drawingml/2006/main" xmlns:r="http://schemas.openxmlformats.org/officeDocument/2006/relationships" xmlns:mc="http://schemas.openxmlformats.org/markup-compatibility/2006" xmlns:mv="urn:schemas-microsoft-com:mac:vml" xmlns:p="http://schemas.openxmlformats.org/presentationml/2006/main" xmlns:c="http://schemas.openxmlformats.org/drawingml/2006/chart" xmlns:dgm="http://schemas.openxmlformats.org/drawingml/2006/diagram" xmlns:o="urn:schemas-microsoft-com:office:office" xmlns:v="urn:schemas-microsoft-com:vml" xmlns:pvml="urn:schemas-microsoft-com:office:powerpoint" xmlns:com="http://schemas.openxmlformats.org/drawingml/2006/compatibility" xmlns:p14="http://schemas.microsoft.com/office/powerpoint/2010/main" xmlns:p15="http://schemas.microsoft.com/office/powerpoint/2012/main" xmlns:ahyp="http://schemas.microsoft.com/office/drawing/2018/hyperlinkcolor" showMasterPhAnim="0" showMasterSp="0">
+  <p:cSld>
+    <p:spTree>
+      <p:nvGrpSpPr>
+        <p:cNvPr id="182" name="Shape 182"/>
+        <p:cNvGrpSpPr/>
+        <p:nvPr/>
+      </p:nvGrpSpPr>
+      <p:grpSpPr>
+        <a:xfrm>
+          <a:off x="0" y="0"/>
+          <a:ext cx="0" cy="0"/>
+          <a:chOff x="0" y="0"/>
+          <a:chExt cx="0" cy="0"/>
+        </a:xfrm>
+      </p:grpSpPr>
+      <p:sp>
+        <p:nvSpPr>
+          <p:cNvPr id="183" name="Google Shape;183;g278ab273896_0_325:notes"/>
+          <p:cNvSpPr/>
+          <p:nvPr>
+            <p:ph idx="2" type="sldImg"/>
+          </p:nvPr>
+        </p:nvSpPr>
+        <p:spPr>
+          <a:xfrm>
+            <a:off x="381300" y="685800"/>
+            <a:ext cx="6096000" cy="3429000"/>
+          </a:xfrm>
+          <a:custGeom>
+            <a:rect b="b" l="l" r="r" t="t"/>
+            <a:pathLst>
+              <a:path extrusionOk="0" h="120000" w="120000">
+                <a:moveTo>
+                  <a:pt x="0" y="0"/>
+                </a:moveTo>
+                <a:lnTo>
+                  <a:pt x="120000" y="0"/>
+                </a:lnTo>
+                <a:lnTo>
+                  <a:pt x="120000" y="120000"/>
+                </a:lnTo>
+                <a:lnTo>
+                  <a:pt x="0" y="120000"/>
+                </a:lnTo>
+                <a:close/>
+              </a:path>
+            </a:pathLst>
+          </a:custGeom>
+        </p:spPr>
+      </p:sp>
+      <p:sp>
+        <p:nvSpPr>
+          <p:cNvPr id="184" name="Google Shape;184;g278ab273896_0_325:notes"/>
           <p:cNvSpPr txBox="1"/>
           <p:nvPr>
             <p:ph idx="1" type="body"/>
@@ -9805,6 +11105,2351 @@
 </p:sld>
 </file>
 
+<file path=ppt/slides/slide10.xml><?xml version="1.0" encoding="utf-8"?>
+<p:sld xmlns:a="http://schemas.openxmlformats.org/drawingml/2006/main" xmlns:r="http://schemas.openxmlformats.org/officeDocument/2006/relationships" xmlns:mc="http://schemas.openxmlformats.org/markup-compatibility/2006" xmlns:mv="urn:schemas-microsoft-com:mac:vml" xmlns:p="http://schemas.openxmlformats.org/presentationml/2006/main" xmlns:c="http://schemas.openxmlformats.org/drawingml/2006/chart" xmlns:dgm="http://schemas.openxmlformats.org/drawingml/2006/diagram" xmlns:o="urn:schemas-microsoft-com:office:office" xmlns:v="urn:schemas-microsoft-com:vml" xmlns:pvml="urn:schemas-microsoft-com:office:powerpoint" xmlns:com="http://schemas.openxmlformats.org/drawingml/2006/compatibility" xmlns:p14="http://schemas.microsoft.com/office/powerpoint/2010/main" xmlns:p15="http://schemas.microsoft.com/office/powerpoint/2012/main" xmlns:ahyp="http://schemas.microsoft.com/office/drawing/2018/hyperlinkcolor">
+  <p:cSld>
+    <p:spTree>
+      <p:nvGrpSpPr>
+        <p:cNvPr id="193" name="Shape 193"/>
+        <p:cNvGrpSpPr/>
+        <p:nvPr/>
+      </p:nvGrpSpPr>
+      <p:grpSpPr>
+        <a:xfrm>
+          <a:off x="0" y="0"/>
+          <a:ext cx="0" cy="0"/>
+          <a:chOff x="0" y="0"/>
+          <a:chExt cx="0" cy="0"/>
+        </a:xfrm>
+      </p:grpSpPr>
+      <p:sp>
+        <p:nvSpPr>
+          <p:cNvPr id="194" name="Google Shape;194;p22"/>
+          <p:cNvSpPr txBox="1"/>
+          <p:nvPr>
+            <p:ph type="title"/>
+          </p:nvPr>
+        </p:nvSpPr>
+        <p:spPr>
+          <a:xfrm>
+            <a:off x="1297500" y="393750"/>
+            <a:ext cx="7038900" cy="914100"/>
+          </a:xfrm>
+          <a:prstGeom prst="rect">
+            <a:avLst/>
+          </a:prstGeom>
+        </p:spPr>
+        <p:txBody>
+          <a:bodyPr anchorCtr="0" anchor="t" bIns="91425" lIns="91425" spcFirstLastPara="1" rIns="91425" wrap="square" tIns="91425">
+            <a:normAutofit fontScale="90000"/>
+          </a:bodyPr>
+          <a:lstStyle/>
+          <a:p>
+            <a:pPr indent="0" lvl="0" marL="0" rtl="0" algn="l">
+              <a:spcBef>
+                <a:spcPts val="0"/>
+              </a:spcBef>
+              <a:spcAft>
+                <a:spcPts val="0"/>
+              </a:spcAft>
+              <a:buNone/>
+            </a:pPr>
+            <a:r>
+              <a:rPr lang="hu"/>
+              <a:t>6. </a:t>
+            </a:r>
+            <a:r>
+              <a:rPr lang="hu"/>
+              <a:t>Are there any stations that should be expanded based on high usage?</a:t>
+            </a:r>
+            <a:endParaRPr/>
+          </a:p>
+        </p:txBody>
+      </p:sp>
+      <p:sp>
+        <p:nvSpPr>
+          <p:cNvPr id="195" name="Google Shape;195;p22"/>
+          <p:cNvSpPr txBox="1"/>
+          <p:nvPr>
+            <p:ph idx="1" type="body"/>
+          </p:nvPr>
+        </p:nvSpPr>
+        <p:spPr>
+          <a:xfrm>
+            <a:off x="1297500" y="1478000"/>
+            <a:ext cx="7038900" cy="2911200"/>
+          </a:xfrm>
+          <a:prstGeom prst="rect">
+            <a:avLst/>
+          </a:prstGeom>
+        </p:spPr>
+        <p:txBody>
+          <a:bodyPr anchorCtr="0" anchor="t" bIns="91425" lIns="91425" spcFirstLastPara="1" rIns="91425" wrap="square" tIns="91425">
+            <a:normAutofit/>
+          </a:bodyPr>
+          <a:lstStyle/>
+          <a:p>
+            <a:pPr indent="0" lvl="0" marL="0" rtl="0" algn="l">
+              <a:spcBef>
+                <a:spcPts val="0"/>
+              </a:spcBef>
+              <a:spcAft>
+                <a:spcPts val="0"/>
+              </a:spcAft>
+              <a:buNone/>
+            </a:pPr>
+            <a:r>
+              <a:rPr lang="hu" sz="900"/>
+              <a:t>The higher the previously mentioned delta for a station is, the more dock a station needs.</a:t>
+            </a:r>
+            <a:endParaRPr sz="900"/>
+          </a:p>
+          <a:p>
+            <a:pPr indent="0" lvl="0" marL="0" rtl="0" algn="l">
+              <a:spcBef>
+                <a:spcPts val="1200"/>
+              </a:spcBef>
+              <a:spcAft>
+                <a:spcPts val="0"/>
+              </a:spcAft>
+              <a:buNone/>
+            </a:pPr>
+            <a:r>
+              <a:rPr lang="hu" sz="900"/>
+              <a:t>If the delta is a high negative, it means that way more bike is leaving the station that what comes in. These stations need to be stocked up at the start of the day so they don’t run out of bikes too quick and cause frustration to the user. Just to mention a few examples:</a:t>
+            </a:r>
+            <a:endParaRPr sz="900"/>
+          </a:p>
+          <a:p>
+            <a:pPr indent="-285750" lvl="0" marL="457200" rtl="0" algn="l">
+              <a:spcBef>
+                <a:spcPts val="1200"/>
+              </a:spcBef>
+              <a:spcAft>
+                <a:spcPts val="0"/>
+              </a:spcAft>
+              <a:buSzPts val="900"/>
+              <a:buChar char="-"/>
+            </a:pPr>
+            <a:r>
+              <a:rPr lang="hu" sz="900"/>
+              <a:t>Some of the stations on this list (like William IV Street, Strand) has only 26 docks, while it’s a very popular station (high total flows) and a massive negative delta.</a:t>
+            </a:r>
+            <a:endParaRPr sz="900"/>
+          </a:p>
+          <a:p>
+            <a:pPr indent="-285750" lvl="0" marL="457200" rtl="0" algn="l">
+              <a:spcBef>
+                <a:spcPts val="0"/>
+              </a:spcBef>
+              <a:spcAft>
+                <a:spcPts val="0"/>
+              </a:spcAft>
+              <a:buSzPts val="900"/>
+              <a:buChar char="-"/>
+            </a:pPr>
+            <a:r>
+              <a:rPr lang="hu" sz="900"/>
+              <a:t>For Holborn Circus the number of docks is fairly high (although should still be higher), and the 0 bikes_count is also worrying if it </a:t>
+            </a:r>
+            <a:r>
+              <a:rPr lang="hu" sz="900"/>
+              <a:t>implies</a:t>
+            </a:r>
+            <a:r>
+              <a:rPr lang="hu" sz="900"/>
+              <a:t> that they are all taken, as it’s an outflow station. </a:t>
+            </a:r>
+            <a:endParaRPr sz="900"/>
+          </a:p>
+          <a:p>
+            <a:pPr indent="0" lvl="0" marL="0" rtl="0" algn="l">
+              <a:spcBef>
+                <a:spcPts val="1200"/>
+              </a:spcBef>
+              <a:spcAft>
+                <a:spcPts val="1200"/>
+              </a:spcAft>
+              <a:buNone/>
+            </a:pPr>
+            <a:r>
+              <a:t/>
+            </a:r>
+            <a:endParaRPr sz="900"/>
+          </a:p>
+        </p:txBody>
+      </p:sp>
+      <p:pic>
+        <p:nvPicPr>
+          <p:cNvPr id="196" name="Google Shape;196;p22"/>
+          <p:cNvPicPr preferRelativeResize="0"/>
+          <p:nvPr/>
+        </p:nvPicPr>
+        <p:blipFill>
+          <a:blip r:embed="rId3">
+            <a:alphaModFix/>
+          </a:blip>
+          <a:stretch>
+            <a:fillRect/>
+          </a:stretch>
+        </p:blipFill>
+        <p:spPr>
+          <a:xfrm>
+            <a:off x="863225" y="3135374"/>
+            <a:ext cx="8034500" cy="1731100"/>
+          </a:xfrm>
+          <a:prstGeom prst="rect">
+            <a:avLst/>
+          </a:prstGeom>
+          <a:noFill/>
+          <a:ln>
+            <a:noFill/>
+          </a:ln>
+        </p:spPr>
+      </p:pic>
+    </p:spTree>
+  </p:cSld>
+  <p:clrMapOvr>
+    <a:masterClrMapping/>
+  </p:clrMapOvr>
+</p:sld>
+</file>
+
+<file path=ppt/slides/slide11.xml><?xml version="1.0" encoding="utf-8"?>
+<p:sld xmlns:a="http://schemas.openxmlformats.org/drawingml/2006/main" xmlns:r="http://schemas.openxmlformats.org/officeDocument/2006/relationships" xmlns:mc="http://schemas.openxmlformats.org/markup-compatibility/2006" xmlns:mv="urn:schemas-microsoft-com:mac:vml" xmlns:p="http://schemas.openxmlformats.org/presentationml/2006/main" xmlns:c="http://schemas.openxmlformats.org/drawingml/2006/chart" xmlns:dgm="http://schemas.openxmlformats.org/drawingml/2006/diagram" xmlns:o="urn:schemas-microsoft-com:office:office" xmlns:v="urn:schemas-microsoft-com:vml" xmlns:pvml="urn:schemas-microsoft-com:office:powerpoint" xmlns:com="http://schemas.openxmlformats.org/drawingml/2006/compatibility" xmlns:p14="http://schemas.microsoft.com/office/powerpoint/2010/main" xmlns:p15="http://schemas.microsoft.com/office/powerpoint/2012/main" xmlns:ahyp="http://schemas.microsoft.com/office/drawing/2018/hyperlinkcolor">
+  <p:cSld>
+    <p:spTree>
+      <p:nvGrpSpPr>
+        <p:cNvPr id="200" name="Shape 200"/>
+        <p:cNvGrpSpPr/>
+        <p:nvPr/>
+      </p:nvGrpSpPr>
+      <p:grpSpPr>
+        <a:xfrm>
+          <a:off x="0" y="0"/>
+          <a:ext cx="0" cy="0"/>
+          <a:chOff x="0" y="0"/>
+          <a:chExt cx="0" cy="0"/>
+        </a:xfrm>
+      </p:grpSpPr>
+      <p:sp>
+        <p:nvSpPr>
+          <p:cNvPr id="201" name="Google Shape;201;p23"/>
+          <p:cNvSpPr txBox="1"/>
+          <p:nvPr>
+            <p:ph type="title"/>
+          </p:nvPr>
+        </p:nvSpPr>
+        <p:spPr>
+          <a:xfrm>
+            <a:off x="1297500" y="393750"/>
+            <a:ext cx="7038900" cy="914100"/>
+          </a:xfrm>
+          <a:prstGeom prst="rect">
+            <a:avLst/>
+          </a:prstGeom>
+        </p:spPr>
+        <p:txBody>
+          <a:bodyPr anchorCtr="0" anchor="t" bIns="91425" lIns="91425" spcFirstLastPara="1" rIns="91425" wrap="square" tIns="91425">
+            <a:normAutofit fontScale="90000"/>
+          </a:bodyPr>
+          <a:lstStyle/>
+          <a:p>
+            <a:pPr indent="0" lvl="0" marL="0" rtl="0" algn="l">
+              <a:spcBef>
+                <a:spcPts val="0"/>
+              </a:spcBef>
+              <a:spcAft>
+                <a:spcPts val="0"/>
+              </a:spcAft>
+              <a:buNone/>
+            </a:pPr>
+            <a:r>
+              <a:rPr lang="hu"/>
+              <a:t>6. Are there any stations that should be expanded based on high usage?</a:t>
+            </a:r>
+            <a:endParaRPr/>
+          </a:p>
+        </p:txBody>
+      </p:sp>
+      <p:sp>
+        <p:nvSpPr>
+          <p:cNvPr id="202" name="Google Shape;202;p23"/>
+          <p:cNvSpPr txBox="1"/>
+          <p:nvPr>
+            <p:ph idx="1" type="body"/>
+          </p:nvPr>
+        </p:nvSpPr>
+        <p:spPr>
+          <a:xfrm>
+            <a:off x="1297500" y="1567550"/>
+            <a:ext cx="7038900" cy="2911200"/>
+          </a:xfrm>
+          <a:prstGeom prst="rect">
+            <a:avLst/>
+          </a:prstGeom>
+        </p:spPr>
+        <p:txBody>
+          <a:bodyPr anchorCtr="0" anchor="t" bIns="91425" lIns="91425" spcFirstLastPara="1" rIns="91425" wrap="square" tIns="91425">
+            <a:normAutofit/>
+          </a:bodyPr>
+          <a:lstStyle/>
+          <a:p>
+            <a:pPr indent="0" lvl="0" marL="0" rtl="0" algn="l">
+              <a:spcBef>
+                <a:spcPts val="0"/>
+              </a:spcBef>
+              <a:spcAft>
+                <a:spcPts val="0"/>
+              </a:spcAft>
+              <a:buNone/>
+            </a:pPr>
+            <a:r>
+              <a:rPr lang="hu" sz="1100"/>
+              <a:t>Looking at the other way around (high positive delta), we can also see room for improvement (docks count should be very high, bikes count should be low):</a:t>
+            </a:r>
+            <a:endParaRPr sz="1100"/>
+          </a:p>
+          <a:p>
+            <a:pPr indent="-298450" lvl="0" marL="457200" rtl="0" algn="l">
+              <a:spcBef>
+                <a:spcPts val="1200"/>
+              </a:spcBef>
+              <a:spcAft>
+                <a:spcPts val="0"/>
+              </a:spcAft>
+              <a:buSzPts val="1100"/>
+              <a:buChar char="-"/>
+            </a:pPr>
+            <a:r>
+              <a:rPr lang="hu" sz="1100"/>
+              <a:t>Waterloo station, even though has a high docks count, has only 1 empty dock - which suggest that people won’t be able to park their bikes there as it’s often full, being the highest positive delta station</a:t>
+            </a:r>
+            <a:endParaRPr sz="1100"/>
+          </a:p>
+          <a:p>
+            <a:pPr indent="-298450" lvl="0" marL="457200" rtl="0" algn="l">
+              <a:spcBef>
+                <a:spcPts val="0"/>
+              </a:spcBef>
+              <a:spcAft>
+                <a:spcPts val="0"/>
+              </a:spcAft>
+              <a:buSzPts val="1100"/>
+              <a:buChar char="-"/>
+            </a:pPr>
+            <a:r>
+              <a:rPr lang="hu" sz="1100"/>
+              <a:t>Other stations (like Graham Street or Wenlock Road) also follows this pattern, with the additional vulnerability that they also have a low dock count</a:t>
+            </a:r>
+            <a:endParaRPr sz="1100"/>
+          </a:p>
+        </p:txBody>
+      </p:sp>
+      <p:pic>
+        <p:nvPicPr>
+          <p:cNvPr id="203" name="Google Shape;203;p23"/>
+          <p:cNvPicPr preferRelativeResize="0"/>
+          <p:nvPr/>
+        </p:nvPicPr>
+        <p:blipFill>
+          <a:blip r:embed="rId3">
+            <a:alphaModFix/>
+          </a:blip>
+          <a:stretch>
+            <a:fillRect/>
+          </a:stretch>
+        </p:blipFill>
+        <p:spPr>
+          <a:xfrm>
+            <a:off x="747500" y="3079425"/>
+            <a:ext cx="7909551" cy="1860800"/>
+          </a:xfrm>
+          <a:prstGeom prst="rect">
+            <a:avLst/>
+          </a:prstGeom>
+          <a:noFill/>
+          <a:ln>
+            <a:noFill/>
+          </a:ln>
+        </p:spPr>
+      </p:pic>
+    </p:spTree>
+  </p:cSld>
+  <p:clrMapOvr>
+    <a:masterClrMapping/>
+  </p:clrMapOvr>
+</p:sld>
+</file>
+
+<file path=ppt/slides/slide12.xml><?xml version="1.0" encoding="utf-8"?>
+<p:sld xmlns:a="http://schemas.openxmlformats.org/drawingml/2006/main" xmlns:r="http://schemas.openxmlformats.org/officeDocument/2006/relationships" xmlns:mc="http://schemas.openxmlformats.org/markup-compatibility/2006" xmlns:mv="urn:schemas-microsoft-com:mac:vml" xmlns:p="http://schemas.openxmlformats.org/presentationml/2006/main" xmlns:c="http://schemas.openxmlformats.org/drawingml/2006/chart" xmlns:dgm="http://schemas.openxmlformats.org/drawingml/2006/diagram" xmlns:o="urn:schemas-microsoft-com:office:office" xmlns:v="urn:schemas-microsoft-com:vml" xmlns:pvml="urn:schemas-microsoft-com:office:powerpoint" xmlns:com="http://schemas.openxmlformats.org/drawingml/2006/compatibility" xmlns:p14="http://schemas.microsoft.com/office/powerpoint/2010/main" xmlns:p15="http://schemas.microsoft.com/office/powerpoint/2012/main" xmlns:ahyp="http://schemas.microsoft.com/office/drawing/2018/hyperlinkcolor">
+  <p:cSld>
+    <p:spTree>
+      <p:nvGrpSpPr>
+        <p:cNvPr id="207" name="Shape 207"/>
+        <p:cNvGrpSpPr/>
+        <p:nvPr/>
+      </p:nvGrpSpPr>
+      <p:grpSpPr>
+        <a:xfrm>
+          <a:off x="0" y="0"/>
+          <a:ext cx="0" cy="0"/>
+          <a:chOff x="0" y="0"/>
+          <a:chExt cx="0" cy="0"/>
+        </a:xfrm>
+      </p:grpSpPr>
+      <p:sp>
+        <p:nvSpPr>
+          <p:cNvPr id="208" name="Google Shape;208;p24"/>
+          <p:cNvSpPr txBox="1"/>
+          <p:nvPr>
+            <p:ph type="title"/>
+          </p:nvPr>
+        </p:nvSpPr>
+        <p:spPr>
+          <a:xfrm>
+            <a:off x="1297500" y="393750"/>
+            <a:ext cx="7038900" cy="914100"/>
+          </a:xfrm>
+          <a:prstGeom prst="rect">
+            <a:avLst/>
+          </a:prstGeom>
+        </p:spPr>
+        <p:txBody>
+          <a:bodyPr anchorCtr="0" anchor="t" bIns="91425" lIns="91425" spcFirstLastPara="1" rIns="91425" wrap="square" tIns="91425">
+            <a:normAutofit/>
+          </a:bodyPr>
+          <a:lstStyle/>
+          <a:p>
+            <a:pPr indent="0" lvl="0" marL="0" rtl="0" algn="l">
+              <a:spcBef>
+                <a:spcPts val="0"/>
+              </a:spcBef>
+              <a:spcAft>
+                <a:spcPts val="0"/>
+              </a:spcAft>
+              <a:buNone/>
+            </a:pPr>
+            <a:r>
+              <a:rPr lang="hu"/>
+              <a:t>7. Commuting Patterns</a:t>
+            </a:r>
+            <a:endParaRPr/>
+          </a:p>
+        </p:txBody>
+      </p:sp>
+      <p:sp>
+        <p:nvSpPr>
+          <p:cNvPr id="209" name="Google Shape;209;p24"/>
+          <p:cNvSpPr txBox="1"/>
+          <p:nvPr>
+            <p:ph idx="1" type="body"/>
+          </p:nvPr>
+        </p:nvSpPr>
+        <p:spPr>
+          <a:xfrm>
+            <a:off x="1297500" y="1366075"/>
+            <a:ext cx="7038900" cy="2911200"/>
+          </a:xfrm>
+          <a:prstGeom prst="rect">
+            <a:avLst/>
+          </a:prstGeom>
+        </p:spPr>
+        <p:txBody>
+          <a:bodyPr anchorCtr="0" anchor="t" bIns="91425" lIns="91425" spcFirstLastPara="1" rIns="91425" wrap="square" tIns="91425">
+            <a:normAutofit/>
+          </a:bodyPr>
+          <a:lstStyle/>
+          <a:p>
+            <a:pPr indent="0" lvl="0" marL="0" rtl="0" algn="l">
+              <a:spcBef>
+                <a:spcPts val="0"/>
+              </a:spcBef>
+              <a:spcAft>
+                <a:spcPts val="0"/>
+              </a:spcAft>
+              <a:buNone/>
+            </a:pPr>
+            <a:r>
+              <a:rPr lang="hu" sz="900"/>
+              <a:t>If we divide the dataset into 2 parts:</a:t>
+            </a:r>
+            <a:endParaRPr sz="900"/>
+          </a:p>
+          <a:p>
+            <a:pPr indent="-285750" lvl="0" marL="457200" rtl="0" algn="l">
+              <a:spcBef>
+                <a:spcPts val="1200"/>
+              </a:spcBef>
+              <a:spcAft>
+                <a:spcPts val="0"/>
+              </a:spcAft>
+              <a:buSzPts val="900"/>
+              <a:buChar char="-"/>
+            </a:pPr>
+            <a:r>
+              <a:rPr lang="hu" sz="900"/>
+              <a:t>Rides between 7 and 10 in morning on weekdays</a:t>
+            </a:r>
+            <a:endParaRPr sz="900"/>
+          </a:p>
+          <a:p>
+            <a:pPr indent="-285750" lvl="0" marL="457200" rtl="0" algn="l">
+              <a:spcBef>
+                <a:spcPts val="0"/>
+              </a:spcBef>
+              <a:spcAft>
+                <a:spcPts val="0"/>
+              </a:spcAft>
+              <a:buSzPts val="900"/>
+              <a:buChar char="-"/>
+            </a:pPr>
+            <a:r>
+              <a:rPr lang="hu" sz="900"/>
+              <a:t>Rides between 17 and 20 in the evening on weekdays</a:t>
+            </a:r>
+            <a:endParaRPr sz="900"/>
+          </a:p>
+          <a:p>
+            <a:pPr indent="0" lvl="0" marL="0" rtl="0" algn="l">
+              <a:spcBef>
+                <a:spcPts val="1200"/>
+              </a:spcBef>
+              <a:spcAft>
+                <a:spcPts val="1200"/>
+              </a:spcAft>
+              <a:buNone/>
+            </a:pPr>
+            <a:r>
+              <a:rPr lang="hu" sz="900"/>
+              <a:t>We can assign every station a flag based on the previously calculated delta values (negative = </a:t>
+            </a:r>
+            <a:r>
+              <a:rPr lang="hu" sz="900"/>
+              <a:t>outflow</a:t>
+            </a:r>
+            <a:r>
+              <a:rPr lang="hu" sz="900"/>
+              <a:t>, positive = inflow)</a:t>
+            </a:r>
+            <a:br>
+              <a:rPr lang="hu" sz="900"/>
+            </a:br>
+            <a:r>
+              <a:rPr lang="hu" sz="900"/>
+              <a:t>The commuting pattern of Londoners is clearly visible on this view, and this could be used to </a:t>
+            </a:r>
+            <a:r>
+              <a:rPr lang="hu" sz="900"/>
+              <a:t>further</a:t>
+            </a:r>
+            <a:r>
+              <a:rPr lang="hu" sz="900"/>
+              <a:t> optimise bike counts at different stations based on the hours.</a:t>
+            </a:r>
+            <a:endParaRPr sz="900"/>
+          </a:p>
+        </p:txBody>
+      </p:sp>
+      <p:pic>
+        <p:nvPicPr>
+          <p:cNvPr id="210" name="Google Shape;210;p24"/>
+          <p:cNvPicPr preferRelativeResize="0"/>
+          <p:nvPr/>
+        </p:nvPicPr>
+        <p:blipFill>
+          <a:blip r:embed="rId3">
+            <a:alphaModFix/>
+          </a:blip>
+          <a:stretch>
+            <a:fillRect/>
+          </a:stretch>
+        </p:blipFill>
+        <p:spPr>
+          <a:xfrm>
+            <a:off x="1388524" y="2715250"/>
+            <a:ext cx="2973475" cy="2260324"/>
+          </a:xfrm>
+          <a:prstGeom prst="rect">
+            <a:avLst/>
+          </a:prstGeom>
+          <a:noFill/>
+          <a:ln>
+            <a:noFill/>
+          </a:ln>
+        </p:spPr>
+      </p:pic>
+      <p:sp>
+        <p:nvSpPr>
+          <p:cNvPr id="211" name="Google Shape;211;p24"/>
+          <p:cNvSpPr txBox="1"/>
+          <p:nvPr/>
+        </p:nvSpPr>
+        <p:spPr>
+          <a:xfrm>
+            <a:off x="582575" y="3605525"/>
+            <a:ext cx="649200" cy="168000"/>
+          </a:xfrm>
+          <a:prstGeom prst="rect">
+            <a:avLst/>
+          </a:prstGeom>
+          <a:noFill/>
+          <a:ln>
+            <a:noFill/>
+          </a:ln>
+        </p:spPr>
+        <p:txBody>
+          <a:bodyPr anchorCtr="0" anchor="t" bIns="91425" lIns="91425" spcFirstLastPara="1" rIns="91425" wrap="square" tIns="91425">
+            <a:noAutofit/>
+          </a:bodyPr>
+          <a:lstStyle/>
+          <a:p>
+            <a:pPr indent="0" lvl="0" marL="0" rtl="0" algn="l">
+              <a:spcBef>
+                <a:spcPts val="0"/>
+              </a:spcBef>
+              <a:spcAft>
+                <a:spcPts val="0"/>
+              </a:spcAft>
+              <a:buNone/>
+            </a:pPr>
+            <a:r>
+              <a:rPr lang="hu" sz="800">
+                <a:solidFill>
+                  <a:schemeClr val="lt1"/>
+                </a:solidFill>
+                <a:latin typeface="Lato"/>
+                <a:ea typeface="Lato"/>
+                <a:cs typeface="Lato"/>
+                <a:sym typeface="Lato"/>
+              </a:rPr>
+              <a:t>Mornings</a:t>
+            </a:r>
+            <a:endParaRPr sz="500">
+              <a:solidFill>
+                <a:schemeClr val="lt1"/>
+              </a:solidFill>
+              <a:latin typeface="Lato"/>
+              <a:ea typeface="Lato"/>
+              <a:cs typeface="Lato"/>
+              <a:sym typeface="Lato"/>
+            </a:endParaRPr>
+          </a:p>
+        </p:txBody>
+      </p:sp>
+      <p:sp>
+        <p:nvSpPr>
+          <p:cNvPr id="212" name="Google Shape;212;p24"/>
+          <p:cNvSpPr txBox="1"/>
+          <p:nvPr/>
+        </p:nvSpPr>
+        <p:spPr>
+          <a:xfrm>
+            <a:off x="8336400" y="3605525"/>
+            <a:ext cx="609300" cy="307800"/>
+          </a:xfrm>
+          <a:prstGeom prst="rect">
+            <a:avLst/>
+          </a:prstGeom>
+          <a:noFill/>
+          <a:ln>
+            <a:noFill/>
+          </a:ln>
+        </p:spPr>
+        <p:txBody>
+          <a:bodyPr anchorCtr="0" anchor="t" bIns="91425" lIns="91425" spcFirstLastPara="1" rIns="91425" wrap="square" tIns="91425">
+            <a:spAutoFit/>
+          </a:bodyPr>
+          <a:lstStyle/>
+          <a:p>
+            <a:pPr indent="0" lvl="0" marL="0" rtl="0" algn="l">
+              <a:spcBef>
+                <a:spcPts val="0"/>
+              </a:spcBef>
+              <a:spcAft>
+                <a:spcPts val="0"/>
+              </a:spcAft>
+              <a:buNone/>
+            </a:pPr>
+            <a:r>
+              <a:rPr lang="hu" sz="800">
+                <a:solidFill>
+                  <a:schemeClr val="lt1"/>
+                </a:solidFill>
+                <a:latin typeface="Lato"/>
+                <a:ea typeface="Lato"/>
+                <a:cs typeface="Lato"/>
+                <a:sym typeface="Lato"/>
+              </a:rPr>
+              <a:t>Evenings</a:t>
+            </a:r>
+            <a:endParaRPr sz="500">
+              <a:solidFill>
+                <a:schemeClr val="lt1"/>
+              </a:solidFill>
+              <a:latin typeface="Lato"/>
+              <a:ea typeface="Lato"/>
+              <a:cs typeface="Lato"/>
+              <a:sym typeface="Lato"/>
+            </a:endParaRPr>
+          </a:p>
+        </p:txBody>
+      </p:sp>
+      <p:pic>
+        <p:nvPicPr>
+          <p:cNvPr id="213" name="Google Shape;213;p24"/>
+          <p:cNvPicPr preferRelativeResize="0"/>
+          <p:nvPr/>
+        </p:nvPicPr>
+        <p:blipFill>
+          <a:blip r:embed="rId4">
+            <a:alphaModFix/>
+          </a:blip>
+          <a:stretch>
+            <a:fillRect/>
+          </a:stretch>
+        </p:blipFill>
+        <p:spPr>
+          <a:xfrm>
+            <a:off x="5194375" y="2688300"/>
+            <a:ext cx="3003801" cy="2291100"/>
+          </a:xfrm>
+          <a:prstGeom prst="rect">
+            <a:avLst/>
+          </a:prstGeom>
+          <a:noFill/>
+          <a:ln>
+            <a:noFill/>
+          </a:ln>
+        </p:spPr>
+      </p:pic>
+    </p:spTree>
+  </p:cSld>
+  <p:clrMapOvr>
+    <a:masterClrMapping/>
+  </p:clrMapOvr>
+</p:sld>
+</file>
+
+<file path=ppt/slides/slide13.xml><?xml version="1.0" encoding="utf-8"?>
+<p:sld xmlns:a="http://schemas.openxmlformats.org/drawingml/2006/main" xmlns:r="http://schemas.openxmlformats.org/officeDocument/2006/relationships" xmlns:mc="http://schemas.openxmlformats.org/markup-compatibility/2006" xmlns:mv="urn:schemas-microsoft-com:mac:vml" xmlns:p="http://schemas.openxmlformats.org/presentationml/2006/main" xmlns:c="http://schemas.openxmlformats.org/drawingml/2006/chart" xmlns:dgm="http://schemas.openxmlformats.org/drawingml/2006/diagram" xmlns:o="urn:schemas-microsoft-com:office:office" xmlns:v="urn:schemas-microsoft-com:vml" xmlns:pvml="urn:schemas-microsoft-com:office:powerpoint" xmlns:com="http://schemas.openxmlformats.org/drawingml/2006/compatibility" xmlns:p14="http://schemas.microsoft.com/office/powerpoint/2010/main" xmlns:p15="http://schemas.microsoft.com/office/powerpoint/2012/main" xmlns:ahyp="http://schemas.microsoft.com/office/drawing/2018/hyperlinkcolor">
+  <p:cSld>
+    <p:spTree>
+      <p:nvGrpSpPr>
+        <p:cNvPr id="217" name="Shape 217"/>
+        <p:cNvGrpSpPr/>
+        <p:nvPr/>
+      </p:nvGrpSpPr>
+      <p:grpSpPr>
+        <a:xfrm>
+          <a:off x="0" y="0"/>
+          <a:ext cx="0" cy="0"/>
+          <a:chOff x="0" y="0"/>
+          <a:chExt cx="0" cy="0"/>
+        </a:xfrm>
+      </p:grpSpPr>
+      <p:sp>
+        <p:nvSpPr>
+          <p:cNvPr id="218" name="Google Shape;218;p25"/>
+          <p:cNvSpPr txBox="1"/>
+          <p:nvPr>
+            <p:ph type="title"/>
+          </p:nvPr>
+        </p:nvSpPr>
+        <p:spPr>
+          <a:xfrm>
+            <a:off x="1297500" y="393750"/>
+            <a:ext cx="7038900" cy="914100"/>
+          </a:xfrm>
+          <a:prstGeom prst="rect">
+            <a:avLst/>
+          </a:prstGeom>
+        </p:spPr>
+        <p:txBody>
+          <a:bodyPr anchorCtr="0" anchor="t" bIns="91425" lIns="91425" spcFirstLastPara="1" rIns="91425" wrap="square" tIns="91425">
+            <a:normAutofit/>
+          </a:bodyPr>
+          <a:lstStyle/>
+          <a:p>
+            <a:pPr indent="0" lvl="0" marL="0" rtl="0" algn="l">
+              <a:spcBef>
+                <a:spcPts val="0"/>
+              </a:spcBef>
+              <a:spcAft>
+                <a:spcPts val="0"/>
+              </a:spcAft>
+              <a:buNone/>
+            </a:pPr>
+            <a:r>
+              <a:rPr lang="hu"/>
+              <a:t>8. Rental duration analysis</a:t>
+            </a:r>
+            <a:endParaRPr/>
+          </a:p>
+        </p:txBody>
+      </p:sp>
+      <p:sp>
+        <p:nvSpPr>
+          <p:cNvPr id="219" name="Google Shape;219;p25"/>
+          <p:cNvSpPr txBox="1"/>
+          <p:nvPr>
+            <p:ph idx="1" type="body"/>
+          </p:nvPr>
+        </p:nvSpPr>
+        <p:spPr>
+          <a:xfrm>
+            <a:off x="1297500" y="1567550"/>
+            <a:ext cx="7038900" cy="2911200"/>
+          </a:xfrm>
+          <a:prstGeom prst="rect">
+            <a:avLst/>
+          </a:prstGeom>
+        </p:spPr>
+        <p:txBody>
+          <a:bodyPr anchorCtr="0" anchor="t" bIns="91425" lIns="91425" spcFirstLastPara="1" rIns="91425" wrap="square" tIns="91425">
+            <a:normAutofit lnSpcReduction="20000"/>
+          </a:bodyPr>
+          <a:lstStyle/>
+          <a:p>
+            <a:pPr indent="0" lvl="0" marL="0" rtl="0" algn="l">
+              <a:spcBef>
+                <a:spcPts val="0"/>
+              </a:spcBef>
+              <a:spcAft>
+                <a:spcPts val="0"/>
+              </a:spcAft>
+              <a:buNone/>
+            </a:pPr>
+            <a:r>
+              <a:rPr lang="hu"/>
+              <a:t>During the inspection of the base cycle_hire_source table it became apparent that there are some anomalies there which worth looking into.</a:t>
+            </a:r>
+            <a:endParaRPr/>
+          </a:p>
+          <a:p>
+            <a:pPr indent="-311150" lvl="0" marL="457200" rtl="0" algn="l">
+              <a:spcBef>
+                <a:spcPts val="1200"/>
+              </a:spcBef>
+              <a:spcAft>
+                <a:spcPts val="0"/>
+              </a:spcAft>
+              <a:buSzPts val="1300"/>
+              <a:buChar char="-"/>
+            </a:pPr>
+            <a:r>
+              <a:rPr lang="hu"/>
+              <a:t>There are 27546 rides that exceed the legal maximum of 24 hours in duration, the highest being </a:t>
+            </a:r>
+            <a:r>
+              <a:rPr lang="hu"/>
+              <a:t>94025 minutes (!)</a:t>
+            </a:r>
+            <a:endParaRPr/>
+          </a:p>
+          <a:p>
+            <a:pPr indent="-298450" lvl="1" marL="914400" rtl="0" algn="l">
+              <a:spcBef>
+                <a:spcPts val="0"/>
+              </a:spcBef>
+              <a:spcAft>
+                <a:spcPts val="0"/>
+              </a:spcAft>
+              <a:buSzPts val="1100"/>
+              <a:buChar char="-"/>
+            </a:pPr>
+            <a:r>
+              <a:rPr lang="hu"/>
+              <a:t>Even though this is only 0.03% of all the rides, there is indication that people are doing it so there might be a potential market for long term bike renting</a:t>
+            </a:r>
+            <a:endParaRPr/>
+          </a:p>
+          <a:p>
+            <a:pPr indent="-298450" lvl="2" marL="1371600" rtl="0" algn="l">
+              <a:spcBef>
+                <a:spcPts val="0"/>
+              </a:spcBef>
+              <a:spcAft>
+                <a:spcPts val="0"/>
+              </a:spcAft>
+              <a:buSzPts val="1100"/>
+              <a:buChar char="-"/>
+            </a:pPr>
+            <a:r>
+              <a:rPr lang="hu"/>
+              <a:t>This would be worth investigating either as a </a:t>
+            </a:r>
+            <a:r>
+              <a:rPr lang="hu"/>
+              <a:t>separate</a:t>
+            </a:r>
+            <a:r>
+              <a:rPr lang="hu"/>
+              <a:t> product, or just somehow incorporate into the current business model</a:t>
+            </a:r>
+            <a:endParaRPr/>
+          </a:p>
+          <a:p>
+            <a:pPr indent="-311150" lvl="0" marL="457200" rtl="0" algn="l">
+              <a:spcBef>
+                <a:spcPts val="0"/>
+              </a:spcBef>
+              <a:spcAft>
+                <a:spcPts val="0"/>
+              </a:spcAft>
+              <a:buSzPts val="1300"/>
+              <a:buChar char="-"/>
+            </a:pPr>
+            <a:r>
+              <a:rPr lang="hu"/>
+              <a:t>The negative durations anomaly was already covered earlier</a:t>
+            </a:r>
+            <a:endParaRPr/>
+          </a:p>
+          <a:p>
+            <a:pPr indent="-311150" lvl="0" marL="457200" rtl="0" algn="l">
+              <a:spcBef>
+                <a:spcPts val="0"/>
+              </a:spcBef>
+              <a:spcAft>
+                <a:spcPts val="0"/>
+              </a:spcAft>
+              <a:buSzPts val="1300"/>
+              <a:buChar char="-"/>
+            </a:pPr>
+            <a:r>
+              <a:rPr lang="hu"/>
+              <a:t>There are also 19518 cases where the end station id is completely missing, hence these rides don’t have durations nor end times</a:t>
+            </a:r>
+            <a:endParaRPr/>
+          </a:p>
+          <a:p>
+            <a:pPr indent="-298450" lvl="1" marL="914400" rtl="0" algn="l">
+              <a:spcBef>
+                <a:spcPts val="0"/>
+              </a:spcBef>
+              <a:spcAft>
+                <a:spcPts val="0"/>
+              </a:spcAft>
+              <a:buSzPts val="1100"/>
+              <a:buChar char="-"/>
+            </a:pPr>
+            <a:r>
+              <a:rPr lang="hu"/>
+              <a:t>This indicates that either there are bugs in the tracking system - if so this should be investigated</a:t>
+            </a:r>
+            <a:endParaRPr/>
+          </a:p>
+          <a:p>
+            <a:pPr indent="-298450" lvl="1" marL="914400" rtl="0" algn="l">
+              <a:spcBef>
+                <a:spcPts val="0"/>
+              </a:spcBef>
+              <a:spcAft>
+                <a:spcPts val="0"/>
+              </a:spcAft>
+              <a:buSzPts val="1100"/>
+              <a:buChar char="-"/>
+            </a:pPr>
+            <a:r>
+              <a:rPr lang="hu"/>
+              <a:t>Or these bikes were never returned (stolen?) - if so this should be tracked and the security measures should be revised in order to minimise these numbers</a:t>
+            </a:r>
+            <a:endParaRPr/>
+          </a:p>
+        </p:txBody>
+      </p:sp>
+    </p:spTree>
+  </p:cSld>
+  <p:clrMapOvr>
+    <a:masterClrMapping/>
+  </p:clrMapOvr>
+</p:sld>
+</file>
+
+<file path=ppt/slides/slide14.xml><?xml version="1.0" encoding="utf-8"?>
+<p:sld xmlns:a="http://schemas.openxmlformats.org/drawingml/2006/main" xmlns:r="http://schemas.openxmlformats.org/officeDocument/2006/relationships" xmlns:mc="http://schemas.openxmlformats.org/markup-compatibility/2006" xmlns:mv="urn:schemas-microsoft-com:mac:vml" xmlns:p="http://schemas.openxmlformats.org/presentationml/2006/main" xmlns:c="http://schemas.openxmlformats.org/drawingml/2006/chart" xmlns:dgm="http://schemas.openxmlformats.org/drawingml/2006/diagram" xmlns:o="urn:schemas-microsoft-com:office:office" xmlns:v="urn:schemas-microsoft-com:vml" xmlns:pvml="urn:schemas-microsoft-com:office:powerpoint" xmlns:com="http://schemas.openxmlformats.org/drawingml/2006/compatibility" xmlns:p14="http://schemas.microsoft.com/office/powerpoint/2010/main" xmlns:p15="http://schemas.microsoft.com/office/powerpoint/2012/main" xmlns:ahyp="http://schemas.microsoft.com/office/drawing/2018/hyperlinkcolor">
+  <p:cSld>
+    <p:spTree>
+      <p:nvGrpSpPr>
+        <p:cNvPr id="223" name="Shape 223"/>
+        <p:cNvGrpSpPr/>
+        <p:nvPr/>
+      </p:nvGrpSpPr>
+      <p:grpSpPr>
+        <a:xfrm>
+          <a:off x="0" y="0"/>
+          <a:ext cx="0" cy="0"/>
+          <a:chOff x="0" y="0"/>
+          <a:chExt cx="0" cy="0"/>
+        </a:xfrm>
+      </p:grpSpPr>
+      <p:sp>
+        <p:nvSpPr>
+          <p:cNvPr id="224" name="Google Shape;224;p26"/>
+          <p:cNvSpPr txBox="1"/>
+          <p:nvPr>
+            <p:ph type="title"/>
+          </p:nvPr>
+        </p:nvSpPr>
+        <p:spPr>
+          <a:xfrm>
+            <a:off x="1297500" y="393750"/>
+            <a:ext cx="7038900" cy="914100"/>
+          </a:xfrm>
+          <a:prstGeom prst="rect">
+            <a:avLst/>
+          </a:prstGeom>
+        </p:spPr>
+        <p:txBody>
+          <a:bodyPr anchorCtr="0" anchor="t" bIns="91425" lIns="91425" spcFirstLastPara="1" rIns="91425" wrap="square" tIns="91425">
+            <a:normAutofit/>
+          </a:bodyPr>
+          <a:lstStyle/>
+          <a:p>
+            <a:pPr indent="0" lvl="0" marL="0" rtl="0" algn="l">
+              <a:spcBef>
+                <a:spcPts val="0"/>
+              </a:spcBef>
+              <a:spcAft>
+                <a:spcPts val="0"/>
+              </a:spcAft>
+              <a:buNone/>
+            </a:pPr>
+            <a:r>
+              <a:rPr lang="hu"/>
+              <a:t>8. Rental duration analysis</a:t>
+            </a:r>
+            <a:endParaRPr/>
+          </a:p>
+        </p:txBody>
+      </p:sp>
+      <p:sp>
+        <p:nvSpPr>
+          <p:cNvPr id="225" name="Google Shape;225;p26"/>
+          <p:cNvSpPr txBox="1"/>
+          <p:nvPr>
+            <p:ph idx="1" type="body"/>
+          </p:nvPr>
+        </p:nvSpPr>
+        <p:spPr>
+          <a:xfrm>
+            <a:off x="1297500" y="1567550"/>
+            <a:ext cx="3354000" cy="2911200"/>
+          </a:xfrm>
+          <a:prstGeom prst="rect">
+            <a:avLst/>
+          </a:prstGeom>
+        </p:spPr>
+        <p:txBody>
+          <a:bodyPr anchorCtr="0" anchor="t" bIns="91425" lIns="91425" spcFirstLastPara="1" rIns="91425" wrap="square" tIns="91425">
+            <a:normAutofit fontScale="85000" lnSpcReduction="20000"/>
+          </a:bodyPr>
+          <a:lstStyle/>
+          <a:p>
+            <a:pPr indent="0" lvl="0" marL="0" rtl="0" algn="l">
+              <a:spcBef>
+                <a:spcPts val="0"/>
+              </a:spcBef>
+              <a:spcAft>
+                <a:spcPts val="0"/>
+              </a:spcAft>
+              <a:buNone/>
+            </a:pPr>
+            <a:r>
+              <a:rPr lang="hu"/>
+              <a:t>The </a:t>
+            </a:r>
+            <a:r>
+              <a:rPr lang="hu"/>
+              <a:t>avg. duration of a ride is ~1308 seconds, meanwhile the mode is only 840</a:t>
+            </a:r>
+            <a:endParaRPr/>
+          </a:p>
+          <a:p>
+            <a:pPr indent="-298767" lvl="0" marL="457200" rtl="0" algn="l">
+              <a:spcBef>
+                <a:spcPts val="1200"/>
+              </a:spcBef>
+              <a:spcAft>
+                <a:spcPts val="0"/>
+              </a:spcAft>
+              <a:buSzPct val="100000"/>
+              <a:buChar char="-"/>
+            </a:pPr>
+            <a:r>
+              <a:rPr lang="hu"/>
+              <a:t>This indicates a very tilted distribution (probably due to the </a:t>
+            </a:r>
+            <a:r>
+              <a:rPr lang="hu"/>
+              <a:t>enormous</a:t>
+            </a:r>
+            <a:r>
+              <a:rPr lang="hu"/>
+              <a:t> outliers)</a:t>
+            </a:r>
+            <a:endParaRPr/>
+          </a:p>
+          <a:p>
+            <a:pPr indent="-298767" lvl="0" marL="457200" rtl="0" algn="l">
+              <a:spcBef>
+                <a:spcPts val="0"/>
+              </a:spcBef>
+              <a:spcAft>
+                <a:spcPts val="0"/>
+              </a:spcAft>
+              <a:buSzPct val="100000"/>
+              <a:buChar char="-"/>
+            </a:pPr>
+            <a:r>
+              <a:rPr lang="hu"/>
+              <a:t>Looking at the distribution of the durations we can get a clearer picture of the </a:t>
+            </a:r>
+            <a:r>
+              <a:rPr lang="hu"/>
+              <a:t>actual rides</a:t>
+            </a:r>
+            <a:endParaRPr/>
+          </a:p>
+          <a:p>
+            <a:pPr indent="0" lvl="0" marL="0" rtl="0" algn="l">
+              <a:spcBef>
+                <a:spcPts val="1200"/>
+              </a:spcBef>
+              <a:spcAft>
+                <a:spcPts val="0"/>
+              </a:spcAft>
+              <a:buNone/>
+            </a:pPr>
+            <a:r>
+              <a:rPr lang="hu"/>
+              <a:t>As expected the distribution tilts heavily to the left. </a:t>
+            </a:r>
+            <a:endParaRPr/>
+          </a:p>
+          <a:p>
+            <a:pPr indent="-298767" lvl="0" marL="457200" rtl="0" algn="l">
+              <a:spcBef>
+                <a:spcPts val="1200"/>
+              </a:spcBef>
+              <a:spcAft>
+                <a:spcPts val="0"/>
+              </a:spcAft>
+              <a:buSzPct val="100000"/>
+              <a:buChar char="-"/>
+            </a:pPr>
+            <a:r>
+              <a:rPr lang="hu"/>
+              <a:t>Short (less than 5 mins) rides are as common as 25-30 min rides.</a:t>
+            </a:r>
+            <a:endParaRPr/>
+          </a:p>
+          <a:p>
+            <a:pPr indent="-298767" lvl="0" marL="457200" rtl="0" algn="l">
+              <a:spcBef>
+                <a:spcPts val="0"/>
+              </a:spcBef>
+              <a:spcAft>
+                <a:spcPts val="0"/>
+              </a:spcAft>
+              <a:buSzPct val="100000"/>
+              <a:buChar char="-"/>
+            </a:pPr>
+            <a:r>
+              <a:rPr lang="hu"/>
+              <a:t>The majority of the rides being between 0-40 mins.</a:t>
+            </a:r>
+            <a:endParaRPr/>
+          </a:p>
+          <a:p>
+            <a:pPr indent="-298767" lvl="0" marL="457200" rtl="0" algn="l">
+              <a:spcBef>
+                <a:spcPts val="0"/>
+              </a:spcBef>
+              <a:spcAft>
+                <a:spcPts val="0"/>
+              </a:spcAft>
+              <a:buSzPct val="100000"/>
+              <a:buChar char="-"/>
+            </a:pPr>
+            <a:r>
+              <a:rPr lang="hu"/>
+              <a:t>Longer rides than 90 mins are very unlikely</a:t>
+            </a:r>
+            <a:endParaRPr/>
+          </a:p>
+        </p:txBody>
+      </p:sp>
+      <p:pic>
+        <p:nvPicPr>
+          <p:cNvPr id="226" name="Google Shape;226;p26"/>
+          <p:cNvPicPr preferRelativeResize="0"/>
+          <p:nvPr/>
+        </p:nvPicPr>
+        <p:blipFill>
+          <a:blip r:embed="rId3">
+            <a:alphaModFix/>
+          </a:blip>
+          <a:stretch>
+            <a:fillRect/>
+          </a:stretch>
+        </p:blipFill>
+        <p:spPr>
+          <a:xfrm>
+            <a:off x="4774933" y="1670600"/>
+            <a:ext cx="4269616" cy="2705100"/>
+          </a:xfrm>
+          <a:prstGeom prst="rect">
+            <a:avLst/>
+          </a:prstGeom>
+          <a:noFill/>
+          <a:ln>
+            <a:noFill/>
+          </a:ln>
+        </p:spPr>
+      </p:pic>
+    </p:spTree>
+  </p:cSld>
+  <p:clrMapOvr>
+    <a:masterClrMapping/>
+  </p:clrMapOvr>
+</p:sld>
+</file>
+
+<file path=ppt/slides/slide15.xml><?xml version="1.0" encoding="utf-8"?>
+<p:sld xmlns:a="http://schemas.openxmlformats.org/drawingml/2006/main" xmlns:r="http://schemas.openxmlformats.org/officeDocument/2006/relationships" xmlns:mc="http://schemas.openxmlformats.org/markup-compatibility/2006" xmlns:mv="urn:schemas-microsoft-com:mac:vml" xmlns:p="http://schemas.openxmlformats.org/presentationml/2006/main" xmlns:c="http://schemas.openxmlformats.org/drawingml/2006/chart" xmlns:dgm="http://schemas.openxmlformats.org/drawingml/2006/diagram" xmlns:o="urn:schemas-microsoft-com:office:office" xmlns:v="urn:schemas-microsoft-com:vml" xmlns:pvml="urn:schemas-microsoft-com:office:powerpoint" xmlns:com="http://schemas.openxmlformats.org/drawingml/2006/compatibility" xmlns:p14="http://schemas.microsoft.com/office/powerpoint/2010/main" xmlns:p15="http://schemas.microsoft.com/office/powerpoint/2012/main" xmlns:ahyp="http://schemas.microsoft.com/office/drawing/2018/hyperlinkcolor">
+  <p:cSld>
+    <p:spTree>
+      <p:nvGrpSpPr>
+        <p:cNvPr id="230" name="Shape 230"/>
+        <p:cNvGrpSpPr/>
+        <p:nvPr/>
+      </p:nvGrpSpPr>
+      <p:grpSpPr>
+        <a:xfrm>
+          <a:off x="0" y="0"/>
+          <a:ext cx="0" cy="0"/>
+          <a:chOff x="0" y="0"/>
+          <a:chExt cx="0" cy="0"/>
+        </a:xfrm>
+      </p:grpSpPr>
+      <p:sp>
+        <p:nvSpPr>
+          <p:cNvPr id="231" name="Google Shape;231;p27"/>
+          <p:cNvSpPr txBox="1"/>
+          <p:nvPr>
+            <p:ph type="title"/>
+          </p:nvPr>
+        </p:nvSpPr>
+        <p:spPr>
+          <a:xfrm>
+            <a:off x="1297500" y="393750"/>
+            <a:ext cx="7038900" cy="914100"/>
+          </a:xfrm>
+          <a:prstGeom prst="rect">
+            <a:avLst/>
+          </a:prstGeom>
+        </p:spPr>
+        <p:txBody>
+          <a:bodyPr anchorCtr="0" anchor="t" bIns="91425" lIns="91425" spcFirstLastPara="1" rIns="91425" wrap="square" tIns="91425">
+            <a:normAutofit/>
+          </a:bodyPr>
+          <a:lstStyle/>
+          <a:p>
+            <a:pPr indent="0" lvl="0" marL="0" rtl="0" algn="l">
+              <a:spcBef>
+                <a:spcPts val="0"/>
+              </a:spcBef>
+              <a:spcAft>
+                <a:spcPts val="0"/>
+              </a:spcAft>
+              <a:buNone/>
+            </a:pPr>
+            <a:r>
+              <a:rPr lang="hu"/>
+              <a:t>8. Rental duration analysis</a:t>
+            </a:r>
+            <a:endParaRPr/>
+          </a:p>
+        </p:txBody>
+      </p:sp>
+      <p:sp>
+        <p:nvSpPr>
+          <p:cNvPr id="232" name="Google Shape;232;p27"/>
+          <p:cNvSpPr txBox="1"/>
+          <p:nvPr>
+            <p:ph idx="1" type="body"/>
+          </p:nvPr>
+        </p:nvSpPr>
+        <p:spPr>
+          <a:xfrm>
+            <a:off x="1297500" y="1567550"/>
+            <a:ext cx="3449100" cy="2911200"/>
+          </a:xfrm>
+          <a:prstGeom prst="rect">
+            <a:avLst/>
+          </a:prstGeom>
+        </p:spPr>
+        <p:txBody>
+          <a:bodyPr anchorCtr="0" anchor="t" bIns="91425" lIns="91425" spcFirstLastPara="1" rIns="91425" wrap="square" tIns="91425">
+            <a:normAutofit/>
+          </a:bodyPr>
+          <a:lstStyle/>
+          <a:p>
+            <a:pPr indent="0" lvl="0" marL="0" rtl="0" algn="l">
+              <a:spcBef>
+                <a:spcPts val="0"/>
+              </a:spcBef>
+              <a:spcAft>
+                <a:spcPts val="0"/>
+              </a:spcAft>
+              <a:buNone/>
+            </a:pPr>
+            <a:r>
+              <a:rPr lang="hu"/>
+              <a:t>Looking at the same distribution split by weekday and weekend usage, we can establish that even though there are less rides on </a:t>
+            </a:r>
+            <a:r>
+              <a:rPr lang="hu"/>
+              <a:t>weekends</a:t>
+            </a:r>
+            <a:r>
+              <a:rPr lang="hu"/>
+              <a:t>, these tend to be somewhat longer.</a:t>
+            </a:r>
+            <a:endParaRPr/>
+          </a:p>
+          <a:p>
+            <a:pPr indent="-311150" lvl="0" marL="457200" rtl="0" algn="l">
+              <a:spcBef>
+                <a:spcPts val="1200"/>
+              </a:spcBef>
+              <a:spcAft>
+                <a:spcPts val="0"/>
+              </a:spcAft>
+              <a:buSzPts val="1300"/>
+              <a:buChar char="-"/>
+            </a:pPr>
+            <a:r>
+              <a:rPr lang="hu"/>
+              <a:t>The distribution decreases less sharply and the tail is higher longer</a:t>
+            </a:r>
+            <a:endParaRPr/>
+          </a:p>
+          <a:p>
+            <a:pPr indent="-298450" lvl="1" marL="914400" rtl="0" algn="l">
+              <a:spcBef>
+                <a:spcPts val="0"/>
+              </a:spcBef>
+              <a:spcAft>
+                <a:spcPts val="0"/>
+              </a:spcAft>
+              <a:buSzPts val="1100"/>
+              <a:buChar char="-"/>
+            </a:pPr>
+            <a:r>
+              <a:rPr lang="hu"/>
+              <a:t>For example 40 minutes leisure rides are almost twice as likely on a weekend</a:t>
+            </a:r>
+            <a:endParaRPr/>
+          </a:p>
+        </p:txBody>
+      </p:sp>
+      <p:pic>
+        <p:nvPicPr>
+          <p:cNvPr id="233" name="Google Shape;233;p27"/>
+          <p:cNvPicPr preferRelativeResize="0"/>
+          <p:nvPr/>
+        </p:nvPicPr>
+        <p:blipFill>
+          <a:blip r:embed="rId3">
+            <a:alphaModFix/>
+          </a:blip>
+          <a:stretch>
+            <a:fillRect/>
+          </a:stretch>
+        </p:blipFill>
+        <p:spPr>
+          <a:xfrm>
+            <a:off x="4793847" y="1663425"/>
+            <a:ext cx="3989076" cy="2506226"/>
+          </a:xfrm>
+          <a:prstGeom prst="rect">
+            <a:avLst/>
+          </a:prstGeom>
+          <a:noFill/>
+          <a:ln>
+            <a:noFill/>
+          </a:ln>
+        </p:spPr>
+      </p:pic>
+    </p:spTree>
+  </p:cSld>
+  <p:clrMapOvr>
+    <a:masterClrMapping/>
+  </p:clrMapOvr>
+</p:sld>
+</file>
+
+<file path=ppt/slides/slide16.xml><?xml version="1.0" encoding="utf-8"?>
+<p:sld xmlns:a="http://schemas.openxmlformats.org/drawingml/2006/main" xmlns:r="http://schemas.openxmlformats.org/officeDocument/2006/relationships" xmlns:mc="http://schemas.openxmlformats.org/markup-compatibility/2006" xmlns:mv="urn:schemas-microsoft-com:mac:vml" xmlns:p="http://schemas.openxmlformats.org/presentationml/2006/main" xmlns:c="http://schemas.openxmlformats.org/drawingml/2006/chart" xmlns:dgm="http://schemas.openxmlformats.org/drawingml/2006/diagram" xmlns:o="urn:schemas-microsoft-com:office:office" xmlns:v="urn:schemas-microsoft-com:vml" xmlns:pvml="urn:schemas-microsoft-com:office:powerpoint" xmlns:com="http://schemas.openxmlformats.org/drawingml/2006/compatibility" xmlns:p14="http://schemas.microsoft.com/office/powerpoint/2010/main" xmlns:p15="http://schemas.microsoft.com/office/powerpoint/2012/main" xmlns:ahyp="http://schemas.microsoft.com/office/drawing/2018/hyperlinkcolor">
+  <p:cSld>
+    <p:spTree>
+      <p:nvGrpSpPr>
+        <p:cNvPr id="237" name="Shape 237"/>
+        <p:cNvGrpSpPr/>
+        <p:nvPr/>
+      </p:nvGrpSpPr>
+      <p:grpSpPr>
+        <a:xfrm>
+          <a:off x="0" y="0"/>
+          <a:ext cx="0" cy="0"/>
+          <a:chOff x="0" y="0"/>
+          <a:chExt cx="0" cy="0"/>
+        </a:xfrm>
+      </p:grpSpPr>
+      <p:sp>
+        <p:nvSpPr>
+          <p:cNvPr id="238" name="Google Shape;238;p28"/>
+          <p:cNvSpPr txBox="1"/>
+          <p:nvPr>
+            <p:ph type="title"/>
+          </p:nvPr>
+        </p:nvSpPr>
+        <p:spPr>
+          <a:xfrm>
+            <a:off x="1297500" y="393750"/>
+            <a:ext cx="7038900" cy="914100"/>
+          </a:xfrm>
+          <a:prstGeom prst="rect">
+            <a:avLst/>
+          </a:prstGeom>
+        </p:spPr>
+        <p:txBody>
+          <a:bodyPr anchorCtr="0" anchor="t" bIns="91425" lIns="91425" spcFirstLastPara="1" rIns="91425" wrap="square" tIns="91425">
+            <a:normAutofit/>
+          </a:bodyPr>
+          <a:lstStyle/>
+          <a:p>
+            <a:pPr indent="0" lvl="0" marL="0" rtl="0" algn="l">
+              <a:spcBef>
+                <a:spcPts val="0"/>
+              </a:spcBef>
+              <a:spcAft>
+                <a:spcPts val="0"/>
+              </a:spcAft>
+              <a:buNone/>
+            </a:pPr>
+            <a:r>
+              <a:rPr lang="hu"/>
+              <a:t>8. Rental duration analysis</a:t>
+            </a:r>
+            <a:endParaRPr/>
+          </a:p>
+        </p:txBody>
+      </p:sp>
+      <p:sp>
+        <p:nvSpPr>
+          <p:cNvPr id="239" name="Google Shape;239;p28"/>
+          <p:cNvSpPr txBox="1"/>
+          <p:nvPr>
+            <p:ph idx="1" type="body"/>
+          </p:nvPr>
+        </p:nvSpPr>
+        <p:spPr>
+          <a:xfrm>
+            <a:off x="5267150" y="1483575"/>
+            <a:ext cx="3405300" cy="806700"/>
+          </a:xfrm>
+          <a:prstGeom prst="rect">
+            <a:avLst/>
+          </a:prstGeom>
+        </p:spPr>
+        <p:txBody>
+          <a:bodyPr anchorCtr="0" anchor="t" bIns="91425" lIns="91425" spcFirstLastPara="1" rIns="91425" wrap="square" tIns="91425">
+            <a:normAutofit lnSpcReduction="10000"/>
+          </a:bodyPr>
+          <a:lstStyle/>
+          <a:p>
+            <a:pPr indent="0" lvl="0" marL="0" rtl="0" algn="l">
+              <a:spcBef>
+                <a:spcPts val="0"/>
+              </a:spcBef>
+              <a:spcAft>
+                <a:spcPts val="1200"/>
+              </a:spcAft>
+              <a:buNone/>
+            </a:pPr>
+            <a:r>
+              <a:rPr lang="hu" sz="1300"/>
+              <a:t>Electric bikes have less of an effect on the tail, </a:t>
+            </a:r>
+            <a:r>
+              <a:rPr lang="hu"/>
+              <a:t>the distribution is very much the same, but shifted ~4 minutes to the longer side</a:t>
+            </a:r>
+            <a:endParaRPr/>
+          </a:p>
+        </p:txBody>
+      </p:sp>
+      <p:pic>
+        <p:nvPicPr>
+          <p:cNvPr id="240" name="Google Shape;240;p28"/>
+          <p:cNvPicPr preferRelativeResize="0"/>
+          <p:nvPr/>
+        </p:nvPicPr>
+        <p:blipFill>
+          <a:blip r:embed="rId3">
+            <a:alphaModFix/>
+          </a:blip>
+          <a:stretch>
+            <a:fillRect/>
+          </a:stretch>
+        </p:blipFill>
+        <p:spPr>
+          <a:xfrm>
+            <a:off x="5267150" y="2598874"/>
+            <a:ext cx="3405449" cy="2148001"/>
+          </a:xfrm>
+          <a:prstGeom prst="rect">
+            <a:avLst/>
+          </a:prstGeom>
+          <a:noFill/>
+          <a:ln>
+            <a:noFill/>
+          </a:ln>
+        </p:spPr>
+      </p:pic>
+      <p:pic>
+        <p:nvPicPr>
+          <p:cNvPr id="241" name="Google Shape;241;p28"/>
+          <p:cNvPicPr preferRelativeResize="0"/>
+          <p:nvPr/>
+        </p:nvPicPr>
+        <p:blipFill>
+          <a:blip r:embed="rId4">
+            <a:alphaModFix/>
+          </a:blip>
+          <a:stretch>
+            <a:fillRect/>
+          </a:stretch>
+        </p:blipFill>
+        <p:spPr>
+          <a:xfrm>
+            <a:off x="1297500" y="2598875"/>
+            <a:ext cx="3405449" cy="2149872"/>
+          </a:xfrm>
+          <a:prstGeom prst="rect">
+            <a:avLst/>
+          </a:prstGeom>
+          <a:noFill/>
+          <a:ln>
+            <a:noFill/>
+          </a:ln>
+        </p:spPr>
+      </p:pic>
+      <p:sp>
+        <p:nvSpPr>
+          <p:cNvPr id="242" name="Google Shape;242;p28"/>
+          <p:cNvSpPr txBox="1"/>
+          <p:nvPr>
+            <p:ph idx="1" type="body"/>
+          </p:nvPr>
+        </p:nvSpPr>
+        <p:spPr>
+          <a:xfrm>
+            <a:off x="1297575" y="1483563"/>
+            <a:ext cx="3405300" cy="806700"/>
+          </a:xfrm>
+          <a:prstGeom prst="rect">
+            <a:avLst/>
+          </a:prstGeom>
+        </p:spPr>
+        <p:txBody>
+          <a:bodyPr anchorCtr="0" anchor="t" bIns="91425" lIns="91425" spcFirstLastPara="1" rIns="91425" wrap="square" tIns="91425">
+            <a:normAutofit fontScale="77500" lnSpcReduction="20000"/>
+          </a:bodyPr>
+          <a:lstStyle/>
+          <a:p>
+            <a:pPr indent="0" lvl="0" marL="0" rtl="0" algn="l">
+              <a:spcBef>
+                <a:spcPts val="0"/>
+              </a:spcBef>
+              <a:spcAft>
+                <a:spcPts val="0"/>
+              </a:spcAft>
+              <a:buNone/>
+            </a:pPr>
+            <a:r>
+              <a:rPr lang="hu"/>
+              <a:t>The seasonal effect is </a:t>
+            </a:r>
+            <a:r>
+              <a:rPr lang="hu"/>
+              <a:t>similar</a:t>
+            </a:r>
+            <a:r>
+              <a:rPr lang="hu"/>
+              <a:t> to the electric bike one: </a:t>
+            </a:r>
+            <a:endParaRPr/>
+          </a:p>
+          <a:p>
+            <a:pPr indent="-292576" lvl="0" marL="457200" rtl="0" algn="l">
+              <a:spcBef>
+                <a:spcPts val="1200"/>
+              </a:spcBef>
+              <a:spcAft>
+                <a:spcPts val="0"/>
+              </a:spcAft>
+              <a:buSzPct val="100000"/>
+              <a:buChar char="-"/>
+            </a:pPr>
+            <a:r>
+              <a:rPr lang="hu"/>
+              <a:t>People tend ride 2-4 mins longer in the sprint and during the summer</a:t>
+            </a:r>
+            <a:endParaRPr/>
+          </a:p>
+        </p:txBody>
+      </p:sp>
+    </p:spTree>
+  </p:cSld>
+  <p:clrMapOvr>
+    <a:masterClrMapping/>
+  </p:clrMapOvr>
+</p:sld>
+</file>
+
+<file path=ppt/slides/slide17.xml><?xml version="1.0" encoding="utf-8"?>
+<p:sld xmlns:a="http://schemas.openxmlformats.org/drawingml/2006/main" xmlns:r="http://schemas.openxmlformats.org/officeDocument/2006/relationships" xmlns:mc="http://schemas.openxmlformats.org/markup-compatibility/2006" xmlns:mv="urn:schemas-microsoft-com:mac:vml" xmlns:p="http://schemas.openxmlformats.org/presentationml/2006/main" xmlns:c="http://schemas.openxmlformats.org/drawingml/2006/chart" xmlns:dgm="http://schemas.openxmlformats.org/drawingml/2006/diagram" xmlns:o="urn:schemas-microsoft-com:office:office" xmlns:v="urn:schemas-microsoft-com:vml" xmlns:pvml="urn:schemas-microsoft-com:office:powerpoint" xmlns:com="http://schemas.openxmlformats.org/drawingml/2006/compatibility" xmlns:p14="http://schemas.microsoft.com/office/powerpoint/2010/main" xmlns:p15="http://schemas.microsoft.com/office/powerpoint/2012/main" xmlns:ahyp="http://schemas.microsoft.com/office/drawing/2018/hyperlinkcolor">
+  <p:cSld>
+    <p:spTree>
+      <p:nvGrpSpPr>
+        <p:cNvPr id="246" name="Shape 246"/>
+        <p:cNvGrpSpPr/>
+        <p:nvPr/>
+      </p:nvGrpSpPr>
+      <p:grpSpPr>
+        <a:xfrm>
+          <a:off x="0" y="0"/>
+          <a:ext cx="0" cy="0"/>
+          <a:chOff x="0" y="0"/>
+          <a:chExt cx="0" cy="0"/>
+        </a:xfrm>
+      </p:grpSpPr>
+      <p:sp>
+        <p:nvSpPr>
+          <p:cNvPr id="247" name="Google Shape;247;p29"/>
+          <p:cNvSpPr txBox="1"/>
+          <p:nvPr>
+            <p:ph type="title"/>
+          </p:nvPr>
+        </p:nvSpPr>
+        <p:spPr>
+          <a:xfrm>
+            <a:off x="1297500" y="393750"/>
+            <a:ext cx="7038900" cy="914100"/>
+          </a:xfrm>
+          <a:prstGeom prst="rect">
+            <a:avLst/>
+          </a:prstGeom>
+        </p:spPr>
+        <p:txBody>
+          <a:bodyPr anchorCtr="0" anchor="t" bIns="91425" lIns="91425" spcFirstLastPara="1" rIns="91425" wrap="square" tIns="91425">
+            <a:normAutofit fontScale="90000"/>
+          </a:bodyPr>
+          <a:lstStyle/>
+          <a:p>
+            <a:pPr indent="0" lvl="0" marL="0" rtl="0" algn="l">
+              <a:spcBef>
+                <a:spcPts val="0"/>
+              </a:spcBef>
+              <a:spcAft>
+                <a:spcPts val="0"/>
+              </a:spcAft>
+              <a:buNone/>
+            </a:pPr>
+            <a:r>
+              <a:rPr lang="hu"/>
+              <a:t>9-10. Most common times of day and days of week for bicycle hire (+ monthly trends)</a:t>
+            </a:r>
+            <a:endParaRPr/>
+          </a:p>
+        </p:txBody>
+      </p:sp>
+      <p:sp>
+        <p:nvSpPr>
+          <p:cNvPr id="248" name="Google Shape;248;p29"/>
+          <p:cNvSpPr txBox="1"/>
+          <p:nvPr>
+            <p:ph idx="1" type="body"/>
+          </p:nvPr>
+        </p:nvSpPr>
+        <p:spPr>
+          <a:xfrm>
+            <a:off x="1297500" y="1567550"/>
+            <a:ext cx="4826100" cy="3279300"/>
+          </a:xfrm>
+          <a:prstGeom prst="rect">
+            <a:avLst/>
+          </a:prstGeom>
+        </p:spPr>
+        <p:txBody>
+          <a:bodyPr anchorCtr="0" anchor="t" bIns="91425" lIns="91425" spcFirstLastPara="1" rIns="91425" wrap="square" tIns="91425">
+            <a:normAutofit fontScale="70000" lnSpcReduction="10000"/>
+          </a:bodyPr>
+          <a:lstStyle/>
+          <a:p>
+            <a:pPr indent="0" lvl="0" marL="0" rtl="0" algn="l">
+              <a:spcBef>
+                <a:spcPts val="0"/>
+              </a:spcBef>
+              <a:spcAft>
+                <a:spcPts val="0"/>
+              </a:spcAft>
+              <a:buNone/>
+            </a:pPr>
+            <a:r>
+              <a:rPr lang="hu"/>
+              <a:t>For the trend and seasonality analysis I used </a:t>
+            </a:r>
+            <a:r>
+              <a:rPr lang="hu" u="sng">
+                <a:solidFill>
+                  <a:schemeClr val="hlink"/>
+                </a:solidFill>
+                <a:hlinkClick r:id="rId3"/>
+              </a:rPr>
+              <a:t>Facebook’s Prophet algorithm</a:t>
+            </a:r>
+            <a:r>
+              <a:rPr lang="hu"/>
+              <a:t>. I created two different models:</a:t>
+            </a:r>
+            <a:endParaRPr/>
+          </a:p>
+          <a:p>
+            <a:pPr indent="-286385" lvl="0" marL="457200" rtl="0" algn="l">
+              <a:spcBef>
+                <a:spcPts val="1200"/>
+              </a:spcBef>
+              <a:spcAft>
+                <a:spcPts val="0"/>
+              </a:spcAft>
+              <a:buSzPct val="100000"/>
+              <a:buChar char="-"/>
+            </a:pPr>
+            <a:r>
+              <a:rPr lang="hu"/>
+              <a:t>Daily model (aggregated on a daily level)</a:t>
+            </a:r>
+            <a:endParaRPr/>
+          </a:p>
+          <a:p>
+            <a:pPr indent="-286385" lvl="0" marL="457200" rtl="0" algn="l">
+              <a:spcBef>
+                <a:spcPts val="0"/>
+              </a:spcBef>
+              <a:spcAft>
+                <a:spcPts val="0"/>
+              </a:spcAft>
+              <a:buSzPct val="100000"/>
+              <a:buChar char="-"/>
+            </a:pPr>
+            <a:r>
+              <a:rPr lang="hu"/>
+              <a:t>Hourly model (aggregated on an hourly level)</a:t>
+            </a:r>
+            <a:endParaRPr/>
+          </a:p>
+          <a:p>
+            <a:pPr indent="0" lvl="0" marL="0" rtl="0" algn="l">
+              <a:spcBef>
+                <a:spcPts val="1200"/>
+              </a:spcBef>
+              <a:spcAft>
+                <a:spcPts val="0"/>
+              </a:spcAft>
+              <a:buNone/>
+            </a:pPr>
+            <a:r>
+              <a:rPr lang="hu"/>
+              <a:t>Looking at the Daily model first, there are multiple learnings:</a:t>
+            </a:r>
+            <a:endParaRPr/>
+          </a:p>
+          <a:p>
+            <a:pPr indent="-286385" lvl="0" marL="457200" rtl="0" algn="l">
+              <a:spcBef>
+                <a:spcPts val="1200"/>
+              </a:spcBef>
+              <a:spcAft>
+                <a:spcPts val="0"/>
+              </a:spcAft>
+              <a:buSzPct val="100000"/>
+              <a:buChar char="-"/>
+            </a:pPr>
+            <a:r>
+              <a:rPr lang="hu"/>
+              <a:t>There was an upwards going trend from 2015 to 2017, which then stagnated (and even slightly decreased) </a:t>
+            </a:r>
+            <a:r>
+              <a:rPr lang="hu"/>
+              <a:t>until</a:t>
+            </a:r>
+            <a:r>
+              <a:rPr lang="hu"/>
+              <a:t> Covid hit in the number of rentals. However, since Covid it picked up an </a:t>
+            </a:r>
+            <a:r>
+              <a:rPr lang="hu"/>
+              <a:t>enormous</a:t>
+            </a:r>
+            <a:r>
+              <a:rPr lang="hu"/>
+              <a:t> steam and trending massive upwards since</a:t>
+            </a:r>
+            <a:endParaRPr/>
+          </a:p>
+          <a:p>
+            <a:pPr indent="-277494" lvl="1" marL="914400" rtl="0" algn="l">
+              <a:spcBef>
+                <a:spcPts val="0"/>
+              </a:spcBef>
+              <a:spcAft>
+                <a:spcPts val="0"/>
+              </a:spcAft>
+              <a:buSzPct val="100000"/>
+              <a:buChar char="-"/>
+            </a:pPr>
+            <a:r>
+              <a:rPr lang="hu"/>
+              <a:t>Based on the predication this trend is bound to continue in 2023-2024 as well.</a:t>
+            </a:r>
+            <a:endParaRPr/>
+          </a:p>
+          <a:p>
+            <a:pPr indent="-286385" lvl="0" marL="457200" rtl="0" algn="l">
+              <a:spcBef>
+                <a:spcPts val="0"/>
+              </a:spcBef>
+              <a:spcAft>
+                <a:spcPts val="0"/>
+              </a:spcAft>
+              <a:buSzPct val="100000"/>
+              <a:buChar char="-"/>
+            </a:pPr>
+            <a:r>
+              <a:rPr lang="hu"/>
+              <a:t>The bank and national holidays have varying effect. On some usage increases, while on others it decreases.</a:t>
+            </a:r>
+            <a:endParaRPr/>
+          </a:p>
+          <a:p>
+            <a:pPr indent="-277494" lvl="1" marL="914400" rtl="0" algn="l">
+              <a:spcBef>
+                <a:spcPts val="0"/>
+              </a:spcBef>
+              <a:spcAft>
+                <a:spcPts val="0"/>
+              </a:spcAft>
+              <a:buSzPct val="100000"/>
+              <a:buChar char="-"/>
+            </a:pPr>
+            <a:r>
+              <a:rPr lang="hu"/>
+              <a:t>On one very visible outlier in late 2022 the bank holiday caused a massive decrease. Looking into the data it was the Queen’s funeral.</a:t>
+            </a:r>
+            <a:endParaRPr/>
+          </a:p>
+          <a:p>
+            <a:pPr indent="-286385" lvl="0" marL="457200" rtl="0" algn="l">
+              <a:spcBef>
+                <a:spcPts val="0"/>
+              </a:spcBef>
+              <a:spcAft>
+                <a:spcPts val="0"/>
+              </a:spcAft>
+              <a:buSzPct val="100000"/>
+              <a:buChar char="-"/>
+            </a:pPr>
+            <a:r>
+              <a:rPr lang="hu"/>
+              <a:t>Bike usage is the lowest during </a:t>
+            </a:r>
+            <a:r>
+              <a:rPr lang="hu"/>
+              <a:t>the</a:t>
+            </a:r>
+            <a:r>
+              <a:rPr lang="hu"/>
+              <a:t> weekend, gradually </a:t>
+            </a:r>
+            <a:r>
+              <a:rPr lang="hu"/>
+              <a:t>increasing</a:t>
+            </a:r>
+            <a:r>
+              <a:rPr lang="hu"/>
+              <a:t> until Tuesday where it peaks until Thursday after which it decreases again</a:t>
+            </a:r>
+            <a:endParaRPr/>
+          </a:p>
+          <a:p>
+            <a:pPr indent="-286385" lvl="0" marL="457200" rtl="0" algn="l">
+              <a:spcBef>
+                <a:spcPts val="0"/>
+              </a:spcBef>
+              <a:spcAft>
+                <a:spcPts val="0"/>
+              </a:spcAft>
+              <a:buSzPct val="100000"/>
+              <a:buChar char="-"/>
+            </a:pPr>
+            <a:r>
+              <a:rPr lang="hu"/>
+              <a:t>The monthly seasonality is crystal clear also</a:t>
+            </a:r>
+            <a:endParaRPr/>
+          </a:p>
+          <a:p>
+            <a:pPr indent="-277494" lvl="1" marL="914400" rtl="0" algn="l">
+              <a:spcBef>
+                <a:spcPts val="0"/>
+              </a:spcBef>
+              <a:spcAft>
+                <a:spcPts val="0"/>
+              </a:spcAft>
+              <a:buSzPct val="100000"/>
+              <a:buChar char="-"/>
+            </a:pPr>
+            <a:r>
+              <a:rPr lang="hu"/>
+              <a:t>January being the lowest month, then (although with some bumps) </a:t>
+            </a:r>
+            <a:r>
+              <a:rPr lang="hu"/>
+              <a:t>usage</a:t>
+            </a:r>
+            <a:r>
+              <a:rPr lang="hu"/>
+              <a:t> increases until July, after which it starts dropping again</a:t>
+            </a:r>
+            <a:endParaRPr/>
+          </a:p>
+        </p:txBody>
+      </p:sp>
+      <p:pic>
+        <p:nvPicPr>
+          <p:cNvPr id="249" name="Google Shape;249;p29"/>
+          <p:cNvPicPr preferRelativeResize="0"/>
+          <p:nvPr/>
+        </p:nvPicPr>
+        <p:blipFill>
+          <a:blip r:embed="rId4">
+            <a:alphaModFix/>
+          </a:blip>
+          <a:stretch>
+            <a:fillRect/>
+          </a:stretch>
+        </p:blipFill>
+        <p:spPr>
+          <a:xfrm>
+            <a:off x="6206472" y="1501125"/>
+            <a:ext cx="2491051" cy="3345750"/>
+          </a:xfrm>
+          <a:prstGeom prst="rect">
+            <a:avLst/>
+          </a:prstGeom>
+          <a:noFill/>
+          <a:ln>
+            <a:noFill/>
+          </a:ln>
+        </p:spPr>
+      </p:pic>
+    </p:spTree>
+  </p:cSld>
+  <p:clrMapOvr>
+    <a:masterClrMapping/>
+  </p:clrMapOvr>
+</p:sld>
+</file>
+
+<file path=ppt/slides/slide18.xml><?xml version="1.0" encoding="utf-8"?>
+<p:sld xmlns:a="http://schemas.openxmlformats.org/drawingml/2006/main" xmlns:r="http://schemas.openxmlformats.org/officeDocument/2006/relationships" xmlns:mc="http://schemas.openxmlformats.org/markup-compatibility/2006" xmlns:mv="urn:schemas-microsoft-com:mac:vml" xmlns:p="http://schemas.openxmlformats.org/presentationml/2006/main" xmlns:c="http://schemas.openxmlformats.org/drawingml/2006/chart" xmlns:dgm="http://schemas.openxmlformats.org/drawingml/2006/diagram" xmlns:o="urn:schemas-microsoft-com:office:office" xmlns:v="urn:schemas-microsoft-com:vml" xmlns:pvml="urn:schemas-microsoft-com:office:powerpoint" xmlns:com="http://schemas.openxmlformats.org/drawingml/2006/compatibility" xmlns:p14="http://schemas.microsoft.com/office/powerpoint/2010/main" xmlns:p15="http://schemas.microsoft.com/office/powerpoint/2012/main" xmlns:ahyp="http://schemas.microsoft.com/office/drawing/2018/hyperlinkcolor">
+  <p:cSld>
+    <p:spTree>
+      <p:nvGrpSpPr>
+        <p:cNvPr id="253" name="Shape 253"/>
+        <p:cNvGrpSpPr/>
+        <p:nvPr/>
+      </p:nvGrpSpPr>
+      <p:grpSpPr>
+        <a:xfrm>
+          <a:off x="0" y="0"/>
+          <a:ext cx="0" cy="0"/>
+          <a:chOff x="0" y="0"/>
+          <a:chExt cx="0" cy="0"/>
+        </a:xfrm>
+      </p:grpSpPr>
+      <p:sp>
+        <p:nvSpPr>
+          <p:cNvPr id="254" name="Google Shape;254;p30"/>
+          <p:cNvSpPr txBox="1"/>
+          <p:nvPr>
+            <p:ph type="title"/>
+          </p:nvPr>
+        </p:nvSpPr>
+        <p:spPr>
+          <a:xfrm>
+            <a:off x="1297500" y="393750"/>
+            <a:ext cx="7038900" cy="914100"/>
+          </a:xfrm>
+          <a:prstGeom prst="rect">
+            <a:avLst/>
+          </a:prstGeom>
+        </p:spPr>
+        <p:txBody>
+          <a:bodyPr anchorCtr="0" anchor="t" bIns="91425" lIns="91425" spcFirstLastPara="1" rIns="91425" wrap="square" tIns="91425">
+            <a:normAutofit fontScale="90000"/>
+          </a:bodyPr>
+          <a:lstStyle/>
+          <a:p>
+            <a:pPr indent="0" lvl="0" marL="0" rtl="0" algn="l">
+              <a:spcBef>
+                <a:spcPts val="0"/>
+              </a:spcBef>
+              <a:spcAft>
+                <a:spcPts val="0"/>
+              </a:spcAft>
+              <a:buNone/>
+            </a:pPr>
+            <a:r>
+              <a:rPr lang="hu"/>
+              <a:t>9-10. Most common times of day and days of week for bicycle hire (+ monthly trends)</a:t>
+            </a:r>
+            <a:endParaRPr/>
+          </a:p>
+          <a:p>
+            <a:pPr indent="0" lvl="0" marL="0" rtl="0" algn="l">
+              <a:spcBef>
+                <a:spcPts val="0"/>
+              </a:spcBef>
+              <a:spcAft>
+                <a:spcPts val="0"/>
+              </a:spcAft>
+              <a:buNone/>
+            </a:pPr>
+            <a:r>
+              <a:t/>
+            </a:r>
+            <a:endParaRPr/>
+          </a:p>
+        </p:txBody>
+      </p:sp>
+      <p:sp>
+        <p:nvSpPr>
+          <p:cNvPr id="255" name="Google Shape;255;p30"/>
+          <p:cNvSpPr txBox="1"/>
+          <p:nvPr>
+            <p:ph idx="1" type="body"/>
+          </p:nvPr>
+        </p:nvSpPr>
+        <p:spPr>
+          <a:xfrm>
+            <a:off x="1297500" y="1567550"/>
+            <a:ext cx="4826100" cy="3247200"/>
+          </a:xfrm>
+          <a:prstGeom prst="rect">
+            <a:avLst/>
+          </a:prstGeom>
+        </p:spPr>
+        <p:txBody>
+          <a:bodyPr anchorCtr="0" anchor="t" bIns="91425" lIns="91425" spcFirstLastPara="1" rIns="91425" wrap="square" tIns="91425">
+            <a:normAutofit/>
+          </a:bodyPr>
+          <a:lstStyle/>
+          <a:p>
+            <a:pPr indent="0" lvl="0" marL="0" rtl="0" algn="l">
+              <a:spcBef>
+                <a:spcPts val="0"/>
+              </a:spcBef>
+              <a:spcAft>
+                <a:spcPts val="0"/>
+              </a:spcAft>
+              <a:buNone/>
+            </a:pPr>
+            <a:r>
+              <a:rPr lang="hu"/>
+              <a:t>Looking at the hourly model, it’s much of the same (although the curves are more detailed), except for added information of the daily seasonality.</a:t>
+            </a:r>
+            <a:endParaRPr/>
+          </a:p>
+          <a:p>
+            <a:pPr indent="-311150" lvl="0" marL="457200" rtl="0" algn="l">
+              <a:spcBef>
+                <a:spcPts val="1200"/>
+              </a:spcBef>
+              <a:spcAft>
+                <a:spcPts val="0"/>
+              </a:spcAft>
+              <a:buSzPts val="1300"/>
+              <a:buChar char="-"/>
+            </a:pPr>
+            <a:r>
+              <a:rPr lang="hu"/>
+              <a:t>Generally usage starts picking up around 4am until 9-9:30 in the morning (most likely due to the morning commute)</a:t>
+            </a:r>
+            <a:endParaRPr/>
+          </a:p>
+          <a:p>
+            <a:pPr indent="-311150" lvl="0" marL="457200" rtl="0" algn="l">
+              <a:spcBef>
+                <a:spcPts val="0"/>
+              </a:spcBef>
+              <a:spcAft>
+                <a:spcPts val="0"/>
+              </a:spcAft>
+              <a:buSzPts val="1300"/>
+              <a:buChar char="-"/>
+            </a:pPr>
+            <a:r>
+              <a:rPr lang="hu"/>
+              <a:t>Then slightly decreases during the day</a:t>
+            </a:r>
+            <a:endParaRPr/>
+          </a:p>
+          <a:p>
+            <a:pPr indent="-311150" lvl="0" marL="457200" rtl="0" algn="l">
+              <a:spcBef>
+                <a:spcPts val="0"/>
+              </a:spcBef>
+              <a:spcAft>
+                <a:spcPts val="0"/>
+              </a:spcAft>
+              <a:buSzPts val="1300"/>
+              <a:buChar char="-"/>
+            </a:pPr>
+            <a:r>
+              <a:rPr lang="hu"/>
+              <a:t>Just to pick up again and reaching a second mode around 5pm (after work commute)</a:t>
+            </a:r>
+            <a:endParaRPr/>
+          </a:p>
+          <a:p>
+            <a:pPr indent="-311150" lvl="0" marL="457200" rtl="0" algn="l">
+              <a:spcBef>
+                <a:spcPts val="0"/>
+              </a:spcBef>
+              <a:spcAft>
+                <a:spcPts val="0"/>
+              </a:spcAft>
+              <a:buSzPts val="1300"/>
+              <a:buChar char="-"/>
+            </a:pPr>
+            <a:r>
+              <a:rPr lang="hu"/>
+              <a:t>Then gradually decreases until the next morning, only having a very small bump around midnight (pub commute?)</a:t>
+            </a:r>
+            <a:endParaRPr/>
+          </a:p>
+        </p:txBody>
+      </p:sp>
+      <p:pic>
+        <p:nvPicPr>
+          <p:cNvPr id="256" name="Google Shape;256;p30"/>
+          <p:cNvPicPr preferRelativeResize="0"/>
+          <p:nvPr/>
+        </p:nvPicPr>
+        <p:blipFill>
+          <a:blip r:embed="rId3">
+            <a:alphaModFix/>
+          </a:blip>
+          <a:stretch>
+            <a:fillRect/>
+          </a:stretch>
+        </p:blipFill>
+        <p:spPr>
+          <a:xfrm>
+            <a:off x="6323125" y="1567550"/>
+            <a:ext cx="2419650" cy="3247150"/>
+          </a:xfrm>
+          <a:prstGeom prst="rect">
+            <a:avLst/>
+          </a:prstGeom>
+          <a:noFill/>
+          <a:ln>
+            <a:noFill/>
+          </a:ln>
+        </p:spPr>
+      </p:pic>
+    </p:spTree>
+  </p:cSld>
+  <p:clrMapOvr>
+    <a:masterClrMapping/>
+  </p:clrMapOvr>
+</p:sld>
+</file>
+
+<file path=ppt/slides/slide19.xml><?xml version="1.0" encoding="utf-8"?>
+<p:sld xmlns:a="http://schemas.openxmlformats.org/drawingml/2006/main" xmlns:r="http://schemas.openxmlformats.org/officeDocument/2006/relationships" xmlns:mc="http://schemas.openxmlformats.org/markup-compatibility/2006" xmlns:mv="urn:schemas-microsoft-com:mac:vml" xmlns:p="http://schemas.openxmlformats.org/presentationml/2006/main" xmlns:c="http://schemas.openxmlformats.org/drawingml/2006/chart" xmlns:dgm="http://schemas.openxmlformats.org/drawingml/2006/diagram" xmlns:o="urn:schemas-microsoft-com:office:office" xmlns:v="urn:schemas-microsoft-com:vml" xmlns:pvml="urn:schemas-microsoft-com:office:powerpoint" xmlns:com="http://schemas.openxmlformats.org/drawingml/2006/compatibility" xmlns:p14="http://schemas.microsoft.com/office/powerpoint/2010/main" xmlns:p15="http://schemas.microsoft.com/office/powerpoint/2012/main" xmlns:ahyp="http://schemas.microsoft.com/office/drawing/2018/hyperlinkcolor">
+  <p:cSld>
+    <p:spTree>
+      <p:nvGrpSpPr>
+        <p:cNvPr id="260" name="Shape 260"/>
+        <p:cNvGrpSpPr/>
+        <p:nvPr/>
+      </p:nvGrpSpPr>
+      <p:grpSpPr>
+        <a:xfrm>
+          <a:off x="0" y="0"/>
+          <a:ext cx="0" cy="0"/>
+          <a:chOff x="0" y="0"/>
+          <a:chExt cx="0" cy="0"/>
+        </a:xfrm>
+      </p:grpSpPr>
+      <p:sp>
+        <p:nvSpPr>
+          <p:cNvPr id="261" name="Google Shape;261;p31"/>
+          <p:cNvSpPr txBox="1"/>
+          <p:nvPr>
+            <p:ph type="title"/>
+          </p:nvPr>
+        </p:nvSpPr>
+        <p:spPr>
+          <a:xfrm>
+            <a:off x="1297500" y="393750"/>
+            <a:ext cx="7038900" cy="914100"/>
+          </a:xfrm>
+          <a:prstGeom prst="rect">
+            <a:avLst/>
+          </a:prstGeom>
+        </p:spPr>
+        <p:txBody>
+          <a:bodyPr anchorCtr="0" anchor="t" bIns="91425" lIns="91425" spcFirstLastPara="1" rIns="91425" wrap="square" tIns="91425">
+            <a:normAutofit/>
+          </a:bodyPr>
+          <a:lstStyle/>
+          <a:p>
+            <a:pPr indent="0" lvl="0" marL="0" rtl="0" algn="l">
+              <a:spcBef>
+                <a:spcPts val="0"/>
+              </a:spcBef>
+              <a:spcAft>
+                <a:spcPts val="0"/>
+              </a:spcAft>
+              <a:buNone/>
+            </a:pPr>
+            <a:r>
+              <a:rPr lang="hu"/>
+              <a:t>11. London weather data analysis</a:t>
+            </a:r>
+            <a:endParaRPr/>
+          </a:p>
+        </p:txBody>
+      </p:sp>
+      <p:sp>
+        <p:nvSpPr>
+          <p:cNvPr id="262" name="Google Shape;262;p31"/>
+          <p:cNvSpPr txBox="1"/>
+          <p:nvPr>
+            <p:ph idx="1" type="body"/>
+          </p:nvPr>
+        </p:nvSpPr>
+        <p:spPr>
+          <a:xfrm>
+            <a:off x="1297500" y="1567550"/>
+            <a:ext cx="7038900" cy="2911200"/>
+          </a:xfrm>
+          <a:prstGeom prst="rect">
+            <a:avLst/>
+          </a:prstGeom>
+        </p:spPr>
+        <p:txBody>
+          <a:bodyPr anchorCtr="0" anchor="t" bIns="91425" lIns="91425" spcFirstLastPara="1" rIns="91425" wrap="square" tIns="91425">
+            <a:normAutofit/>
+          </a:bodyPr>
+          <a:lstStyle/>
+          <a:p>
+            <a:pPr indent="0" lvl="0" marL="0" rtl="0" algn="l">
+              <a:spcBef>
+                <a:spcPts val="0"/>
+              </a:spcBef>
+              <a:spcAft>
+                <a:spcPts val="0"/>
+              </a:spcAft>
+              <a:buNone/>
+            </a:pPr>
+            <a:r>
+              <a:rPr lang="hu"/>
+              <a:t>For the weather analysis I use the previously mentioned </a:t>
+            </a:r>
+            <a:r>
+              <a:rPr i="1" lang="hu"/>
+              <a:t>drv_fact_cycle_hire_weather_combined</a:t>
+            </a:r>
+            <a:r>
+              <a:rPr lang="hu"/>
+              <a:t> table which is a 3rd party hourly weather data combined with the given usage data, plus additional date features that I created.</a:t>
+            </a:r>
+            <a:endParaRPr/>
+          </a:p>
+          <a:p>
+            <a:pPr indent="0" lvl="0" marL="0" rtl="0" algn="l">
+              <a:spcBef>
+                <a:spcPts val="1200"/>
+              </a:spcBef>
+              <a:spcAft>
+                <a:spcPts val="1200"/>
+              </a:spcAft>
+              <a:buNone/>
+            </a:pPr>
+            <a:r>
+              <a:t/>
+            </a:r>
+            <a:endParaRPr/>
+          </a:p>
+        </p:txBody>
+      </p:sp>
+      <p:pic>
+        <p:nvPicPr>
+          <p:cNvPr id="263" name="Google Shape;263;p31"/>
+          <p:cNvPicPr preferRelativeResize="0"/>
+          <p:nvPr/>
+        </p:nvPicPr>
+        <p:blipFill>
+          <a:blip r:embed="rId3">
+            <a:alphaModFix/>
+          </a:blip>
+          <a:stretch>
+            <a:fillRect/>
+          </a:stretch>
+        </p:blipFill>
+        <p:spPr>
+          <a:xfrm>
+            <a:off x="844062" y="2695901"/>
+            <a:ext cx="7945773" cy="1263000"/>
+          </a:xfrm>
+          <a:prstGeom prst="rect">
+            <a:avLst/>
+          </a:prstGeom>
+          <a:noFill/>
+          <a:ln>
+            <a:noFill/>
+          </a:ln>
+        </p:spPr>
+      </p:pic>
+    </p:spTree>
+  </p:cSld>
+  <p:clrMapOvr>
+    <a:masterClrMapping/>
+  </p:clrMapOvr>
+</p:sld>
+</file>
+
 <file path=ppt/slides/slide2.xml><?xml version="1.0" encoding="utf-8"?>
 <p:sld xmlns:a="http://schemas.openxmlformats.org/drawingml/2006/main" xmlns:r="http://schemas.openxmlformats.org/officeDocument/2006/relationships" xmlns:mc="http://schemas.openxmlformats.org/markup-compatibility/2006" xmlns:mv="urn:schemas-microsoft-com:mac:vml" xmlns:p="http://schemas.openxmlformats.org/presentationml/2006/main" xmlns:c="http://schemas.openxmlformats.org/drawingml/2006/chart" xmlns:dgm="http://schemas.openxmlformats.org/drawingml/2006/diagram" xmlns:o="urn:schemas-microsoft-com:office:office" xmlns:v="urn:schemas-microsoft-com:vml" xmlns:pvml="urn:schemas-microsoft-com:office:powerpoint" xmlns:com="http://schemas.openxmlformats.org/drawingml/2006/compatibility" xmlns:p14="http://schemas.microsoft.com/office/powerpoint/2010/main" xmlns:p15="http://schemas.microsoft.com/office/powerpoint/2012/main" xmlns:ahyp="http://schemas.microsoft.com/office/drawing/2018/hyperlinkcolor">
   <p:cSld>
@@ -9881,6 +13526,360 @@
         </p:spPr>
         <p:txBody>
           <a:bodyPr anchorCtr="0" anchor="t" bIns="91425" lIns="91425" spcFirstLastPara="1" rIns="91425" wrap="square" tIns="91425">
+            <a:normAutofit fontScale="70000" lnSpcReduction="20000"/>
+          </a:bodyPr>
+          <a:lstStyle/>
+          <a:p>
+            <a:pPr indent="-335280" lvl="0" marL="457200" rtl="0" algn="l">
+              <a:lnSpc>
+                <a:spcPct val="100000"/>
+              </a:lnSpc>
+              <a:spcBef>
+                <a:spcPts val="0"/>
+              </a:spcBef>
+              <a:spcAft>
+                <a:spcPts val="0"/>
+              </a:spcAft>
+              <a:buSzPct val="100000"/>
+              <a:buFont typeface="Montserrat"/>
+              <a:buAutoNum type="arabicPeriod"/>
+            </a:pPr>
+            <a:r>
+              <a:rPr lang="hu" sz="2400">
+                <a:latin typeface="Montserrat"/>
+                <a:ea typeface="Montserrat"/>
+                <a:cs typeface="Montserrat"/>
+                <a:sym typeface="Montserrat"/>
+              </a:rPr>
+              <a:t>Data sources &amp; tools used</a:t>
+            </a:r>
+            <a:endParaRPr sz="2400">
+              <a:latin typeface="Montserrat"/>
+              <a:ea typeface="Montserrat"/>
+              <a:cs typeface="Montserrat"/>
+              <a:sym typeface="Montserrat"/>
+            </a:endParaRPr>
+          </a:p>
+          <a:p>
+            <a:pPr indent="-335280" lvl="0" marL="457200" rtl="0" algn="l">
+              <a:lnSpc>
+                <a:spcPct val="100000"/>
+              </a:lnSpc>
+              <a:spcBef>
+                <a:spcPts val="0"/>
+              </a:spcBef>
+              <a:spcAft>
+                <a:spcPts val="0"/>
+              </a:spcAft>
+              <a:buSzPct val="100000"/>
+              <a:buFont typeface="Montserrat"/>
+              <a:buAutoNum type="arabicPeriod"/>
+            </a:pPr>
+            <a:r>
+              <a:rPr lang="hu" sz="2400">
+                <a:latin typeface="Montserrat"/>
+                <a:ea typeface="Montserrat"/>
+                <a:cs typeface="Montserrat"/>
+                <a:sym typeface="Montserrat"/>
+              </a:rPr>
+              <a:t>Data inspection, quality check and added features</a:t>
+            </a:r>
+            <a:endParaRPr sz="2400">
+              <a:latin typeface="Montserrat"/>
+              <a:ea typeface="Montserrat"/>
+              <a:cs typeface="Montserrat"/>
+              <a:sym typeface="Montserrat"/>
+            </a:endParaRPr>
+          </a:p>
+          <a:p>
+            <a:pPr indent="-335280" lvl="0" marL="457200" rtl="0" algn="l">
+              <a:lnSpc>
+                <a:spcPct val="100000"/>
+              </a:lnSpc>
+              <a:spcBef>
+                <a:spcPts val="0"/>
+              </a:spcBef>
+              <a:spcAft>
+                <a:spcPts val="0"/>
+              </a:spcAft>
+              <a:buSzPct val="100000"/>
+              <a:buFont typeface="Montserrat"/>
+              <a:buAutoNum type="arabicPeriod"/>
+            </a:pPr>
+            <a:r>
+              <a:rPr lang="hu" sz="2400">
+                <a:latin typeface="Montserrat"/>
+                <a:ea typeface="Montserrat"/>
+                <a:cs typeface="Montserrat"/>
+                <a:sym typeface="Montserrat"/>
+              </a:rPr>
+              <a:t>Creating the staging-, dimension and derived fact tables</a:t>
+            </a:r>
+            <a:endParaRPr sz="2400">
+              <a:latin typeface="Montserrat"/>
+              <a:ea typeface="Montserrat"/>
+              <a:cs typeface="Montserrat"/>
+              <a:sym typeface="Montserrat"/>
+            </a:endParaRPr>
+          </a:p>
+          <a:p>
+            <a:pPr indent="-335280" lvl="0" marL="457200" rtl="0" algn="l">
+              <a:lnSpc>
+                <a:spcPct val="100000"/>
+              </a:lnSpc>
+              <a:spcBef>
+                <a:spcPts val="0"/>
+              </a:spcBef>
+              <a:spcAft>
+                <a:spcPts val="0"/>
+              </a:spcAft>
+              <a:buSzPct val="100000"/>
+              <a:buFont typeface="Montserrat"/>
+              <a:buAutoNum type="arabicPeriod"/>
+            </a:pPr>
+            <a:r>
+              <a:rPr lang="hu" sz="2400">
+                <a:latin typeface="Montserrat"/>
+                <a:ea typeface="Montserrat"/>
+                <a:cs typeface="Montserrat"/>
+                <a:sym typeface="Montserrat"/>
+              </a:rPr>
+              <a:t>What are the most popular start and end stations?</a:t>
+            </a:r>
+            <a:endParaRPr sz="2400">
+              <a:latin typeface="Montserrat"/>
+              <a:ea typeface="Montserrat"/>
+              <a:cs typeface="Montserrat"/>
+              <a:sym typeface="Montserrat"/>
+            </a:endParaRPr>
+          </a:p>
+          <a:p>
+            <a:pPr indent="-335280" lvl="0" marL="457200" rtl="0" algn="l">
+              <a:lnSpc>
+                <a:spcPct val="100000"/>
+              </a:lnSpc>
+              <a:spcBef>
+                <a:spcPts val="0"/>
+              </a:spcBef>
+              <a:spcAft>
+                <a:spcPts val="0"/>
+              </a:spcAft>
+              <a:buSzPct val="100000"/>
+              <a:buFont typeface="Montserrat"/>
+              <a:buAutoNum type="arabicPeriod"/>
+            </a:pPr>
+            <a:r>
+              <a:rPr lang="hu" sz="2400">
+                <a:latin typeface="Montserrat"/>
+                <a:ea typeface="Montserrat"/>
+                <a:cs typeface="Montserrat"/>
+                <a:sym typeface="Montserrat"/>
+              </a:rPr>
+              <a:t>Is there a relationship between the number of docks and the number of bicycles hired?</a:t>
+            </a:r>
+            <a:endParaRPr sz="2400">
+              <a:latin typeface="Montserrat"/>
+              <a:ea typeface="Montserrat"/>
+              <a:cs typeface="Montserrat"/>
+              <a:sym typeface="Montserrat"/>
+            </a:endParaRPr>
+          </a:p>
+          <a:p>
+            <a:pPr indent="-335280" lvl="0" marL="457200" rtl="0" algn="l">
+              <a:lnSpc>
+                <a:spcPct val="100000"/>
+              </a:lnSpc>
+              <a:spcBef>
+                <a:spcPts val="0"/>
+              </a:spcBef>
+              <a:spcAft>
+                <a:spcPts val="0"/>
+              </a:spcAft>
+              <a:buSzPct val="100000"/>
+              <a:buFont typeface="Montserrat"/>
+              <a:buAutoNum type="arabicPeriod"/>
+            </a:pPr>
+            <a:r>
+              <a:rPr lang="hu" sz="2400">
+                <a:latin typeface="Montserrat"/>
+                <a:ea typeface="Montserrat"/>
+                <a:cs typeface="Montserrat"/>
+                <a:sym typeface="Montserrat"/>
+              </a:rPr>
+              <a:t>Are there any stations that should be expanded based on high usage?</a:t>
+            </a:r>
+            <a:endParaRPr sz="2400">
+              <a:latin typeface="Montserrat"/>
+              <a:ea typeface="Montserrat"/>
+              <a:cs typeface="Montserrat"/>
+              <a:sym typeface="Montserrat"/>
+            </a:endParaRPr>
+          </a:p>
+          <a:p>
+            <a:pPr indent="-335280" lvl="0" marL="457200" rtl="0" algn="l">
+              <a:lnSpc>
+                <a:spcPct val="100000"/>
+              </a:lnSpc>
+              <a:spcBef>
+                <a:spcPts val="0"/>
+              </a:spcBef>
+              <a:spcAft>
+                <a:spcPts val="0"/>
+              </a:spcAft>
+              <a:buSzPct val="100000"/>
+              <a:buFont typeface="Montserrat"/>
+              <a:buAutoNum type="arabicPeriod"/>
+            </a:pPr>
+            <a:r>
+              <a:rPr lang="hu" sz="2400">
+                <a:latin typeface="Montserrat"/>
+                <a:ea typeface="Montserrat"/>
+                <a:cs typeface="Montserrat"/>
+                <a:sym typeface="Montserrat"/>
+              </a:rPr>
+              <a:t>Commuting Patterns</a:t>
+            </a:r>
+            <a:endParaRPr sz="2400">
+              <a:latin typeface="Montserrat"/>
+              <a:ea typeface="Montserrat"/>
+              <a:cs typeface="Montserrat"/>
+              <a:sym typeface="Montserrat"/>
+            </a:endParaRPr>
+          </a:p>
+          <a:p>
+            <a:pPr indent="-335280" lvl="0" marL="457200" rtl="0" algn="l">
+              <a:lnSpc>
+                <a:spcPct val="100000"/>
+              </a:lnSpc>
+              <a:spcBef>
+                <a:spcPts val="0"/>
+              </a:spcBef>
+              <a:spcAft>
+                <a:spcPts val="0"/>
+              </a:spcAft>
+              <a:buSzPct val="100000"/>
+              <a:buFont typeface="Montserrat"/>
+              <a:buAutoNum type="arabicPeriod"/>
+            </a:pPr>
+            <a:r>
+              <a:rPr lang="hu" sz="2400">
+                <a:latin typeface="Montserrat"/>
+                <a:ea typeface="Montserrat"/>
+                <a:cs typeface="Montserrat"/>
+                <a:sym typeface="Montserrat"/>
+              </a:rPr>
+              <a:t>Rental duration analysis</a:t>
+            </a:r>
+            <a:endParaRPr sz="2400">
+              <a:latin typeface="Montserrat"/>
+              <a:ea typeface="Montserrat"/>
+              <a:cs typeface="Montserrat"/>
+              <a:sym typeface="Montserrat"/>
+            </a:endParaRPr>
+          </a:p>
+          <a:p>
+            <a:pPr indent="-335280" lvl="0" marL="457200" rtl="0" algn="l">
+              <a:lnSpc>
+                <a:spcPct val="100000"/>
+              </a:lnSpc>
+              <a:spcBef>
+                <a:spcPts val="0"/>
+              </a:spcBef>
+              <a:spcAft>
+                <a:spcPts val="0"/>
+              </a:spcAft>
+              <a:buSzPct val="100000"/>
+              <a:buFont typeface="Montserrat"/>
+              <a:buAutoNum type="arabicPeriod"/>
+            </a:pPr>
+            <a:r>
+              <a:rPr lang="hu" sz="2400">
+                <a:latin typeface="Montserrat"/>
+                <a:ea typeface="Montserrat"/>
+                <a:cs typeface="Montserrat"/>
+                <a:sym typeface="Montserrat"/>
+              </a:rPr>
+              <a:t>Most common times of day and days of week for bicycle hire (+ monthly trends)</a:t>
+            </a:r>
+            <a:endParaRPr sz="2400">
+              <a:latin typeface="Montserrat"/>
+              <a:ea typeface="Montserrat"/>
+              <a:cs typeface="Montserrat"/>
+              <a:sym typeface="Montserrat"/>
+            </a:endParaRPr>
+          </a:p>
+          <a:p>
+            <a:pPr indent="-335280" lvl="0" marL="457200" rtl="0" algn="l">
+              <a:lnSpc>
+                <a:spcPct val="100000"/>
+              </a:lnSpc>
+              <a:spcBef>
+                <a:spcPts val="0"/>
+              </a:spcBef>
+              <a:spcAft>
+                <a:spcPts val="0"/>
+              </a:spcAft>
+              <a:buSzPct val="100000"/>
+              <a:buFont typeface="Montserrat"/>
+              <a:buAutoNum type="arabicPeriod"/>
+            </a:pPr>
+            <a:r>
+              <a:rPr lang="hu" sz="2400">
+                <a:latin typeface="Montserrat"/>
+                <a:ea typeface="Montserrat"/>
+                <a:cs typeface="Montserrat"/>
+                <a:sym typeface="Montserrat"/>
+              </a:rPr>
+              <a:t>London weather data analysis</a:t>
+            </a:r>
+            <a:endParaRPr/>
+          </a:p>
+        </p:txBody>
+      </p:sp>
+    </p:spTree>
+  </p:cSld>
+  <p:clrMapOvr>
+    <a:masterClrMapping/>
+  </p:clrMapOvr>
+</p:sld>
+</file>
+
+<file path=ppt/slides/slide20.xml><?xml version="1.0" encoding="utf-8"?>
+<p:sld xmlns:a="http://schemas.openxmlformats.org/drawingml/2006/main" xmlns:r="http://schemas.openxmlformats.org/officeDocument/2006/relationships" xmlns:mc="http://schemas.openxmlformats.org/markup-compatibility/2006" xmlns:mv="urn:schemas-microsoft-com:mac:vml" xmlns:p="http://schemas.openxmlformats.org/presentationml/2006/main" xmlns:c="http://schemas.openxmlformats.org/drawingml/2006/chart" xmlns:dgm="http://schemas.openxmlformats.org/drawingml/2006/diagram" xmlns:o="urn:schemas-microsoft-com:office:office" xmlns:v="urn:schemas-microsoft-com:vml" xmlns:pvml="urn:schemas-microsoft-com:office:powerpoint" xmlns:com="http://schemas.openxmlformats.org/drawingml/2006/compatibility" xmlns:p14="http://schemas.microsoft.com/office/powerpoint/2010/main" xmlns:p15="http://schemas.microsoft.com/office/powerpoint/2012/main" xmlns:ahyp="http://schemas.microsoft.com/office/drawing/2018/hyperlinkcolor">
+  <p:cSld>
+    <p:spTree>
+      <p:nvGrpSpPr>
+        <p:cNvPr id="267" name="Shape 267"/>
+        <p:cNvGrpSpPr/>
+        <p:nvPr/>
+      </p:nvGrpSpPr>
+      <p:grpSpPr>
+        <a:xfrm>
+          <a:off x="0" y="0"/>
+          <a:ext cx="0" cy="0"/>
+          <a:chOff x="0" y="0"/>
+          <a:chExt cx="0" cy="0"/>
+        </a:xfrm>
+      </p:grpSpPr>
+      <p:sp>
+        <p:nvSpPr>
+          <p:cNvPr id="268" name="Google Shape;268;p32"/>
+          <p:cNvSpPr txBox="1"/>
+          <p:nvPr>
+            <p:ph type="title"/>
+          </p:nvPr>
+        </p:nvSpPr>
+        <p:spPr>
+          <a:xfrm>
+            <a:off x="1297500" y="393750"/>
+            <a:ext cx="7038900" cy="914100"/>
+          </a:xfrm>
+          <a:prstGeom prst="rect">
+            <a:avLst/>
+          </a:prstGeom>
+        </p:spPr>
+        <p:txBody>
+          <a:bodyPr anchorCtr="0" anchor="t" bIns="91425" lIns="91425" spcFirstLastPara="1" rIns="91425" wrap="square" tIns="91425">
             <a:normAutofit/>
           </a:bodyPr>
           <a:lstStyle/>
@@ -9890,17 +13889,316 @@
                 <a:spcPts val="0"/>
               </a:spcBef>
               <a:spcAft>
-                <a:spcPts val="1200"/>
-              </a:spcAft>
-              <a:buNone/>
-            </a:pPr>
-            <a:r>
-              <a:t/>
+                <a:spcPts val="0"/>
+              </a:spcAft>
+              <a:buNone/>
+            </a:pPr>
+            <a:r>
+              <a:rPr lang="hu"/>
+              <a:t>11. London weather data analysis</a:t>
             </a:r>
             <a:endParaRPr/>
           </a:p>
         </p:txBody>
       </p:sp>
+      <p:sp>
+        <p:nvSpPr>
+          <p:cNvPr id="269" name="Google Shape;269;p32"/>
+          <p:cNvSpPr txBox="1"/>
+          <p:nvPr>
+            <p:ph idx="1" type="body"/>
+          </p:nvPr>
+        </p:nvSpPr>
+        <p:spPr>
+          <a:xfrm>
+            <a:off x="1297500" y="2026475"/>
+            <a:ext cx="5128200" cy="2911200"/>
+          </a:xfrm>
+          <a:prstGeom prst="rect">
+            <a:avLst/>
+          </a:prstGeom>
+        </p:spPr>
+        <p:txBody>
+          <a:bodyPr anchorCtr="0" anchor="t" bIns="91425" lIns="91425" spcFirstLastPara="1" rIns="91425" wrap="square" tIns="91425">
+            <a:normAutofit/>
+          </a:bodyPr>
+          <a:lstStyle/>
+          <a:p>
+            <a:pPr indent="0" lvl="0" marL="0" rtl="0" algn="l">
+              <a:spcBef>
+                <a:spcPts val="0"/>
+              </a:spcBef>
+              <a:spcAft>
+                <a:spcPts val="0"/>
+              </a:spcAft>
+              <a:buNone/>
+            </a:pPr>
+            <a:r>
+              <a:rPr lang="hu"/>
+              <a:t>After checking for </a:t>
+            </a:r>
+            <a:r>
+              <a:rPr lang="hu" u="sng">
+                <a:solidFill>
+                  <a:schemeClr val="hlink"/>
+                </a:solidFill>
+                <a:hlinkClick r:id="rId3"/>
+              </a:rPr>
+              <a:t>multicollinearity </a:t>
+            </a:r>
+            <a:r>
+              <a:rPr lang="hu"/>
+              <a:t>which signals no multicollinearity problem, we can see a few interesting correlations.</a:t>
+            </a:r>
+            <a:endParaRPr/>
+          </a:p>
+          <a:p>
+            <a:pPr indent="0" lvl="0" marL="0" rtl="0" algn="l">
+              <a:spcBef>
+                <a:spcPts val="1200"/>
+              </a:spcBef>
+              <a:spcAft>
+                <a:spcPts val="1200"/>
+              </a:spcAft>
+              <a:buNone/>
+            </a:pPr>
+            <a:r>
+              <a:rPr lang="hu"/>
+              <a:t>The number of rentals seem to correlate positively with the temperature and the hour and correlate negatively with humidity.</a:t>
+            </a:r>
+            <a:endParaRPr/>
+          </a:p>
+        </p:txBody>
+      </p:sp>
+      <p:pic>
+        <p:nvPicPr>
+          <p:cNvPr id="270" name="Google Shape;270;p32"/>
+          <p:cNvPicPr preferRelativeResize="0"/>
+          <p:nvPr/>
+        </p:nvPicPr>
+        <p:blipFill>
+          <a:blip r:embed="rId4">
+            <a:alphaModFix/>
+          </a:blip>
+          <a:stretch>
+            <a:fillRect/>
+          </a:stretch>
+        </p:blipFill>
+        <p:spPr>
+          <a:xfrm>
+            <a:off x="6560501" y="1596550"/>
+            <a:ext cx="1515375" cy="2853225"/>
+          </a:xfrm>
+          <a:prstGeom prst="rect">
+            <a:avLst/>
+          </a:prstGeom>
+          <a:noFill/>
+          <a:ln>
+            <a:noFill/>
+          </a:ln>
+        </p:spPr>
+      </p:pic>
+    </p:spTree>
+  </p:cSld>
+  <p:clrMapOvr>
+    <a:masterClrMapping/>
+  </p:clrMapOvr>
+</p:sld>
+</file>
+
+<file path=ppt/slides/slide21.xml><?xml version="1.0" encoding="utf-8"?>
+<p:sld xmlns:a="http://schemas.openxmlformats.org/drawingml/2006/main" xmlns:r="http://schemas.openxmlformats.org/officeDocument/2006/relationships" xmlns:mc="http://schemas.openxmlformats.org/markup-compatibility/2006" xmlns:mv="urn:schemas-microsoft-com:mac:vml" xmlns:p="http://schemas.openxmlformats.org/presentationml/2006/main" xmlns:c="http://schemas.openxmlformats.org/drawingml/2006/chart" xmlns:dgm="http://schemas.openxmlformats.org/drawingml/2006/diagram" xmlns:o="urn:schemas-microsoft-com:office:office" xmlns:v="urn:schemas-microsoft-com:vml" xmlns:pvml="urn:schemas-microsoft-com:office:powerpoint" xmlns:com="http://schemas.openxmlformats.org/drawingml/2006/compatibility" xmlns:p14="http://schemas.microsoft.com/office/powerpoint/2010/main" xmlns:p15="http://schemas.microsoft.com/office/powerpoint/2012/main" xmlns:ahyp="http://schemas.microsoft.com/office/drawing/2018/hyperlinkcolor">
+  <p:cSld>
+    <p:spTree>
+      <p:nvGrpSpPr>
+        <p:cNvPr id="274" name="Shape 274"/>
+        <p:cNvGrpSpPr/>
+        <p:nvPr/>
+      </p:nvGrpSpPr>
+      <p:grpSpPr>
+        <a:xfrm>
+          <a:off x="0" y="0"/>
+          <a:ext cx="0" cy="0"/>
+          <a:chOff x="0" y="0"/>
+          <a:chExt cx="0" cy="0"/>
+        </a:xfrm>
+      </p:grpSpPr>
+      <p:sp>
+        <p:nvSpPr>
+          <p:cNvPr id="275" name="Google Shape;275;p33"/>
+          <p:cNvSpPr txBox="1"/>
+          <p:nvPr>
+            <p:ph type="title"/>
+          </p:nvPr>
+        </p:nvSpPr>
+        <p:spPr>
+          <a:xfrm>
+            <a:off x="1297500" y="393750"/>
+            <a:ext cx="7038900" cy="914100"/>
+          </a:xfrm>
+          <a:prstGeom prst="rect">
+            <a:avLst/>
+          </a:prstGeom>
+        </p:spPr>
+        <p:txBody>
+          <a:bodyPr anchorCtr="0" anchor="t" bIns="91425" lIns="91425" spcFirstLastPara="1" rIns="91425" wrap="square" tIns="91425">
+            <a:normAutofit/>
+          </a:bodyPr>
+          <a:lstStyle/>
+          <a:p>
+            <a:pPr indent="0" lvl="0" marL="0" rtl="0" algn="l">
+              <a:spcBef>
+                <a:spcPts val="0"/>
+              </a:spcBef>
+              <a:spcAft>
+                <a:spcPts val="0"/>
+              </a:spcAft>
+              <a:buNone/>
+            </a:pPr>
+            <a:r>
+              <a:rPr lang="hu"/>
+              <a:t>11. London weather data analysis</a:t>
+            </a:r>
+            <a:endParaRPr/>
+          </a:p>
+        </p:txBody>
+      </p:sp>
+      <p:sp>
+        <p:nvSpPr>
+          <p:cNvPr id="276" name="Google Shape;276;p33"/>
+          <p:cNvSpPr txBox="1"/>
+          <p:nvPr>
+            <p:ph idx="1" type="body"/>
+          </p:nvPr>
+        </p:nvSpPr>
+        <p:spPr>
+          <a:xfrm>
+            <a:off x="1297500" y="1567550"/>
+            <a:ext cx="3023700" cy="2911200"/>
+          </a:xfrm>
+          <a:prstGeom prst="rect">
+            <a:avLst/>
+          </a:prstGeom>
+        </p:spPr>
+        <p:txBody>
+          <a:bodyPr anchorCtr="0" anchor="t" bIns="91425" lIns="91425" spcFirstLastPara="1" rIns="91425" wrap="square" tIns="91425">
+            <a:normAutofit fontScale="85000" lnSpcReduction="20000"/>
+          </a:bodyPr>
+          <a:lstStyle/>
+          <a:p>
+            <a:pPr indent="0" lvl="0" marL="0" rtl="0" algn="l">
+              <a:spcBef>
+                <a:spcPts val="0"/>
+              </a:spcBef>
+              <a:spcAft>
+                <a:spcPts val="0"/>
+              </a:spcAft>
+              <a:buNone/>
+            </a:pPr>
+            <a:r>
+              <a:rPr lang="hu"/>
+              <a:t>Looking at rentals with the hours on the X axis we can deduct several trend:</a:t>
+            </a:r>
+            <a:endParaRPr/>
+          </a:p>
+          <a:p>
+            <a:pPr indent="-298767" lvl="0" marL="457200" rtl="0" algn="l">
+              <a:spcBef>
+                <a:spcPts val="1200"/>
+              </a:spcBef>
+              <a:spcAft>
+                <a:spcPts val="0"/>
+              </a:spcAft>
+              <a:buSzPct val="100000"/>
+              <a:buChar char="-"/>
+            </a:pPr>
+            <a:r>
+              <a:rPr lang="hu"/>
+              <a:t>As previously seen, the number of rentals has a bimodal distribution during the day (peak around 8am and 5-6pm</a:t>
+            </a:r>
+            <a:endParaRPr/>
+          </a:p>
+          <a:p>
+            <a:pPr indent="-298767" lvl="0" marL="457200" rtl="0" algn="l">
+              <a:spcBef>
+                <a:spcPts val="0"/>
+              </a:spcBef>
+              <a:spcAft>
+                <a:spcPts val="0"/>
+              </a:spcAft>
+              <a:buSzPct val="100000"/>
+              <a:buChar char="-"/>
+            </a:pPr>
+            <a:r>
+              <a:rPr lang="hu"/>
+              <a:t>If we split this by holidays, the trend changes, turning into a single modal and flatter distribution</a:t>
+            </a:r>
+            <a:endParaRPr/>
+          </a:p>
+          <a:p>
+            <a:pPr indent="-298767" lvl="0" marL="457200" rtl="0" algn="l">
+              <a:spcBef>
+                <a:spcPts val="0"/>
+              </a:spcBef>
+              <a:spcAft>
+                <a:spcPts val="0"/>
+              </a:spcAft>
+              <a:buSzPct val="100000"/>
+              <a:buChar char="-"/>
+            </a:pPr>
+            <a:r>
+              <a:rPr lang="hu"/>
+              <a:t>The weekends are very similar to the holidays.</a:t>
+            </a:r>
+            <a:endParaRPr/>
+          </a:p>
+          <a:p>
+            <a:pPr indent="-298767" lvl="0" marL="457200" rtl="0" algn="l">
+              <a:spcBef>
+                <a:spcPts val="0"/>
+              </a:spcBef>
+              <a:spcAft>
+                <a:spcPts val="0"/>
+              </a:spcAft>
+              <a:buSzPct val="100000"/>
+              <a:buChar char="-"/>
+            </a:pPr>
+            <a:r>
+              <a:rPr lang="hu"/>
+              <a:t>Regarding the seasons, Summer has the highest usage in general, specially late afternoon, Sprint and Fall being the in the middle, with Winter lagging way behind</a:t>
+            </a:r>
+            <a:endParaRPr/>
+          </a:p>
+        </p:txBody>
+      </p:sp>
+      <p:pic>
+        <p:nvPicPr>
+          <p:cNvPr id="277" name="Google Shape;277;p33"/>
+          <p:cNvPicPr preferRelativeResize="0"/>
+          <p:nvPr/>
+        </p:nvPicPr>
+        <p:blipFill>
+          <a:blip r:embed="rId3">
+            <a:alphaModFix/>
+          </a:blip>
+          <a:stretch>
+            <a:fillRect/>
+          </a:stretch>
+        </p:blipFill>
+        <p:spPr>
+          <a:xfrm>
+            <a:off x="4390220" y="1491488"/>
+            <a:ext cx="4585780" cy="3063324"/>
+          </a:xfrm>
+          <a:prstGeom prst="rect">
+            <a:avLst/>
+          </a:prstGeom>
+          <a:noFill/>
+          <a:ln>
+            <a:noFill/>
+          </a:ln>
+        </p:spPr>
+      </p:pic>
     </p:spTree>
   </p:cSld>
   <p:clrMapOvr>
@@ -10879,8 +15177,8 @@
         </p:nvSpPr>
         <p:spPr>
           <a:xfrm>
-            <a:off x="1319900" y="1455600"/>
-            <a:ext cx="7038900" cy="2911200"/>
+            <a:off x="1258325" y="1377250"/>
+            <a:ext cx="7078200" cy="2911200"/>
           </a:xfrm>
           <a:prstGeom prst="rect">
             <a:avLst/>
@@ -10892,52 +15190,55 @@
           </a:bodyPr>
           <a:lstStyle/>
           <a:p>
-            <a:pPr indent="-311150" lvl="0" marL="457200" rtl="0" algn="l">
-              <a:spcBef>
-                <a:spcPts val="0"/>
-              </a:spcBef>
-              <a:spcAft>
-                <a:spcPts val="0"/>
-              </a:spcAft>
-              <a:buSzPts val="1300"/>
+            <a:pPr indent="-298450" lvl="0" marL="457200" rtl="0" algn="l">
+              <a:spcBef>
+                <a:spcPts val="0"/>
+              </a:spcBef>
+              <a:spcAft>
+                <a:spcPts val="0"/>
+              </a:spcAft>
+              <a:buSzPts val="1100"/>
               <a:buChar char="-"/>
             </a:pPr>
             <a:r>
-              <a:rPr lang="hu"/>
-              <a:t>9 out of the 10 most popular start stations </a:t>
-            </a:r>
-            <a:br>
-              <a:rPr lang="hu"/>
-            </a:br>
-            <a:r>
-              <a:rPr lang="hu"/>
-              <a:t>are also in the most popular end stations</a:t>
-            </a:r>
-            <a:endParaRPr/>
-          </a:p>
-          <a:p>
-            <a:pPr indent="-311150" lvl="0" marL="457200" rtl="0" algn="l">
-              <a:spcBef>
-                <a:spcPts val="0"/>
-              </a:spcBef>
-              <a:spcAft>
-                <a:spcPts val="0"/>
-              </a:spcAft>
-              <a:buSzPts val="1300"/>
+              <a:rPr lang="hu" sz="1100"/>
+              <a:t>9 out of the 10 most popular start stations are also in the most popular end stations</a:t>
+            </a:r>
+            <a:endParaRPr sz="1100"/>
+          </a:p>
+          <a:p>
+            <a:pPr indent="-298450" lvl="0" marL="457200" rtl="0" algn="l">
+              <a:spcBef>
+                <a:spcPts val="0"/>
+              </a:spcBef>
+              <a:spcAft>
+                <a:spcPts val="0"/>
+              </a:spcAft>
+              <a:buSzPts val="1100"/>
               <a:buChar char="-"/>
             </a:pPr>
             <a:r>
-              <a:rPr lang="hu"/>
-              <a:t>The 10 most popular start stations make up </a:t>
-            </a:r>
-            <a:br>
-              <a:rPr lang="hu"/>
-            </a:br>
-            <a:r>
-              <a:rPr lang="hu"/>
-              <a:t>for the 5.5% of the total traffic</a:t>
-            </a:r>
-            <a:endParaRPr/>
+              <a:rPr lang="hu" sz="1100"/>
+              <a:t>The 10 most popular start stations make up for the 5.5% of the total traffic</a:t>
+            </a:r>
+            <a:endParaRPr sz="1100"/>
+          </a:p>
+          <a:p>
+            <a:pPr indent="-298450" lvl="0" marL="457200" rtl="0" algn="l">
+              <a:spcBef>
+                <a:spcPts val="0"/>
+              </a:spcBef>
+              <a:spcAft>
+                <a:spcPts val="0"/>
+              </a:spcAft>
+              <a:buSzPts val="1100"/>
+              <a:buChar char="-"/>
+            </a:pPr>
+            <a:r>
+              <a:rPr lang="hu" sz="1100"/>
+              <a:t>They are centered downtown (London City, Westminster etc. - which suggest the daily commute to work was the most influential factor </a:t>
+            </a:r>
+            <a:endParaRPr sz="1100"/>
           </a:p>
         </p:txBody>
       </p:sp>
@@ -10957,8 +15258,8 @@
         </p:blipFill>
         <p:spPr>
           <a:xfrm>
-            <a:off x="5168550" y="1663425"/>
-            <a:ext cx="3887974" cy="3085376"/>
+            <a:off x="5179174" y="2468875"/>
+            <a:ext cx="3110487" cy="2468376"/>
           </a:xfrm>
           <a:prstGeom prst="rect">
             <a:avLst/>
@@ -10985,8 +15286,8 @@
         </p:blipFill>
         <p:spPr>
           <a:xfrm>
-            <a:off x="1878900" y="2530950"/>
-            <a:ext cx="2876475" cy="2217850"/>
+            <a:off x="1506050" y="2468875"/>
+            <a:ext cx="3201400" cy="2468374"/>
           </a:xfrm>
           <a:prstGeom prst="rect">
             <a:avLst/>
@@ -11204,7 +15505,7 @@
             </a:pPr>
             <a:r>
               <a:rPr lang="hu"/>
-              <a:t>5. Is there a relationship between the number of docks and the number of bicycles hired?</a:t>
+              <a:t>4. What are the most popular start and end stations?</a:t>
             </a:r>
             <a:endParaRPr/>
           </a:p>
@@ -11213,6 +15514,220 @@
       <p:sp>
         <p:nvSpPr>
           <p:cNvPr id="180" name="Google Shape;180;p20"/>
+          <p:cNvSpPr txBox="1"/>
+          <p:nvPr>
+            <p:ph idx="1" type="body"/>
+          </p:nvPr>
+        </p:nvSpPr>
+        <p:spPr>
+          <a:xfrm>
+            <a:off x="1297500" y="1427625"/>
+            <a:ext cx="7038900" cy="2911200"/>
+          </a:xfrm>
+          <a:prstGeom prst="rect">
+            <a:avLst/>
+          </a:prstGeom>
+        </p:spPr>
+        <p:txBody>
+          <a:bodyPr anchorCtr="0" anchor="t" bIns="91425" lIns="91425" spcFirstLastPara="1" rIns="91425" wrap="square" tIns="91425">
+            <a:normAutofit/>
+          </a:bodyPr>
+          <a:lstStyle/>
+          <a:p>
+            <a:pPr indent="0" lvl="0" marL="0" rtl="0" algn="l">
+              <a:spcBef>
+                <a:spcPts val="0"/>
+              </a:spcBef>
+              <a:spcAft>
+                <a:spcPts val="0"/>
+              </a:spcAft>
+              <a:buNone/>
+            </a:pPr>
+            <a:r>
+              <a:rPr lang="hu"/>
+              <a:t>A different way of looking at popularity is by calculating the </a:t>
+            </a:r>
+            <a:r>
+              <a:rPr lang="hu" u="sng">
+                <a:solidFill>
+                  <a:schemeClr val="hlink"/>
+                </a:solidFill>
+                <a:hlinkClick r:id="rId3"/>
+              </a:rPr>
+              <a:t>PageRank </a:t>
+            </a:r>
+            <a:r>
+              <a:rPr lang="hu"/>
+              <a:t>for each station</a:t>
+            </a:r>
+            <a:endParaRPr/>
+          </a:p>
+          <a:p>
+            <a:pPr indent="-311150" lvl="0" marL="457200" rtl="0" algn="l">
+              <a:spcBef>
+                <a:spcPts val="1200"/>
+              </a:spcBef>
+              <a:spcAft>
+                <a:spcPts val="0"/>
+              </a:spcAft>
+              <a:buSzPts val="1300"/>
+              <a:buChar char="-"/>
+            </a:pPr>
+            <a:r>
+              <a:rPr lang="hu"/>
+              <a:t>PageRank is a network ranking method (primarily known by the fact that Google is also using it to rank the search results that users see)</a:t>
+            </a:r>
+            <a:endParaRPr/>
+          </a:p>
+          <a:p>
+            <a:pPr indent="-298450" lvl="1" marL="914400" rtl="0" algn="l">
+              <a:spcBef>
+                <a:spcPts val="0"/>
+              </a:spcBef>
+              <a:spcAft>
+                <a:spcPts val="0"/>
+              </a:spcAft>
+              <a:buSzPts val="1100"/>
+              <a:buChar char="-"/>
+            </a:pPr>
+            <a:r>
+              <a:rPr lang="hu"/>
+              <a:t>It factors in many different features, not just purely the number of traffic (or journeys in this case)</a:t>
+            </a:r>
+            <a:endParaRPr/>
+          </a:p>
+          <a:p>
+            <a:pPr indent="-298450" lvl="1" marL="914400" rtl="0" algn="l">
+              <a:spcBef>
+                <a:spcPts val="0"/>
+              </a:spcBef>
+              <a:spcAft>
+                <a:spcPts val="0"/>
+              </a:spcAft>
+              <a:buSzPts val="1100"/>
+              <a:buChar char="-"/>
+            </a:pPr>
+            <a:r>
+              <a:rPr lang="hu"/>
+              <a:t>For example, how many connections each station has, and how influential are those connections in the graph</a:t>
+            </a:r>
+            <a:endParaRPr/>
+          </a:p>
+          <a:p>
+            <a:pPr indent="-311150" lvl="0" marL="457200" rtl="0" algn="l">
+              <a:spcBef>
+                <a:spcPts val="0"/>
+              </a:spcBef>
+              <a:spcAft>
+                <a:spcPts val="0"/>
+              </a:spcAft>
+              <a:buSzPts val="1300"/>
+              <a:buChar char="-"/>
+            </a:pPr>
+            <a:r>
+              <a:rPr lang="hu"/>
+              <a:t>The results are somewhat different to the ranking based on frequency alone, although there is overlap. Would be an interesting next step to understand the differences and what they might suggest</a:t>
+            </a:r>
+            <a:endParaRPr/>
+          </a:p>
+        </p:txBody>
+      </p:sp>
+      <p:pic>
+        <p:nvPicPr>
+          <p:cNvPr id="181" name="Google Shape;181;p20"/>
+          <p:cNvPicPr preferRelativeResize="0"/>
+          <p:nvPr/>
+        </p:nvPicPr>
+        <p:blipFill>
+          <a:blip r:embed="rId4">
+            <a:alphaModFix/>
+          </a:blip>
+          <a:stretch>
+            <a:fillRect/>
+          </a:stretch>
+        </p:blipFill>
+        <p:spPr>
+          <a:xfrm>
+            <a:off x="939300" y="3699716"/>
+            <a:ext cx="7896875" cy="1269036"/>
+          </a:xfrm>
+          <a:prstGeom prst="rect">
+            <a:avLst/>
+          </a:prstGeom>
+          <a:noFill/>
+          <a:ln>
+            <a:noFill/>
+          </a:ln>
+        </p:spPr>
+      </p:pic>
+    </p:spTree>
+  </p:cSld>
+  <p:clrMapOvr>
+    <a:masterClrMapping/>
+  </p:clrMapOvr>
+</p:sld>
+</file>
+
+<file path=ppt/slides/slide9.xml><?xml version="1.0" encoding="utf-8"?>
+<p:sld xmlns:a="http://schemas.openxmlformats.org/drawingml/2006/main" xmlns:r="http://schemas.openxmlformats.org/officeDocument/2006/relationships" xmlns:mc="http://schemas.openxmlformats.org/markup-compatibility/2006" xmlns:mv="urn:schemas-microsoft-com:mac:vml" xmlns:p="http://schemas.openxmlformats.org/presentationml/2006/main" xmlns:c="http://schemas.openxmlformats.org/drawingml/2006/chart" xmlns:dgm="http://schemas.openxmlformats.org/drawingml/2006/diagram" xmlns:o="urn:schemas-microsoft-com:office:office" xmlns:v="urn:schemas-microsoft-com:vml" xmlns:pvml="urn:schemas-microsoft-com:office:powerpoint" xmlns:com="http://schemas.openxmlformats.org/drawingml/2006/compatibility" xmlns:p14="http://schemas.microsoft.com/office/powerpoint/2010/main" xmlns:p15="http://schemas.microsoft.com/office/powerpoint/2012/main" xmlns:ahyp="http://schemas.microsoft.com/office/drawing/2018/hyperlinkcolor">
+  <p:cSld>
+    <p:spTree>
+      <p:nvGrpSpPr>
+        <p:cNvPr id="185" name="Shape 185"/>
+        <p:cNvGrpSpPr/>
+        <p:nvPr/>
+      </p:nvGrpSpPr>
+      <p:grpSpPr>
+        <a:xfrm>
+          <a:off x="0" y="0"/>
+          <a:ext cx="0" cy="0"/>
+          <a:chOff x="0" y="0"/>
+          <a:chExt cx="0" cy="0"/>
+        </a:xfrm>
+      </p:grpSpPr>
+      <p:sp>
+        <p:nvSpPr>
+          <p:cNvPr id="186" name="Google Shape;186;p21"/>
+          <p:cNvSpPr txBox="1"/>
+          <p:nvPr>
+            <p:ph type="title"/>
+          </p:nvPr>
+        </p:nvSpPr>
+        <p:spPr>
+          <a:xfrm>
+            <a:off x="1297500" y="393750"/>
+            <a:ext cx="7038900" cy="914100"/>
+          </a:xfrm>
+          <a:prstGeom prst="rect">
+            <a:avLst/>
+          </a:prstGeom>
+        </p:spPr>
+        <p:txBody>
+          <a:bodyPr anchorCtr="0" anchor="t" bIns="91425" lIns="91425" spcFirstLastPara="1" rIns="91425" wrap="square" tIns="91425">
+            <a:normAutofit fontScale="90000"/>
+          </a:bodyPr>
+          <a:lstStyle/>
+          <a:p>
+            <a:pPr indent="0" lvl="0" marL="0" rtl="0" algn="l">
+              <a:spcBef>
+                <a:spcPts val="0"/>
+              </a:spcBef>
+              <a:spcAft>
+                <a:spcPts val="0"/>
+              </a:spcAft>
+              <a:buNone/>
+            </a:pPr>
+            <a:r>
+              <a:rPr lang="hu"/>
+              <a:t>5. Is there a relationship between the number of docks and the number of bicycles hired?</a:t>
+            </a:r>
+            <a:endParaRPr/>
+          </a:p>
+        </p:txBody>
+      </p:sp>
+      <p:sp>
+        <p:nvSpPr>
+          <p:cNvPr id="187" name="Google Shape;187;p21"/>
           <p:cNvSpPr txBox="1"/>
           <p:nvPr>
             <p:ph idx="1" type="body"/>
@@ -11238,17 +15753,124 @@
                 <a:spcPts val="0"/>
               </a:spcBef>
               <a:spcAft>
+                <a:spcPts val="0"/>
+              </a:spcAft>
+              <a:buNone/>
+            </a:pPr>
+            <a:r>
+              <a:rPr lang="hu" sz="1200"/>
+              <a:t>A different way of looking at how much a station is utilised is by attributing the inflow and outflow numbers, and also by looking at the delta of these two (aka. inflow - outflow).</a:t>
+            </a:r>
+            <a:endParaRPr sz="1200"/>
+          </a:p>
+          <a:p>
+            <a:pPr indent="0" lvl="0" marL="0" rtl="0" algn="l">
+              <a:spcBef>
                 <a:spcPts val="1200"/>
+              </a:spcBef>
+              <a:spcAft>
+                <a:spcPts val="0"/>
+              </a:spcAft>
+              <a:buNone/>
+            </a:pPr>
+            <a:br>
+              <a:rPr lang="hu" sz="1200"/>
+            </a:br>
+            <a:r>
+              <a:rPr lang="hu" sz="1200"/>
+              <a:t>For example:</a:t>
+            </a:r>
+            <a:endParaRPr sz="1200"/>
+          </a:p>
+          <a:p>
+            <a:pPr indent="0" lvl="0" marL="0" rtl="0" algn="l">
+              <a:spcBef>
+                <a:spcPts val="1200"/>
+              </a:spcBef>
+              <a:spcAft>
+                <a:spcPts val="0"/>
               </a:spcAft>
               <a:buNone/>
             </a:pPr>
             <a:r>
               <a:t/>
             </a:r>
-            <a:endParaRPr/>
+            <a:endParaRPr sz="1200"/>
+          </a:p>
+          <a:p>
+            <a:pPr indent="0" lvl="0" marL="0" rtl="0" algn="l">
+              <a:spcBef>
+                <a:spcPts val="1200"/>
+              </a:spcBef>
+              <a:spcAft>
+                <a:spcPts val="1200"/>
+              </a:spcAft>
+              <a:buNone/>
+            </a:pPr>
+            <a:r>
+              <a:rPr lang="hu" sz="1200"/>
+              <a:t>If we look at the relationship between the delta of the stations and the number of docks, the correlation is not deterministic and crystal clear, but we can see that the biggest delta differences are the ones found at the higher end of the number of docks</a:t>
+            </a:r>
+            <a:endParaRPr sz="1200"/>
           </a:p>
         </p:txBody>
       </p:sp>
+      <p:pic>
+        <p:nvPicPr>
+          <p:cNvPr id="188" name="Google Shape;188;p21"/>
+          <p:cNvPicPr preferRelativeResize="0"/>
+          <p:nvPr/>
+        </p:nvPicPr>
+        <p:blipFill>
+          <a:blip r:embed="rId3">
+            <a:alphaModFix/>
+          </a:blip>
+          <a:stretch>
+            <a:fillRect/>
+          </a:stretch>
+        </p:blipFill>
+        <p:spPr>
+          <a:xfrm>
+            <a:off x="2686975" y="2176900"/>
+            <a:ext cx="2680576" cy="839775"/>
+          </a:xfrm>
+          <a:prstGeom prst="rect">
+            <a:avLst/>
+          </a:prstGeom>
+          <a:noFill/>
+          <a:ln>
+            <a:noFill/>
+          </a:ln>
+        </p:spPr>
+      </p:pic>
+      <p:pic>
+        <p:nvPicPr>
+          <p:cNvPr id="189" name="Google Shape;189;p21"/>
+          <p:cNvPicPr preferRelativeResize="0"/>
+          <p:nvPr/>
+        </p:nvPicPr>
+        <p:blipFill>
+          <a:blip r:embed="rId4">
+            <a:alphaModFix/>
+          </a:blip>
+          <a:stretch>
+            <a:fillRect/>
+          </a:stretch>
+        </p:blipFill>
+        <p:spPr>
+          <a:xfrm>
+            <a:off x="2005525" y="3885725"/>
+            <a:ext cx="5622843" cy="914100"/>
+          </a:xfrm>
+          <a:prstGeom prst="rect">
+            <a:avLst/>
+          </a:prstGeom>
+          <a:noFill/>
+          <a:ln>
+            <a:noFill/>
+          </a:ln>
+        </p:spPr>
+      </p:pic>
     </p:spTree>
   </p:cSld>
   <p:clrMapOvr>
@@ -11258,6 +15880,285 @@
 </file>
 
 <file path=ppt/theme/theme1.xml><?xml version="1.0" encoding="utf-8"?>
+<a:theme xmlns:a="http://schemas.openxmlformats.org/drawingml/2006/main" xmlns:r="http://schemas.openxmlformats.org/officeDocument/2006/relationships" name="Focus">
+  <a:themeElements>
+    <a:clrScheme name="Focus">
+      <a:dk1>
+        <a:srgbClr val="1B212C"/>
+      </a:dk1>
+      <a:lt1>
+        <a:srgbClr val="FFFFFF"/>
+      </a:lt1>
+      <a:dk2>
+        <a:srgbClr val="D9D9D9"/>
+      </a:dk2>
+      <a:lt2>
+        <a:srgbClr val="82C7A5"/>
+      </a:lt2>
+      <a:accent1>
+        <a:srgbClr val="0145AC"/>
+      </a:accent1>
+      <a:accent2>
+        <a:srgbClr val="EECE1A"/>
+      </a:accent2>
+      <a:accent3>
+        <a:srgbClr val="4E5567"/>
+      </a:accent3>
+      <a:accent4>
+        <a:srgbClr val="F4D6AD"/>
+      </a:accent4>
+      <a:accent5>
+        <a:srgbClr val="7890CD"/>
+      </a:accent5>
+      <a:accent6>
+        <a:srgbClr val="F15E22"/>
+      </a:accent6>
+      <a:hlink>
+        <a:srgbClr val="7890CD"/>
+      </a:hlink>
+      <a:folHlink>
+        <a:srgbClr val="7890CD"/>
+      </a:folHlink>
+    </a:clrScheme>
+    <a:fontScheme name="Office">
+      <a:majorFont>
+        <a:latin typeface="Arial"/>
+        <a:ea typeface=""/>
+        <a:cs typeface=""/>
+        <a:font script="Jpan" typeface="ＭＳ Ｐゴシック"/>
+        <a:font script="Hang" typeface="맑은 고딕"/>
+        <a:font script="Hans" typeface="宋体"/>
+        <a:font script="Hant" typeface="新細明體"/>
+        <a:font script="Arab" typeface="Times New Roman"/>
+        <a:font script="Hebr" typeface="Times New Roman"/>
+        <a:font script="Thai" typeface="Angsana New"/>
+        <a:font script="Ethi" typeface="Nyala"/>
+        <a:font script="Beng" typeface="Vrinda"/>
+        <a:font script="Gujr" typeface="Shruti"/>
+        <a:font script="Khmr" typeface="MoolBoran"/>
+        <a:font script="Knda" typeface="Tunga"/>
+        <a:font script="Guru" typeface="Raavi"/>
+        <a:font script="Cans" typeface="Euphemia"/>
+        <a:font script="Cher" typeface="Plantagenet Cherokee"/>
+        <a:font script="Yiii" typeface="Microsoft Yi Baiti"/>
+        <a:font script="Tibt" typeface="Microsoft Himalaya"/>
+        <a:font script="Thaa" typeface="MV Boli"/>
+        <a:font script="Deva" typeface="Mangal"/>
+        <a:font script="Telu" typeface="Gautami"/>
+        <a:font script="Taml" typeface="Latha"/>
+        <a:font script="Syrc" typeface="Estrangelo Edessa"/>
+        <a:font script="Orya" typeface="Kalinga"/>
+        <a:font script="Mlym" typeface="Kartika"/>
+        <a:font script="Laoo" typeface="DokChampa"/>
+        <a:font script="Sinh" typeface="Iskoola Pota"/>
+        <a:font script="Mong" typeface="Mongolian Baiti"/>
+        <a:font script="Viet" typeface="Times New Roman"/>
+        <a:font script="Uigh" typeface="Microsoft Uighur"/>
+        <a:font script="Geor" typeface="Sylfaen"/>
+      </a:majorFont>
+      <a:minorFont>
+        <a:latin typeface="Arial"/>
+        <a:ea typeface=""/>
+        <a:cs typeface=""/>
+        <a:font script="Jpan" typeface="ＭＳ Ｐゴシック"/>
+        <a:font script="Hang" typeface="맑은 고딕"/>
+        <a:font script="Hans" typeface="宋体"/>
+        <a:font script="Hant" typeface="新細明體"/>
+        <a:font script="Arab" typeface="Arial"/>
+        <a:font script="Hebr" typeface="Arial"/>
+        <a:font script="Thai" typeface="Cordia New"/>
+        <a:font script="Ethi" typeface="Nyala"/>
+        <a:font script="Beng" typeface="Vrinda"/>
+        <a:font script="Gujr" typeface="Shruti"/>
+        <a:font script="Khmr" typeface="DaunPenh"/>
+        <a:font script="Knda" typeface="Tunga"/>
+        <a:font script="Guru" typeface="Raavi"/>
+        <a:font script="Cans" typeface="Euphemia"/>
+        <a:font script="Cher" typeface="Plantagenet Cherokee"/>
+        <a:font script="Yiii" typeface="Microsoft Yi Baiti"/>
+        <a:font script="Tibt" typeface="Microsoft Himalaya"/>
+        <a:font script="Thaa" typeface="MV Boli"/>
+        <a:font script="Deva" typeface="Mangal"/>
+        <a:font script="Telu" typeface="Gautami"/>
+        <a:font script="Taml" typeface="Latha"/>
+        <a:font script="Syrc" typeface="Estrangelo Edessa"/>
+        <a:font script="Orya" typeface="Kalinga"/>
+        <a:font script="Mlym" typeface="Kartika"/>
+        <a:font script="Laoo" typeface="DokChampa"/>
+        <a:font script="Sinh" typeface="Iskoola Pota"/>
+        <a:font script="Mong" typeface="Mongolian Baiti"/>
+        <a:font script="Viet" typeface="Arial"/>
+        <a:font script="Uigh" typeface="Microsoft Uighur"/>
+        <a:font script="Geor" typeface="Sylfaen"/>
+      </a:minorFont>
+    </a:fontScheme>
+    <a:fmtScheme name="Office">
+      <a:fillStyleLst>
+        <a:solidFill>
+          <a:schemeClr val="phClr"/>
+        </a:solidFill>
+        <a:gradFill rotWithShape="1">
+          <a:gsLst>
+            <a:gs pos="0">
+              <a:schemeClr val="phClr">
+                <a:tint val="50000"/>
+                <a:satMod val="300000"/>
+              </a:schemeClr>
+            </a:gs>
+            <a:gs pos="35000">
+              <a:schemeClr val="phClr">
+                <a:tint val="37000"/>
+                <a:satMod val="300000"/>
+              </a:schemeClr>
+            </a:gs>
+            <a:gs pos="100000">
+              <a:schemeClr val="phClr">
+                <a:tint val="15000"/>
+                <a:satMod val="350000"/>
+              </a:schemeClr>
+            </a:gs>
+          </a:gsLst>
+          <a:lin ang="16200000" scaled="1"/>
+        </a:gradFill>
+        <a:gradFill rotWithShape="1">
+          <a:gsLst>
+            <a:gs pos="0">
+              <a:schemeClr val="phClr">
+                <a:tint val="100000"/>
+                <a:shade val="100000"/>
+                <a:satMod val="130000"/>
+              </a:schemeClr>
+            </a:gs>
+            <a:gs pos="100000">
+              <a:schemeClr val="phClr">
+                <a:tint val="50000"/>
+                <a:shade val="100000"/>
+                <a:satMod val="350000"/>
+              </a:schemeClr>
+            </a:gs>
+          </a:gsLst>
+          <a:lin ang="16200000" scaled="0"/>
+        </a:gradFill>
+      </a:fillStyleLst>
+      <a:lnStyleLst>
+        <a:ln w="9525" cap="flat" cmpd="sng" algn="ctr">
+          <a:solidFill>
+            <a:schemeClr val="phClr">
+              <a:shade val="95000"/>
+              <a:satMod val="105000"/>
+            </a:schemeClr>
+          </a:solidFill>
+          <a:prstDash val="solid"/>
+        </a:ln>
+        <a:ln w="25400" cap="flat" cmpd="sng" algn="ctr">
+          <a:solidFill>
+            <a:schemeClr val="phClr"/>
+          </a:solidFill>
+          <a:prstDash val="solid"/>
+        </a:ln>
+        <a:ln w="38100" cap="flat" cmpd="sng" algn="ctr">
+          <a:solidFill>
+            <a:schemeClr val="phClr"/>
+          </a:solidFill>
+          <a:prstDash val="solid"/>
+        </a:ln>
+      </a:lnStyleLst>
+      <a:effectStyleLst>
+        <a:effectStyle>
+          <a:effectLst>
+            <a:outerShdw blurRad="40000" dist="20000" dir="5400000" rotWithShape="0">
+              <a:srgbClr val="000000">
+                <a:alpha val="38000"/>
+              </a:srgbClr>
+            </a:outerShdw>
+          </a:effectLst>
+        </a:effectStyle>
+        <a:effectStyle>
+          <a:effectLst>
+            <a:outerShdw blurRad="40000" dist="23000" dir="5400000" rotWithShape="0">
+              <a:srgbClr val="000000">
+                <a:alpha val="35000"/>
+              </a:srgbClr>
+            </a:outerShdw>
+          </a:effectLst>
+        </a:effectStyle>
+        <a:effectStyle>
+          <a:effectLst>
+            <a:outerShdw blurRad="40000" dist="23000" dir="5400000" rotWithShape="0">
+              <a:srgbClr val="000000">
+                <a:alpha val="35000"/>
+              </a:srgbClr>
+            </a:outerShdw>
+          </a:effectLst>
+          <a:scene3d>
+            <a:camera prst="orthographicFront">
+              <a:rot lat="0" lon="0" rev="0"/>
+            </a:camera>
+            <a:lightRig rig="threePt" dir="t">
+              <a:rot lat="0" lon="0" rev="1200000"/>
+            </a:lightRig>
+          </a:scene3d>
+          <a:sp3d>
+            <a:bevelT w="63500" h="25400"/>
+          </a:sp3d>
+        </a:effectStyle>
+      </a:effectStyleLst>
+      <a:bgFillStyleLst>
+        <a:solidFill>
+          <a:schemeClr val="phClr"/>
+        </a:solidFill>
+        <a:gradFill rotWithShape="1">
+          <a:gsLst>
+            <a:gs pos="0">
+              <a:schemeClr val="phClr">
+                <a:tint val="40000"/>
+                <a:satMod val="350000"/>
+              </a:schemeClr>
+            </a:gs>
+            <a:gs pos="40000">
+              <a:schemeClr val="phClr">
+                <a:tint val="45000"/>
+                <a:shade val="99000"/>
+                <a:satMod val="350000"/>
+              </a:schemeClr>
+            </a:gs>
+            <a:gs pos="100000">
+              <a:schemeClr val="phClr">
+                <a:shade val="20000"/>
+                <a:satMod val="255000"/>
+              </a:schemeClr>
+            </a:gs>
+          </a:gsLst>
+          <a:path path="circle">
+            <a:fillToRect l="50000" t="-80000" r="50000" b="180000"/>
+          </a:path>
+        </a:gradFill>
+        <a:gradFill rotWithShape="1">
+          <a:gsLst>
+            <a:gs pos="0">
+              <a:schemeClr val="phClr">
+                <a:tint val="80000"/>
+                <a:satMod val="300000"/>
+              </a:schemeClr>
+            </a:gs>
+            <a:gs pos="100000">
+              <a:schemeClr val="phClr">
+                <a:shade val="30000"/>
+                <a:satMod val="200000"/>
+              </a:schemeClr>
+            </a:gs>
+          </a:gsLst>
+          <a:path path="circle">
+            <a:fillToRect l="50000" t="50000" r="50000" b="50000"/>
+          </a:path>
+        </a:gradFill>
+      </a:bgFillStyleLst>
+    </a:fmtScheme>
+  </a:themeElements>
+</a:theme>
+</file>
+
+<file path=ppt/theme/theme2.xml><?xml version="1.0" encoding="utf-8"?>
 <a:theme xmlns:a="http://schemas.openxmlformats.org/drawingml/2006/main" xmlns:r="http://schemas.openxmlformats.org/officeDocument/2006/relationships">
   <a:themeElements>
     <a:clrScheme name="Default">
@@ -11534,283 +16435,4 @@
     </a:fmtScheme>
   </a:themeElements>
 </a:theme>
-</file>
-
-<file path=ppt/theme/theme2.xml><?xml version="1.0" encoding="utf-8"?>
-<a:theme xmlns:a="http://schemas.openxmlformats.org/drawingml/2006/main" xmlns:r="http://schemas.openxmlformats.org/officeDocument/2006/relationships" name="Focus">
-  <a:themeElements>
-    <a:clrScheme name="Focus">
-      <a:dk1>
-        <a:srgbClr val="1B212C"/>
-      </a:dk1>
-      <a:lt1>
-        <a:srgbClr val="FFFFFF"/>
-      </a:lt1>
-      <a:dk2>
-        <a:srgbClr val="D9D9D9"/>
-      </a:dk2>
-      <a:lt2>
-        <a:srgbClr val="82C7A5"/>
-      </a:lt2>
-      <a:accent1>
-        <a:srgbClr val="0145AC"/>
-      </a:accent1>
-      <a:accent2>
-        <a:srgbClr val="EECE1A"/>
-      </a:accent2>
-      <a:accent3>
-        <a:srgbClr val="4E5567"/>
-      </a:accent3>
-      <a:accent4>
-        <a:srgbClr val="F4D6AD"/>
-      </a:accent4>
-      <a:accent5>
-        <a:srgbClr val="7890CD"/>
-      </a:accent5>
-      <a:accent6>
-        <a:srgbClr val="F15E22"/>
-      </a:accent6>
-      <a:hlink>
-        <a:srgbClr val="7890CD"/>
-      </a:hlink>
-      <a:folHlink>
-        <a:srgbClr val="7890CD"/>
-      </a:folHlink>
-    </a:clrScheme>
-    <a:fontScheme name="Office">
-      <a:majorFont>
-        <a:latin typeface="Arial"/>
-        <a:ea typeface=""/>
-        <a:cs typeface=""/>
-        <a:font script="Jpan" typeface="ＭＳ Ｐゴシック"/>
-        <a:font script="Hang" typeface="맑은 고딕"/>
-        <a:font script="Hans" typeface="宋体"/>
-        <a:font script="Hant" typeface="新細明體"/>
-        <a:font script="Arab" typeface="Times New Roman"/>
-        <a:font script="Hebr" typeface="Times New Roman"/>
-        <a:font script="Thai" typeface="Angsana New"/>
-        <a:font script="Ethi" typeface="Nyala"/>
-        <a:font script="Beng" typeface="Vrinda"/>
-        <a:font script="Gujr" typeface="Shruti"/>
-        <a:font script="Khmr" typeface="MoolBoran"/>
-        <a:font script="Knda" typeface="Tunga"/>
-        <a:font script="Guru" typeface="Raavi"/>
-        <a:font script="Cans" typeface="Euphemia"/>
-        <a:font script="Cher" typeface="Plantagenet Cherokee"/>
-        <a:font script="Yiii" typeface="Microsoft Yi Baiti"/>
-        <a:font script="Tibt" typeface="Microsoft Himalaya"/>
-        <a:font script="Thaa" typeface="MV Boli"/>
-        <a:font script="Deva" typeface="Mangal"/>
-        <a:font script="Telu" typeface="Gautami"/>
-        <a:font script="Taml" typeface="Latha"/>
-        <a:font script="Syrc" typeface="Estrangelo Edessa"/>
-        <a:font script="Orya" typeface="Kalinga"/>
-        <a:font script="Mlym" typeface="Kartika"/>
-        <a:font script="Laoo" typeface="DokChampa"/>
-        <a:font script="Sinh" typeface="Iskoola Pota"/>
-        <a:font script="Mong" typeface="Mongolian Baiti"/>
-        <a:font script="Viet" typeface="Times New Roman"/>
-        <a:font script="Uigh" typeface="Microsoft Uighur"/>
-        <a:font script="Geor" typeface="Sylfaen"/>
-      </a:majorFont>
-      <a:minorFont>
-        <a:latin typeface="Arial"/>
-        <a:ea typeface=""/>
-        <a:cs typeface=""/>
-        <a:font script="Jpan" typeface="ＭＳ Ｐゴシック"/>
-        <a:font script="Hang" typeface="맑은 고딕"/>
-        <a:font script="Hans" typeface="宋体"/>
-        <a:font script="Hant" typeface="新細明體"/>
-        <a:font script="Arab" typeface="Arial"/>
-        <a:font script="Hebr" typeface="Arial"/>
-        <a:font script="Thai" typeface="Cordia New"/>
-        <a:font script="Ethi" typeface="Nyala"/>
-        <a:font script="Beng" typeface="Vrinda"/>
-        <a:font script="Gujr" typeface="Shruti"/>
-        <a:font script="Khmr" typeface="DaunPenh"/>
-        <a:font script="Knda" typeface="Tunga"/>
-        <a:font script="Guru" typeface="Raavi"/>
-        <a:font script="Cans" typeface="Euphemia"/>
-        <a:font script="Cher" typeface="Plantagenet Cherokee"/>
-        <a:font script="Yiii" typeface="Microsoft Yi Baiti"/>
-        <a:font script="Tibt" typeface="Microsoft Himalaya"/>
-        <a:font script="Thaa" typeface="MV Boli"/>
-        <a:font script="Deva" typeface="Mangal"/>
-        <a:font script="Telu" typeface="Gautami"/>
-        <a:font script="Taml" typeface="Latha"/>
-        <a:font script="Syrc" typeface="Estrangelo Edessa"/>
-        <a:font script="Orya" typeface="Kalinga"/>
-        <a:font script="Mlym" typeface="Kartika"/>
-        <a:font script="Laoo" typeface="DokChampa"/>
-        <a:font script="Sinh" typeface="Iskoola Pota"/>
-        <a:font script="Mong" typeface="Mongolian Baiti"/>
-        <a:font script="Viet" typeface="Arial"/>
-        <a:font script="Uigh" typeface="Microsoft Uighur"/>
-        <a:font script="Geor" typeface="Sylfaen"/>
-      </a:minorFont>
-    </a:fontScheme>
-    <a:fmtScheme name="Office">
-      <a:fillStyleLst>
-        <a:solidFill>
-          <a:schemeClr val="phClr"/>
-        </a:solidFill>
-        <a:gradFill rotWithShape="1">
-          <a:gsLst>
-            <a:gs pos="0">
-              <a:schemeClr val="phClr">
-                <a:tint val="50000"/>
-                <a:satMod val="300000"/>
-              </a:schemeClr>
-            </a:gs>
-            <a:gs pos="35000">
-              <a:schemeClr val="phClr">
-                <a:tint val="37000"/>
-                <a:satMod val="300000"/>
-              </a:schemeClr>
-            </a:gs>
-            <a:gs pos="100000">
-              <a:schemeClr val="phClr">
-                <a:tint val="15000"/>
-                <a:satMod val="350000"/>
-              </a:schemeClr>
-            </a:gs>
-          </a:gsLst>
-          <a:lin ang="16200000" scaled="1"/>
-        </a:gradFill>
-        <a:gradFill rotWithShape="1">
-          <a:gsLst>
-            <a:gs pos="0">
-              <a:schemeClr val="phClr">
-                <a:tint val="100000"/>
-                <a:shade val="100000"/>
-                <a:satMod val="130000"/>
-              </a:schemeClr>
-            </a:gs>
-            <a:gs pos="100000">
-              <a:schemeClr val="phClr">
-                <a:tint val="50000"/>
-                <a:shade val="100000"/>
-                <a:satMod val="350000"/>
-              </a:schemeClr>
-            </a:gs>
-          </a:gsLst>
-          <a:lin ang="16200000" scaled="0"/>
-        </a:gradFill>
-      </a:fillStyleLst>
-      <a:lnStyleLst>
-        <a:ln w="9525" cap="flat" cmpd="sng" algn="ctr">
-          <a:solidFill>
-            <a:schemeClr val="phClr">
-              <a:shade val="95000"/>
-              <a:satMod val="105000"/>
-            </a:schemeClr>
-          </a:solidFill>
-          <a:prstDash val="solid"/>
-        </a:ln>
-        <a:ln w="25400" cap="flat" cmpd="sng" algn="ctr">
-          <a:solidFill>
-            <a:schemeClr val="phClr"/>
-          </a:solidFill>
-          <a:prstDash val="solid"/>
-        </a:ln>
-        <a:ln w="38100" cap="flat" cmpd="sng" algn="ctr">
-          <a:solidFill>
-            <a:schemeClr val="phClr"/>
-          </a:solidFill>
-          <a:prstDash val="solid"/>
-        </a:ln>
-      </a:lnStyleLst>
-      <a:effectStyleLst>
-        <a:effectStyle>
-          <a:effectLst>
-            <a:outerShdw blurRad="40000" dist="20000" dir="5400000" rotWithShape="0">
-              <a:srgbClr val="000000">
-                <a:alpha val="38000"/>
-              </a:srgbClr>
-            </a:outerShdw>
-          </a:effectLst>
-        </a:effectStyle>
-        <a:effectStyle>
-          <a:effectLst>
-            <a:outerShdw blurRad="40000" dist="23000" dir="5400000" rotWithShape="0">
-              <a:srgbClr val="000000">
-                <a:alpha val="35000"/>
-              </a:srgbClr>
-            </a:outerShdw>
-          </a:effectLst>
-        </a:effectStyle>
-        <a:effectStyle>
-          <a:effectLst>
-            <a:outerShdw blurRad="40000" dist="23000" dir="5400000" rotWithShape="0">
-              <a:srgbClr val="000000">
-                <a:alpha val="35000"/>
-              </a:srgbClr>
-            </a:outerShdw>
-          </a:effectLst>
-          <a:scene3d>
-            <a:camera prst="orthographicFront">
-              <a:rot lat="0" lon="0" rev="0"/>
-            </a:camera>
-            <a:lightRig rig="threePt" dir="t">
-              <a:rot lat="0" lon="0" rev="1200000"/>
-            </a:lightRig>
-          </a:scene3d>
-          <a:sp3d>
-            <a:bevelT w="63500" h="25400"/>
-          </a:sp3d>
-        </a:effectStyle>
-      </a:effectStyleLst>
-      <a:bgFillStyleLst>
-        <a:solidFill>
-          <a:schemeClr val="phClr"/>
-        </a:solidFill>
-        <a:gradFill rotWithShape="1">
-          <a:gsLst>
-            <a:gs pos="0">
-              <a:schemeClr val="phClr">
-                <a:tint val="40000"/>
-                <a:satMod val="350000"/>
-              </a:schemeClr>
-            </a:gs>
-            <a:gs pos="40000">
-              <a:schemeClr val="phClr">
-                <a:tint val="45000"/>
-                <a:shade val="99000"/>
-                <a:satMod val="350000"/>
-              </a:schemeClr>
-            </a:gs>
-            <a:gs pos="100000">
-              <a:schemeClr val="phClr">
-                <a:shade val="20000"/>
-                <a:satMod val="255000"/>
-              </a:schemeClr>
-            </a:gs>
-          </a:gsLst>
-          <a:path path="circle">
-            <a:fillToRect l="50000" t="-80000" r="50000" b="180000"/>
-          </a:path>
-        </a:gradFill>
-        <a:gradFill rotWithShape="1">
-          <a:gsLst>
-            <a:gs pos="0">
-              <a:schemeClr val="phClr">
-                <a:tint val="80000"/>
-                <a:satMod val="300000"/>
-              </a:schemeClr>
-            </a:gs>
-            <a:gs pos="100000">
-              <a:schemeClr val="phClr">
-                <a:shade val="30000"/>
-                <a:satMod val="200000"/>
-              </a:schemeClr>
-            </a:gs>
-          </a:gsLst>
-          <a:path path="circle">
-            <a:fillToRect l="50000" t="50000" r="50000" b="50000"/>
-          </a:path>
-        </a:gradFill>
-      </a:bgFillStyleLst>
-    </a:fmtScheme>
-  </a:themeElements>
-</a:theme>
 </file>
--- a/Zoe - Take Home Task - Zsolt Nyiri.pptx
+++ b/Zoe - Take Home Task - Zsolt Nyiri.pptx
@@ -29,23 +29,31 @@
     <p:sldId id="274" r:id="rId24"/>
     <p:sldId id="275" r:id="rId25"/>
     <p:sldId id="276" r:id="rId26"/>
+    <p:sldId id="277" r:id="rId27"/>
   </p:sldIdLst>
   <p:sldSz cy="5143500" cx="9144000"/>
   <p:notesSz cx="6858000" cy="9144000"/>
   <p:embeddedFontLst>
     <p:embeddedFont>
+      <p:font typeface="Roboto"/>
+      <p:regular r:id="rId28"/>
+      <p:bold r:id="rId29"/>
+      <p:italic r:id="rId30"/>
+      <p:boldItalic r:id="rId31"/>
+    </p:embeddedFont>
+    <p:embeddedFont>
       <p:font typeface="Montserrat"/>
-      <p:regular r:id="rId27"/>
-      <p:bold r:id="rId28"/>
-      <p:italic r:id="rId29"/>
-      <p:boldItalic r:id="rId30"/>
+      <p:regular r:id="rId32"/>
+      <p:bold r:id="rId33"/>
+      <p:italic r:id="rId34"/>
+      <p:boldItalic r:id="rId35"/>
     </p:embeddedFont>
     <p:embeddedFont>
       <p:font typeface="Lato"/>
-      <p:regular r:id="rId31"/>
-      <p:bold r:id="rId32"/>
-      <p:italic r:id="rId33"/>
-      <p:boldItalic r:id="rId34"/>
+      <p:regular r:id="rId36"/>
+      <p:bold r:id="rId37"/>
+      <p:italic r:id="rId38"/>
+      <p:boldItalic r:id="rId39"/>
     </p:embeddedFont>
   </p:embeddedFontLst>
   <p:defaultTextStyle>
@@ -2064,6 +2072,105 @@
       <p:sp>
         <p:nvSpPr>
           <p:cNvPr id="273" name="Google Shape;273;g278ab273896_0_423:notes"/>
+          <p:cNvSpPr txBox="1"/>
+          <p:nvPr>
+            <p:ph idx="1" type="body"/>
+          </p:nvPr>
+        </p:nvSpPr>
+        <p:spPr>
+          <a:xfrm>
+            <a:off x="685800" y="4343400"/>
+            <a:ext cx="5486400" cy="4114800"/>
+          </a:xfrm>
+          <a:prstGeom prst="rect">
+            <a:avLst/>
+          </a:prstGeom>
+        </p:spPr>
+        <p:txBody>
+          <a:bodyPr anchorCtr="0" anchor="t" bIns="91425" lIns="91425" spcFirstLastPara="1" rIns="91425" wrap="square" tIns="91425">
+            <a:noAutofit/>
+          </a:bodyPr>
+          <a:lstStyle/>
+          <a:p>
+            <a:pPr indent="0" lvl="0" marL="0" rtl="0" algn="l">
+              <a:spcBef>
+                <a:spcPts val="0"/>
+              </a:spcBef>
+              <a:spcAft>
+                <a:spcPts val="0"/>
+              </a:spcAft>
+              <a:buNone/>
+            </a:pPr>
+            <a:r>
+              <a:t/>
+            </a:r>
+            <a:endParaRPr/>
+          </a:p>
+        </p:txBody>
+      </p:sp>
+    </p:spTree>
+  </p:cSld>
+  <p:clrMapOvr>
+    <a:masterClrMapping/>
+  </p:clrMapOvr>
+</p:notes>
+</file>
+
+<file path=ppt/notesSlides/notesSlide22.xml><?xml version="1.0" encoding="utf-8"?>
+<p:notes xmlns:a="http://schemas.openxmlformats.org/drawingml/2006/main" xmlns:r="http://schemas.openxmlformats.org/officeDocument/2006/relationships" xmlns:mc="http://schemas.openxmlformats.org/markup-compatibility/2006" xmlns:mv="urn:schemas-microsoft-com:mac:vml" xmlns:p="http://schemas.openxmlformats.org/presentationml/2006/main" xmlns:c="http://schemas.openxmlformats.org/drawingml/2006/chart" xmlns:dgm="http://schemas.openxmlformats.org/drawingml/2006/diagram" xmlns:o="urn:schemas-microsoft-com:office:office" xmlns:v="urn:schemas-microsoft-com:vml" xmlns:pvml="urn:schemas-microsoft-com:office:powerpoint" xmlns:com="http://schemas.openxmlformats.org/drawingml/2006/compatibility" xmlns:p14="http://schemas.microsoft.com/office/powerpoint/2010/main" xmlns:p15="http://schemas.microsoft.com/office/powerpoint/2012/main" xmlns:ahyp="http://schemas.microsoft.com/office/drawing/2018/hyperlinkcolor" showMasterPhAnim="0" showMasterSp="0">
+  <p:cSld>
+    <p:spTree>
+      <p:nvGrpSpPr>
+        <p:cNvPr id="278" name="Shape 278"/>
+        <p:cNvGrpSpPr/>
+        <p:nvPr/>
+      </p:nvGrpSpPr>
+      <p:grpSpPr>
+        <a:xfrm>
+          <a:off x="0" y="0"/>
+          <a:ext cx="0" cy="0"/>
+          <a:chOff x="0" y="0"/>
+          <a:chExt cx="0" cy="0"/>
+        </a:xfrm>
+      </p:grpSpPr>
+      <p:sp>
+        <p:nvSpPr>
+          <p:cNvPr id="279" name="Google Shape;279;g278aa946448_0_59:notes"/>
+          <p:cNvSpPr/>
+          <p:nvPr>
+            <p:ph idx="2" type="sldImg"/>
+          </p:nvPr>
+        </p:nvSpPr>
+        <p:spPr>
+          <a:xfrm>
+            <a:off x="381300" y="685800"/>
+            <a:ext cx="6096000" cy="3429000"/>
+          </a:xfrm>
+          <a:custGeom>
+            <a:rect b="b" l="l" r="r" t="t"/>
+            <a:pathLst>
+              <a:path extrusionOk="0" h="120000" w="120000">
+                <a:moveTo>
+                  <a:pt x="0" y="0"/>
+                </a:moveTo>
+                <a:lnTo>
+                  <a:pt x="120000" y="0"/>
+                </a:lnTo>
+                <a:lnTo>
+                  <a:pt x="120000" y="120000"/>
+                </a:lnTo>
+                <a:lnTo>
+                  <a:pt x="0" y="120000"/>
+                </a:lnTo>
+                <a:close/>
+              </a:path>
+            </a:pathLst>
+          </a:custGeom>
+        </p:spPr>
+      </p:sp>
+      <p:sp>
+        <p:nvSpPr>
+          <p:cNvPr id="280" name="Google Shape;280;g278aa946448_0_59:notes"/>
           <p:cNvSpPr txBox="1"/>
           <p:nvPr>
             <p:ph idx="1" type="body"/>
@@ -11176,7 +11283,7 @@
         </p:nvSpPr>
         <p:spPr>
           <a:xfrm>
-            <a:off x="1297500" y="1478000"/>
+            <a:off x="1297500" y="1354250"/>
             <a:ext cx="7038900" cy="2911200"/>
           </a:xfrm>
           <a:prstGeom prst="rect">
@@ -11199,10 +11306,10 @@
               <a:buNone/>
             </a:pPr>
             <a:r>
-              <a:rPr lang="hu" sz="900"/>
-              <a:t>The higher the previously mentioned delta for a station is, the more dock a station needs.</a:t>
-            </a:r>
-            <a:endParaRPr sz="900"/>
+              <a:rPr lang="hu" sz="1000"/>
+              <a:t>A station's need for docks increases proportionally with the aforementioned delta value.</a:t>
+            </a:r>
+            <a:endParaRPr sz="1000"/>
           </a:p>
           <a:p>
             <a:pPr indent="0" lvl="0" marL="0" rtl="0" algn="l">
@@ -11215,10 +11322,10 @@
               <a:buNone/>
             </a:pPr>
             <a:r>
-              <a:rPr lang="hu" sz="900"/>
-              <a:t>If the delta is a high negative, it means that way more bike is leaving the station that what comes in. These stations need to be stocked up at the start of the day so they don’t run out of bikes too quick and cause frustration to the user. Just to mention a few examples:</a:t>
-            </a:r>
-            <a:endParaRPr sz="900"/>
+              <a:rPr lang="hu" sz="1000"/>
+              <a:t>A significantly negative delta indicates that more bikes are leaving the station than arriving. These stations require restocking to prevent running out of bikes too rapidly and causing user frustration. Here are a few examples to illustrate:</a:t>
+            </a:r>
+            <a:endParaRPr sz="600"/>
           </a:p>
           <a:p>
             <a:pPr indent="-285750" lvl="0" marL="457200" rtl="0" algn="l">
@@ -11233,7 +11340,7 @@
             </a:pPr>
             <a:r>
               <a:rPr lang="hu" sz="900"/>
-              <a:t>Some of the stations on this list (like William IV Street, Strand) has only 26 docks, while it’s a very popular station (high total flows) and a massive negative delta.</a:t>
+              <a:t>Certain stations on this list, such as William IV Street in Strand, have a mere 26 docks, despite their high popularity (evidenced by high total flows) and substantial negative delta.</a:t>
             </a:r>
             <a:endParaRPr sz="900"/>
           </a:p>
@@ -11250,15 +11357,7 @@
             </a:pPr>
             <a:r>
               <a:rPr lang="hu" sz="900"/>
-              <a:t>For Holborn Circus the number of docks is fairly high (although should still be higher), and the 0 bikes_count is also worrying if it </a:t>
-            </a:r>
-            <a:r>
-              <a:rPr lang="hu" sz="900"/>
-              <a:t>implies</a:t>
-            </a:r>
-            <a:r>
-              <a:rPr lang="hu" sz="900"/>
-              <a:t> that they are all taken, as it’s an outflow station. </a:t>
+              <a:t>In the case of Holborn Circus, although the number of docks is relatively substantial (though it could be improved), the presence of 0 bikes_count raises concerns. This situation suggests that all available bikes might have been taken, which is especially troubling given that this station primarily serves as an outflow point.</a:t>
             </a:r>
             <a:endParaRPr sz="900"/>
           </a:p>
@@ -11382,7 +11481,7 @@
         </p:nvSpPr>
         <p:spPr>
           <a:xfrm>
-            <a:off x="1297500" y="1567550"/>
+            <a:off x="1297500" y="1454550"/>
             <a:ext cx="7038900" cy="2911200"/>
           </a:xfrm>
           <a:prstGeom prst="rect">
@@ -11405,44 +11504,44 @@
               <a:buNone/>
             </a:pPr>
             <a:r>
-              <a:rPr lang="hu" sz="1100"/>
-              <a:t>Looking at the other way around (high positive delta), we can also see room for improvement (docks count should be very high, bikes count should be low):</a:t>
-            </a:r>
-            <a:endParaRPr sz="1100"/>
-          </a:p>
-          <a:p>
-            <a:pPr indent="-298450" lvl="0" marL="457200" rtl="0" algn="l">
+              <a:rPr lang="hu" sz="1000"/>
+              <a:t>Examining the situation from the opposite perspective (high positive delta), there's evident room for improvement, characterized by a need for a substantial docks count and a low count of available bikes:</a:t>
+            </a:r>
+            <a:endParaRPr sz="1000"/>
+          </a:p>
+          <a:p>
+            <a:pPr indent="-292100" lvl="0" marL="457200" rtl="0" algn="l">
               <a:spcBef>
                 <a:spcPts val="1200"/>
               </a:spcBef>
               <a:spcAft>
                 <a:spcPts val="0"/>
               </a:spcAft>
-              <a:buSzPts val="1100"/>
+              <a:buSzPts val="1000"/>
               <a:buChar char="-"/>
             </a:pPr>
             <a:r>
-              <a:rPr lang="hu" sz="1100"/>
-              <a:t>Waterloo station, even though has a high docks count, has only 1 empty dock - which suggest that people won’t be able to park their bikes there as it’s often full, being the highest positive delta station</a:t>
-            </a:r>
-            <a:endParaRPr sz="1100"/>
-          </a:p>
-          <a:p>
-            <a:pPr indent="-298450" lvl="0" marL="457200" rtl="0" algn="l">
-              <a:spcBef>
-                <a:spcPts val="0"/>
-              </a:spcBef>
-              <a:spcAft>
-                <a:spcPts val="0"/>
-              </a:spcAft>
-              <a:buSzPts val="1100"/>
+              <a:rPr lang="hu" sz="1000"/>
+              <a:t>Waterloo Station, despite boasting a considerable number of docks, currently only offers 1 empty dock. This scarcity implies that individuals might struggle to find available spaces to park their bikes, which is concerning given that it ranks as the station with the highest positive delta.</a:t>
+            </a:r>
+            <a:endParaRPr sz="1000"/>
+          </a:p>
+          <a:p>
+            <a:pPr indent="-292100" lvl="0" marL="457200" rtl="0" algn="l">
+              <a:spcBef>
+                <a:spcPts val="0"/>
+              </a:spcBef>
+              <a:spcAft>
+                <a:spcPts val="0"/>
+              </a:spcAft>
+              <a:buSzPts val="1000"/>
               <a:buChar char="-"/>
             </a:pPr>
             <a:r>
-              <a:rPr lang="hu" sz="1100"/>
-              <a:t>Other stations (like Graham Street or Wenlock Road) also follows this pattern, with the additional vulnerability that they also have a low dock count</a:t>
-            </a:r>
-            <a:endParaRPr sz="1100"/>
+              <a:rPr lang="hu" sz="1000"/>
+              <a:t>A similar pattern can be observed with other stations, such as Graham Street and Wenlock Road. These stations not only share the aforementioned scenario of low bike availability and high positive delta but are further disadvantaged by their limited dock counts.</a:t>
+            </a:r>
+            <a:endParaRPr sz="1000"/>
           </a:p>
         </p:txBody>
       </p:sp>
@@ -11462,7 +11561,7 @@
         </p:blipFill>
         <p:spPr>
           <a:xfrm>
-            <a:off x="747500" y="3079425"/>
+            <a:off x="736775" y="3185850"/>
             <a:ext cx="7909551" cy="1860800"/>
           </a:xfrm>
           <a:prstGeom prst="rect">
@@ -11549,7 +11648,7 @@
         </p:nvSpPr>
         <p:spPr>
           <a:xfrm>
-            <a:off x="1297500" y="1366075"/>
+            <a:off x="1297500" y="1220800"/>
             <a:ext cx="7038900" cy="2911200"/>
           </a:xfrm>
           <a:prstGeom prst="rect">
@@ -11563,92 +11662,77 @@
           <a:lstStyle/>
           <a:p>
             <a:pPr indent="0" lvl="0" marL="0" rtl="0" algn="l">
-              <a:spcBef>
-                <a:spcPts val="0"/>
-              </a:spcBef>
-              <a:spcAft>
-                <a:spcPts val="0"/>
-              </a:spcAft>
-              <a:buNone/>
-            </a:pPr>
-            <a:r>
-              <a:rPr lang="hu" sz="900"/>
-              <a:t>If we divide the dataset into 2 parts:</a:t>
-            </a:r>
-            <a:endParaRPr sz="900"/>
-          </a:p>
-          <a:p>
-            <a:pPr indent="-285750" lvl="0" marL="457200" rtl="0" algn="l">
+              <a:lnSpc>
+                <a:spcPct val="95000"/>
+              </a:lnSpc>
+              <a:spcBef>
+                <a:spcPts val="0"/>
+              </a:spcBef>
+              <a:spcAft>
+                <a:spcPts val="0"/>
+              </a:spcAft>
+              <a:buNone/>
+            </a:pPr>
+            <a:r>
+              <a:rPr lang="hu" sz="1100"/>
+              <a:t>By segmenting the dataset into two timeframes rides occurring between 7 and 10 in the morning and rides between 17 and 20 in the evening on weekdays an insightful approach emerges. Each station can be categorized using flags derived from the calculated delta values (negative indicating outflow and positive indicating inflow).</a:t>
+            </a:r>
+            <a:endParaRPr sz="1100"/>
+          </a:p>
+          <a:p>
+            <a:pPr indent="0" lvl="0" marL="0" rtl="0" algn="l">
+              <a:lnSpc>
+                <a:spcPct val="95000"/>
+              </a:lnSpc>
               <a:spcBef>
                 <a:spcPts val="1200"/>
               </a:spcBef>
               <a:spcAft>
                 <a:spcPts val="0"/>
               </a:spcAft>
-              <a:buSzPts val="900"/>
-              <a:buChar char="-"/>
-            </a:pPr>
-            <a:r>
-              <a:rPr lang="hu" sz="900"/>
-              <a:t>Rides between 7 and 10 in morning on weekdays</a:t>
-            </a:r>
-            <a:endParaRPr sz="900"/>
-          </a:p>
-          <a:p>
-            <a:pPr indent="-285750" lvl="0" marL="457200" rtl="0" algn="l">
-              <a:spcBef>
-                <a:spcPts val="0"/>
-              </a:spcBef>
-              <a:spcAft>
-                <a:spcPts val="0"/>
-              </a:spcAft>
-              <a:buSzPts val="900"/>
-              <a:buChar char="-"/>
-            </a:pPr>
-            <a:r>
-              <a:rPr lang="hu" sz="900"/>
-              <a:t>Rides between 17 and 20 in the evening on weekdays</a:t>
-            </a:r>
-            <a:endParaRPr sz="900"/>
+              <a:buNone/>
+            </a:pPr>
+            <a:r>
+              <a:rPr lang="hu" sz="1100"/>
+              <a:t>This analysis effectively exposes the commuting patterns of Londoners. Leveraging this perspective could provide an avenue to refine bike counts at various stations, specifically tailored to the corresponding time periods, thus enhancing overall system optimization.</a:t>
+            </a:r>
+            <a:endParaRPr sz="1100"/>
           </a:p>
           <a:p>
             <a:pPr indent="0" lvl="0" marL="0" rtl="0" algn="l">
+              <a:lnSpc>
+                <a:spcPct val="95000"/>
+              </a:lnSpc>
               <a:spcBef>
                 <a:spcPts val="1200"/>
               </a:spcBef>
               <a:spcAft>
+                <a:spcPts val="0"/>
+              </a:spcAft>
+              <a:buNone/>
+            </a:pPr>
+            <a:r>
+              <a:t/>
+            </a:r>
+            <a:endParaRPr sz="1100"/>
+          </a:p>
+          <a:p>
+            <a:pPr indent="0" lvl="0" marL="0" rtl="0" algn="l">
+              <a:lnSpc>
+                <a:spcPct val="95000"/>
+              </a:lnSpc>
+              <a:spcBef>
                 <a:spcPts val="1200"/>
-              </a:spcAft>
-              <a:buNone/>
-            </a:pPr>
-            <a:r>
-              <a:rPr lang="hu" sz="900"/>
-              <a:t>We can assign every station a flag based on the previously calculated delta values (negative = </a:t>
-            </a:r>
-            <a:r>
-              <a:rPr lang="hu" sz="900"/>
-              <a:t>outflow</a:t>
-            </a:r>
-            <a:r>
-              <a:rPr lang="hu" sz="900"/>
-              <a:t>, positive = inflow)</a:t>
-            </a:r>
-            <a:br>
-              <a:rPr lang="hu" sz="900"/>
-            </a:br>
-            <a:r>
-              <a:rPr lang="hu" sz="900"/>
-              <a:t>The commuting pattern of Londoners is clearly visible on this view, and this could be used to </a:t>
-            </a:r>
-            <a:r>
-              <a:rPr lang="hu" sz="900"/>
-              <a:t>further</a:t>
-            </a:r>
-            <a:r>
-              <a:rPr lang="hu" sz="900"/>
-              <a:t> optimise bike counts at different stations based on the hours.</a:t>
-            </a:r>
-            <a:endParaRPr sz="900"/>
+              </a:spcBef>
+              <a:spcAft>
+                <a:spcPts val="1200"/>
+              </a:spcAft>
+              <a:buNone/>
+            </a:pPr>
+            <a:r>
+              <a:t/>
+            </a:r>
+            <a:endParaRPr sz="1100"/>
           </a:p>
         </p:txBody>
       </p:sp>
@@ -11668,7 +11752,7 @@
         </p:blipFill>
         <p:spPr>
           <a:xfrm>
-            <a:off x="1388524" y="2715250"/>
+            <a:off x="1361624" y="2629263"/>
             <a:ext cx="2973475" cy="2260324"/>
           </a:xfrm>
           <a:prstGeom prst="rect">
@@ -11812,7 +11896,7 @@
         </p:blipFill>
         <p:spPr>
           <a:xfrm>
-            <a:off x="5194375" y="2688300"/>
+            <a:off x="5188975" y="2629275"/>
             <a:ext cx="3003801" cy="2291100"/>
           </a:xfrm>
           <a:prstGeom prst="rect">
@@ -12144,7 +12228,7 @@
         </p:spPr>
         <p:txBody>
           <a:bodyPr anchorCtr="0" anchor="t" bIns="91425" lIns="91425" spcFirstLastPara="1" rIns="91425" wrap="square" tIns="91425">
-            <a:normAutofit fontScale="85000" lnSpcReduction="20000"/>
+            <a:normAutofit fontScale="77500" lnSpcReduction="10000"/>
           </a:bodyPr>
           <a:lstStyle/>
           <a:p>
@@ -12159,124 +12243,91 @@
             </a:pPr>
             <a:r>
               <a:rPr lang="hu"/>
-              <a:t>The </a:t>
-            </a:r>
+              <a:t>Average ride duration is approximately 1308 seconds, while the mode is only 840 seconds. </a:t>
+            </a:r>
+            <a:endParaRPr/>
+          </a:p>
+          <a:p>
+            <a:pPr indent="-292576" lvl="0" marL="457200" rtl="0" algn="l">
+              <a:spcBef>
+                <a:spcPts val="1200"/>
+              </a:spcBef>
+              <a:spcAft>
+                <a:spcPts val="0"/>
+              </a:spcAft>
+              <a:buSzPct val="100000"/>
+              <a:buChar char="●"/>
+            </a:pPr>
             <a:r>
               <a:rPr lang="hu"/>
-              <a:t>avg. duration of a ride is ~1308 seconds, meanwhile the mode is only 840</a:t>
+              <a:t>This suggests a significantly skewed distribution, likely due to the presence of considerable outliers.</a:t>
             </a:r>
             <a:endParaRPr/>
           </a:p>
           <a:p>
-            <a:pPr indent="-298767" lvl="0" marL="457200" rtl="0" algn="l">
+            <a:pPr indent="0" lvl="0" marL="0" rtl="0" algn="l">
               <a:spcBef>
                 <a:spcPts val="1200"/>
               </a:spcBef>
               <a:spcAft>
                 <a:spcPts val="0"/>
               </a:spcAft>
+              <a:buNone/>
+            </a:pPr>
+            <a:r>
+              <a:rPr lang="hu"/>
+              <a:t>Examining the distribution of durations allows us to attain a clearer understanding of the actual ride patterns.</a:t>
+            </a:r>
+            <a:endParaRPr/>
+          </a:p>
+          <a:p>
+            <a:pPr indent="-292576" lvl="0" marL="457200" rtl="0" algn="l">
+              <a:spcBef>
+                <a:spcPts val="1200"/>
+              </a:spcBef>
+              <a:spcAft>
+                <a:spcPts val="0"/>
+              </a:spcAft>
               <a:buSzPct val="100000"/>
-              <a:buChar char="-"/>
+              <a:buChar char="●"/>
             </a:pPr>
             <a:r>
               <a:rPr lang="hu"/>
-              <a:t>This indicates a very tilted distribution (probably due to the </a:t>
-            </a:r>
+              <a:t>As anticipated, the distribution exhibits a pronounced leftward tilt. </a:t>
+            </a:r>
+            <a:endParaRPr/>
+          </a:p>
+          <a:p>
+            <a:pPr indent="-292576" lvl="0" marL="457200" rtl="0" algn="l">
+              <a:spcBef>
+                <a:spcPts val="0"/>
+              </a:spcBef>
+              <a:spcAft>
+                <a:spcPts val="0"/>
+              </a:spcAft>
+              <a:buSzPct val="100000"/>
+              <a:buChar char="●"/>
+            </a:pPr>
             <a:r>
               <a:rPr lang="hu"/>
-              <a:t>enormous</a:t>
-            </a:r>
+              <a:t>Short rides (lasting less than 5 minutes) are equally frequent as rides lasting 25-30 minutes. </a:t>
+            </a:r>
+            <a:endParaRPr/>
+          </a:p>
+          <a:p>
+            <a:pPr indent="-292576" lvl="0" marL="457200" rtl="0" algn="l">
+              <a:spcBef>
+                <a:spcPts val="0"/>
+              </a:spcBef>
+              <a:spcAft>
+                <a:spcPts val="0"/>
+              </a:spcAft>
+              <a:buSzPct val="100000"/>
+              <a:buChar char="●"/>
+            </a:pPr>
             <a:r>
               <a:rPr lang="hu"/>
-              <a:t> outliers)</a:t>
-            </a:r>
-            <a:endParaRPr/>
-          </a:p>
-          <a:p>
-            <a:pPr indent="-298767" lvl="0" marL="457200" rtl="0" algn="l">
-              <a:spcBef>
-                <a:spcPts val="0"/>
-              </a:spcBef>
-              <a:spcAft>
-                <a:spcPts val="0"/>
-              </a:spcAft>
-              <a:buSzPct val="100000"/>
-              <a:buChar char="-"/>
-            </a:pPr>
-            <a:r>
-              <a:rPr lang="hu"/>
-              <a:t>Looking at the distribution of the durations we can get a clearer picture of the </a:t>
-            </a:r>
-            <a:r>
-              <a:rPr lang="hu"/>
-              <a:t>actual rides</a:t>
-            </a:r>
-            <a:endParaRPr/>
-          </a:p>
-          <a:p>
-            <a:pPr indent="0" lvl="0" marL="0" rtl="0" algn="l">
-              <a:spcBef>
-                <a:spcPts val="1200"/>
-              </a:spcBef>
-              <a:spcAft>
-                <a:spcPts val="0"/>
-              </a:spcAft>
-              <a:buNone/>
-            </a:pPr>
-            <a:r>
-              <a:rPr lang="hu"/>
-              <a:t>As expected the distribution tilts heavily to the left. </a:t>
-            </a:r>
-            <a:endParaRPr/>
-          </a:p>
-          <a:p>
-            <a:pPr indent="-298767" lvl="0" marL="457200" rtl="0" algn="l">
-              <a:spcBef>
-                <a:spcPts val="1200"/>
-              </a:spcBef>
-              <a:spcAft>
-                <a:spcPts val="0"/>
-              </a:spcAft>
-              <a:buSzPct val="100000"/>
-              <a:buChar char="-"/>
-            </a:pPr>
-            <a:r>
-              <a:rPr lang="hu"/>
-              <a:t>Short (less than 5 mins) rides are as common as 25-30 min rides.</a:t>
-            </a:r>
-            <a:endParaRPr/>
-          </a:p>
-          <a:p>
-            <a:pPr indent="-298767" lvl="0" marL="457200" rtl="0" algn="l">
-              <a:spcBef>
-                <a:spcPts val="0"/>
-              </a:spcBef>
-              <a:spcAft>
-                <a:spcPts val="0"/>
-              </a:spcAft>
-              <a:buSzPct val="100000"/>
-              <a:buChar char="-"/>
-            </a:pPr>
-            <a:r>
-              <a:rPr lang="hu"/>
-              <a:t>The majority of the rides being between 0-40 mins.</a:t>
-            </a:r>
-            <a:endParaRPr/>
-          </a:p>
-          <a:p>
-            <a:pPr indent="-298767" lvl="0" marL="457200" rtl="0" algn="l">
-              <a:spcBef>
-                <a:spcPts val="0"/>
-              </a:spcBef>
-              <a:spcAft>
-                <a:spcPts val="0"/>
-              </a:spcAft>
-              <a:buSzPct val="100000"/>
-              <a:buChar char="-"/>
-            </a:pPr>
-            <a:r>
-              <a:rPr lang="hu"/>
-              <a:t>Longer rides than 90 mins are very unlikely</a:t>
+              <a:t>The majority of rides fall within the 0-40 minute range, with longer rides exceeding 90 minutes being highly improbable.</a:t>
             </a:r>
             <a:endParaRPr/>
           </a:p>
@@ -12394,7 +12445,7 @@
         </p:spPr>
         <p:txBody>
           <a:bodyPr anchorCtr="0" anchor="t" bIns="91425" lIns="91425" spcFirstLastPara="1" rIns="91425" wrap="square" tIns="91425">
-            <a:normAutofit/>
+            <a:normAutofit fontScale="92500"/>
           </a:bodyPr>
           <a:lstStyle/>
           <a:p>
@@ -12409,49 +12460,23 @@
             </a:pPr>
             <a:r>
               <a:rPr lang="hu"/>
-              <a:t>Looking at the same distribution split by weekday and weekend usage, we can establish that even though there are less rides on </a:t>
-            </a:r>
+              <a:t>Analyzing the same distribution, but divided by weekday and weekend usage, reveals notable insights. Despite the reduced number of rides on weekends, these tend to be somewhat longer. The distribution exhibits a gentler decline and a higher tail, indicating extended ride durations.</a:t>
+            </a:r>
+            <a:endParaRPr/>
+          </a:p>
+          <a:p>
+            <a:pPr indent="0" lvl="0" marL="0" rtl="0" algn="l">
+              <a:spcBef>
+                <a:spcPts val="1200"/>
+              </a:spcBef>
+              <a:spcAft>
+                <a:spcPts val="1200"/>
+              </a:spcAft>
+              <a:buNone/>
+            </a:pPr>
             <a:r>
               <a:rPr lang="hu"/>
-              <a:t>weekends</a:t>
-            </a:r>
-            <a:r>
-              <a:rPr lang="hu"/>
-              <a:t>, these tend to be somewhat longer.</a:t>
-            </a:r>
-            <a:endParaRPr/>
-          </a:p>
-          <a:p>
-            <a:pPr indent="-311150" lvl="0" marL="457200" rtl="0" algn="l">
-              <a:spcBef>
-                <a:spcPts val="1200"/>
-              </a:spcBef>
-              <a:spcAft>
-                <a:spcPts val="0"/>
-              </a:spcAft>
-              <a:buSzPts val="1300"/>
-              <a:buChar char="-"/>
-            </a:pPr>
-            <a:r>
-              <a:rPr lang="hu"/>
-              <a:t>The distribution decreases less sharply and the tail is higher longer</a:t>
-            </a:r>
-            <a:endParaRPr/>
-          </a:p>
-          <a:p>
-            <a:pPr indent="-298450" lvl="1" marL="914400" rtl="0" algn="l">
-              <a:spcBef>
-                <a:spcPts val="0"/>
-              </a:spcBef>
-              <a:spcAft>
-                <a:spcPts val="0"/>
-              </a:spcAft>
-              <a:buSzPts val="1100"/>
-              <a:buChar char="-"/>
-            </a:pPr>
-            <a:r>
-              <a:rPr lang="hu"/>
-              <a:t>For example 40 minutes leisure rides are almost twice as likely on a weekend</a:t>
+              <a:t>For instance, the likelihood of 40-minute leisure rides is nearly double on weekends compared to weekdays. This observation underscores how user behavior shifts during weekends, with a preference for more extended rides, possibly driven by recreational activities.</a:t>
             </a:r>
             <a:endParaRPr/>
           </a:p>
@@ -12561,7 +12586,7 @@
         <p:spPr>
           <a:xfrm>
             <a:off x="5267150" y="1483575"/>
-            <a:ext cx="3405300" cy="806700"/>
+            <a:ext cx="3405300" cy="1018200"/>
           </a:xfrm>
           <a:prstGeom prst="rect">
             <a:avLst/>
@@ -12569,7 +12594,7 @@
         </p:spPr>
         <p:txBody>
           <a:bodyPr anchorCtr="0" anchor="t" bIns="91425" lIns="91425" spcFirstLastPara="1" rIns="91425" wrap="square" tIns="91425">
-            <a:normAutofit lnSpcReduction="10000"/>
+            <a:normAutofit fontScale="62500" lnSpcReduction="10000"/>
           </a:bodyPr>
           <a:lstStyle/>
           <a:p>
@@ -12583,12 +12608,8 @@
               <a:buNone/>
             </a:pPr>
             <a:r>
-              <a:rPr lang="hu" sz="1300"/>
-              <a:t>Electric bikes have less of an effect on the tail, </a:t>
-            </a:r>
-            <a:r>
               <a:rPr lang="hu"/>
-              <a:t>the distribution is very much the same, but shifted ~4 minutes to the longer side</a:t>
+              <a:t>Electric bikes exhibit a comparatively smaller impact on the distribution tail; the overall shape of the distribution remains largely unchanged. However, there is a discernible shift of approximately 4 minutes towards longer ride durations. This suggests that while electric bikes influence ride lengths, the fundamental distribution pattern remains consistent, albeit slightly skewed towards extended durations.</a:t>
             </a:r>
             <a:endParaRPr/>
           </a:p>
@@ -12660,8 +12681,8 @@
         </p:nvSpPr>
         <p:spPr>
           <a:xfrm>
-            <a:off x="1297575" y="1483563"/>
-            <a:ext cx="3405300" cy="806700"/>
+            <a:off x="1297575" y="1483576"/>
+            <a:ext cx="3405300" cy="914100"/>
           </a:xfrm>
           <a:prstGeom prst="rect">
             <a:avLst/>
@@ -12669,49 +12690,28 @@
         </p:spPr>
         <p:txBody>
           <a:bodyPr anchorCtr="0" anchor="t" bIns="91425" lIns="91425" spcFirstLastPara="1" rIns="91425" wrap="square" tIns="91425">
-            <a:normAutofit fontScale="77500" lnSpcReduction="20000"/>
+            <a:noAutofit/>
           </a:bodyPr>
           <a:lstStyle/>
           <a:p>
             <a:pPr indent="0" lvl="0" marL="0" rtl="0" algn="l">
-              <a:spcBef>
-                <a:spcPts val="0"/>
-              </a:spcBef>
-              <a:spcAft>
-                <a:spcPts val="0"/>
-              </a:spcAft>
-              <a:buNone/>
-            </a:pPr>
-            <a:r>
-              <a:rPr lang="hu"/>
-              <a:t>The seasonal effect is </a:t>
-            </a:r>
-            <a:r>
-              <a:rPr lang="hu"/>
-              <a:t>similar</a:t>
-            </a:r>
-            <a:r>
-              <a:rPr lang="hu"/>
-              <a:t> to the electric bike one: </a:t>
-            </a:r>
-            <a:endParaRPr/>
-          </a:p>
-          <a:p>
-            <a:pPr indent="-292576" lvl="0" marL="457200" rtl="0" algn="l">
-              <a:spcBef>
+              <a:lnSpc>
+                <a:spcPct val="95000"/>
+              </a:lnSpc>
+              <a:spcBef>
+                <a:spcPts val="0"/>
+              </a:spcBef>
+              <a:spcAft>
                 <a:spcPts val="1200"/>
-              </a:spcBef>
-              <a:spcAft>
-                <a:spcPts val="0"/>
-              </a:spcAft>
-              <a:buSzPct val="100000"/>
-              <a:buChar char="-"/>
-            </a:pPr>
-            <a:r>
-              <a:rPr lang="hu"/>
-              <a:t>People tend ride 2-4 mins longer in the sprint and during the summer</a:t>
-            </a:r>
-            <a:endParaRPr/>
+              </a:spcAft>
+              <a:buSzPts val="688"/>
+              <a:buNone/>
+            </a:pPr>
+            <a:r>
+              <a:rPr lang="hu" sz="912"/>
+              <a:t>The seasonal effect mirrors that of the electric bike usage: people tend to ride for 2-4 minutes longer in the spring and during the summer. This suggests a consistent trend of extended ride durations during these seasons, potentially influenced by more favorable weather conditions and increased outdoor activities.</a:t>
+            </a:r>
+            <a:endParaRPr sz="912"/>
           </a:p>
         </p:txBody>
       </p:sp>
@@ -12814,7 +12814,7 @@
             </a:pPr>
             <a:r>
               <a:rPr lang="hu"/>
-              <a:t>For the trend and seasonality analysis I used </a:t>
+              <a:t>Utilizing </a:t>
             </a:r>
             <a:r>
               <a:rPr lang="hu" u="sng">
@@ -12823,11 +12823,27 @@
                 </a:solidFill>
                 <a:hlinkClick r:id="rId3"/>
               </a:rPr>
-              <a:t>Facebook’s Prophet algorithm</a:t>
+              <a:t>Facebook's Prophet algorithm</a:t>
             </a:r>
             <a:r>
               <a:rPr lang="hu"/>
-              <a:t>. I created two different models:</a:t>
+              <a:t>, I crafted two distinct models: one operating on a </a:t>
+            </a:r>
+            <a:r>
+              <a:rPr i="1" lang="hu"/>
+              <a:t>daily level</a:t>
+            </a:r>
+            <a:r>
+              <a:rPr lang="hu"/>
+              <a:t> and another on an </a:t>
+            </a:r>
+            <a:r>
+              <a:rPr i="1" lang="hu"/>
+              <a:t>hourly level</a:t>
+            </a:r>
+            <a:r>
+              <a:rPr lang="hu"/>
+              <a:t>. Analyzing the Daily model offers several key insights:</a:t>
             </a:r>
             <a:endParaRPr/>
           </a:p>
@@ -12840,11 +12856,11 @@
                 <a:spcPts val="0"/>
               </a:spcAft>
               <a:buSzPct val="100000"/>
-              <a:buChar char="-"/>
+              <a:buChar char="●"/>
             </a:pPr>
             <a:r>
               <a:rPr lang="hu"/>
-              <a:t>Daily model (aggregated on a daily level)</a:t>
+              <a:t>A discernible trend was observed from 2015 to 2017, exhibiting growth that then plateaued, and even slightly decreased until the onset of Covid. However, post-Covid, a remarkable surge was noted, showcasing substantial upward momentum.</a:t>
             </a:r>
             <a:endParaRPr/>
           </a:p>
@@ -12857,186 +12873,95 @@
                 <a:spcPts val="0"/>
               </a:spcAft>
               <a:buSzPct val="100000"/>
-              <a:buChar char="-"/>
+              <a:buChar char="●"/>
             </a:pPr>
             <a:r>
               <a:rPr lang="hu"/>
-              <a:t>Hourly model (aggregated on an hourly level)</a:t>
+              <a:t>Projections indicate the continuation of this upward trend throughout 2023-2024.</a:t>
             </a:r>
             <a:endParaRPr/>
           </a:p>
           <a:p>
+            <a:pPr indent="-286385" lvl="0" marL="457200" rtl="0" algn="l">
+              <a:spcBef>
+                <a:spcPts val="0"/>
+              </a:spcBef>
+              <a:spcAft>
+                <a:spcPts val="0"/>
+              </a:spcAft>
+              <a:buSzPct val="100000"/>
+              <a:buChar char="●"/>
+            </a:pPr>
+            <a:r>
+              <a:rPr lang="hu"/>
+              <a:t>Bank and national holidays wield varied impacts on usage, with some occasions witnessing an increase and others yielding a decrease.</a:t>
+            </a:r>
+            <a:endParaRPr/>
+          </a:p>
+          <a:p>
+            <a:pPr indent="-286385" lvl="0" marL="457200" rtl="0" algn="l">
+              <a:spcBef>
+                <a:spcPts val="0"/>
+              </a:spcBef>
+              <a:spcAft>
+                <a:spcPts val="0"/>
+              </a:spcAft>
+              <a:buSzPct val="100000"/>
+              <a:buChar char="●"/>
+            </a:pPr>
+            <a:r>
+              <a:rPr lang="hu"/>
+              <a:t>A noticeable outlier in late 2022, attributed to the Queen's funeral, witnessed a significant reduction in usage due to the bank holiday.</a:t>
+            </a:r>
+            <a:endParaRPr/>
+          </a:p>
+          <a:p>
+            <a:pPr indent="-286385" lvl="0" marL="457200" rtl="0" algn="l">
+              <a:spcBef>
+                <a:spcPts val="0"/>
+              </a:spcBef>
+              <a:spcAft>
+                <a:spcPts val="0"/>
+              </a:spcAft>
+              <a:buSzPct val="100000"/>
+              <a:buChar char="●"/>
+            </a:pPr>
+            <a:r>
+              <a:rPr lang="hu"/>
+              <a:t>Bike utilization tends to be lowest during the weekend, gradually increasing until Tuesday when it peaks. Thereafter, a gradual decline is observed until Thursday.</a:t>
+            </a:r>
+            <a:endParaRPr/>
+          </a:p>
+          <a:p>
+            <a:pPr indent="-286385" lvl="0" marL="457200" rtl="0" algn="l">
+              <a:spcBef>
+                <a:spcPts val="0"/>
+              </a:spcBef>
+              <a:spcAft>
+                <a:spcPts val="0"/>
+              </a:spcAft>
+              <a:buSzPct val="100000"/>
+              <a:buChar char="●"/>
+            </a:pPr>
+            <a:r>
+              <a:rPr lang="hu"/>
+              <a:t>Monthly seasonality is evident, with January recording the lowest usage. Subsequent months experience an ascent, albeit with some fluctuations, until reaching a peak around July. Subsequently, a decline ensues.</a:t>
+            </a:r>
+            <a:endParaRPr/>
+          </a:p>
+          <a:p>
             <a:pPr indent="0" lvl="0" marL="0" rtl="0" algn="l">
               <a:spcBef>
                 <a:spcPts val="1200"/>
               </a:spcBef>
               <a:spcAft>
-                <a:spcPts val="0"/>
+                <a:spcPts val="1200"/>
               </a:spcAft>
               <a:buNone/>
             </a:pPr>
             <a:r>
               <a:rPr lang="hu"/>
-              <a:t>Looking at the Daily model first, there are multiple learnings:</a:t>
-            </a:r>
-            <a:endParaRPr/>
-          </a:p>
-          <a:p>
-            <a:pPr indent="-286385" lvl="0" marL="457200" rtl="0" algn="l">
-              <a:spcBef>
-                <a:spcPts val="1200"/>
-              </a:spcBef>
-              <a:spcAft>
-                <a:spcPts val="0"/>
-              </a:spcAft>
-              <a:buSzPct val="100000"/>
-              <a:buChar char="-"/>
-            </a:pPr>
-            <a:r>
-              <a:rPr lang="hu"/>
-              <a:t>There was an upwards going trend from 2015 to 2017, which then stagnated (and even slightly decreased) </a:t>
-            </a:r>
-            <a:r>
-              <a:rPr lang="hu"/>
-              <a:t>until</a:t>
-            </a:r>
-            <a:r>
-              <a:rPr lang="hu"/>
-              <a:t> Covid hit in the number of rentals. However, since Covid it picked up an </a:t>
-            </a:r>
-            <a:r>
-              <a:rPr lang="hu"/>
-              <a:t>enormous</a:t>
-            </a:r>
-            <a:r>
-              <a:rPr lang="hu"/>
-              <a:t> steam and trending massive upwards since</a:t>
-            </a:r>
-            <a:endParaRPr/>
-          </a:p>
-          <a:p>
-            <a:pPr indent="-277494" lvl="1" marL="914400" rtl="0" algn="l">
-              <a:spcBef>
-                <a:spcPts val="0"/>
-              </a:spcBef>
-              <a:spcAft>
-                <a:spcPts val="0"/>
-              </a:spcAft>
-              <a:buSzPct val="100000"/>
-              <a:buChar char="-"/>
-            </a:pPr>
-            <a:r>
-              <a:rPr lang="hu"/>
-              <a:t>Based on the predication this trend is bound to continue in 2023-2024 as well.</a:t>
-            </a:r>
-            <a:endParaRPr/>
-          </a:p>
-          <a:p>
-            <a:pPr indent="-286385" lvl="0" marL="457200" rtl="0" algn="l">
-              <a:spcBef>
-                <a:spcPts val="0"/>
-              </a:spcBef>
-              <a:spcAft>
-                <a:spcPts val="0"/>
-              </a:spcAft>
-              <a:buSzPct val="100000"/>
-              <a:buChar char="-"/>
-            </a:pPr>
-            <a:r>
-              <a:rPr lang="hu"/>
-              <a:t>The bank and national holidays have varying effect. On some usage increases, while on others it decreases.</a:t>
-            </a:r>
-            <a:endParaRPr/>
-          </a:p>
-          <a:p>
-            <a:pPr indent="-277494" lvl="1" marL="914400" rtl="0" algn="l">
-              <a:spcBef>
-                <a:spcPts val="0"/>
-              </a:spcBef>
-              <a:spcAft>
-                <a:spcPts val="0"/>
-              </a:spcAft>
-              <a:buSzPct val="100000"/>
-              <a:buChar char="-"/>
-            </a:pPr>
-            <a:r>
-              <a:rPr lang="hu"/>
-              <a:t>On one very visible outlier in late 2022 the bank holiday caused a massive decrease. Looking into the data it was the Queen’s funeral.</a:t>
-            </a:r>
-            <a:endParaRPr/>
-          </a:p>
-          <a:p>
-            <a:pPr indent="-286385" lvl="0" marL="457200" rtl="0" algn="l">
-              <a:spcBef>
-                <a:spcPts val="0"/>
-              </a:spcBef>
-              <a:spcAft>
-                <a:spcPts val="0"/>
-              </a:spcAft>
-              <a:buSzPct val="100000"/>
-              <a:buChar char="-"/>
-            </a:pPr>
-            <a:r>
-              <a:rPr lang="hu"/>
-              <a:t>Bike usage is the lowest during </a:t>
-            </a:r>
-            <a:r>
-              <a:rPr lang="hu"/>
-              <a:t>the</a:t>
-            </a:r>
-            <a:r>
-              <a:rPr lang="hu"/>
-              <a:t> weekend, gradually </a:t>
-            </a:r>
-            <a:r>
-              <a:rPr lang="hu"/>
-              <a:t>increasing</a:t>
-            </a:r>
-            <a:r>
-              <a:rPr lang="hu"/>
-              <a:t> until Tuesday where it peaks until Thursday after which it decreases again</a:t>
-            </a:r>
-            <a:endParaRPr/>
-          </a:p>
-          <a:p>
-            <a:pPr indent="-286385" lvl="0" marL="457200" rtl="0" algn="l">
-              <a:spcBef>
-                <a:spcPts val="0"/>
-              </a:spcBef>
-              <a:spcAft>
-                <a:spcPts val="0"/>
-              </a:spcAft>
-              <a:buSzPct val="100000"/>
-              <a:buChar char="-"/>
-            </a:pPr>
-            <a:r>
-              <a:rPr lang="hu"/>
-              <a:t>The monthly seasonality is crystal clear also</a:t>
-            </a:r>
-            <a:endParaRPr/>
-          </a:p>
-          <a:p>
-            <a:pPr indent="-277494" lvl="1" marL="914400" rtl="0" algn="l">
-              <a:spcBef>
-                <a:spcPts val="0"/>
-              </a:spcBef>
-              <a:spcAft>
-                <a:spcPts val="0"/>
-              </a:spcAft>
-              <a:buSzPct val="100000"/>
-              <a:buChar char="-"/>
-            </a:pPr>
-            <a:r>
-              <a:rPr lang="hu"/>
-              <a:t>January being the lowest month, then (although with some bumps) </a:t>
-            </a:r>
-            <a:r>
-              <a:rPr lang="hu"/>
-              <a:t>usage</a:t>
-            </a:r>
-            <a:r>
-              <a:rPr lang="hu"/>
-              <a:t> increases until July, after which it starts dropping again</a:t>
+              <a:t>These observations can inform strategies for system optimization and resource allocation, helping anticipate future trends and variations in bike usage patterns.</a:t>
             </a:r>
             <a:endParaRPr/>
           </a:p>
@@ -13169,7 +13094,7 @@
         </p:spPr>
         <p:txBody>
           <a:bodyPr anchorCtr="0" anchor="t" bIns="91425" lIns="91425" spcFirstLastPara="1" rIns="91425" wrap="square" tIns="91425">
-            <a:normAutofit/>
+            <a:normAutofit fontScale="85000" lnSpcReduction="20000"/>
           </a:bodyPr>
           <a:lstStyle/>
           <a:p>
@@ -13184,75 +13109,91 @@
             </a:pPr>
             <a:r>
               <a:rPr lang="hu"/>
-              <a:t>Looking at the hourly model, it’s much of the same (although the curves are more detailed), except for added information of the daily seasonality.</a:t>
+              <a:t>Examining the hourly model reveals consistent trends, albeit with greater detail due to the granularity of the data. Additionally, this model incorporates daily seasonality, offering further insights:</a:t>
             </a:r>
             <a:endParaRPr/>
           </a:p>
           <a:p>
-            <a:pPr indent="-311150" lvl="0" marL="457200" rtl="0" algn="l">
+            <a:pPr indent="-298767" lvl="0" marL="457200" rtl="0" algn="l">
               <a:spcBef>
                 <a:spcPts val="1200"/>
               </a:spcBef>
               <a:spcAft>
                 <a:spcPts val="0"/>
               </a:spcAft>
-              <a:buSzPts val="1300"/>
-              <a:buChar char="-"/>
+              <a:buSzPct val="100000"/>
+              <a:buChar char="●"/>
             </a:pPr>
             <a:r>
               <a:rPr lang="hu"/>
-              <a:t>Generally usage starts picking up around 4am until 9-9:30 in the morning (most likely due to the morning commute)</a:t>
+              <a:t>Usage commences a gradual increase at around 4 am, reaching a peak between 9 to 9:30 am, which corresponds with the morning commute.</a:t>
             </a:r>
             <a:endParaRPr/>
           </a:p>
           <a:p>
-            <a:pPr indent="-311150" lvl="0" marL="457200" rtl="0" algn="l">
-              <a:spcBef>
-                <a:spcPts val="0"/>
-              </a:spcBef>
-              <a:spcAft>
-                <a:spcPts val="0"/>
-              </a:spcAft>
-              <a:buSzPts val="1300"/>
-              <a:buChar char="-"/>
+            <a:pPr indent="-298767" lvl="0" marL="457200" rtl="0" algn="l">
+              <a:spcBef>
+                <a:spcPts val="0"/>
+              </a:spcBef>
+              <a:spcAft>
+                <a:spcPts val="0"/>
+              </a:spcAft>
+              <a:buSzPct val="100000"/>
+              <a:buChar char="●"/>
             </a:pPr>
             <a:r>
               <a:rPr lang="hu"/>
-              <a:t>Then slightly decreases during the day</a:t>
+              <a:t>Subsequently, there is a slight dip during the day.</a:t>
             </a:r>
             <a:endParaRPr/>
           </a:p>
           <a:p>
-            <a:pPr indent="-311150" lvl="0" marL="457200" rtl="0" algn="l">
-              <a:spcBef>
-                <a:spcPts val="0"/>
-              </a:spcBef>
-              <a:spcAft>
-                <a:spcPts val="0"/>
-              </a:spcAft>
-              <a:buSzPts val="1300"/>
-              <a:buChar char="-"/>
+            <a:pPr indent="-298767" lvl="0" marL="457200" rtl="0" algn="l">
+              <a:spcBef>
+                <a:spcPts val="0"/>
+              </a:spcBef>
+              <a:spcAft>
+                <a:spcPts val="0"/>
+              </a:spcAft>
+              <a:buSzPct val="100000"/>
+              <a:buChar char="●"/>
             </a:pPr>
             <a:r>
               <a:rPr lang="hu"/>
-              <a:t>Just to pick up again and reaching a second mode around 5pm (after work commute)</a:t>
+              <a:t>Another rise occurs in the late afternoon, with a notable peak around 5 pm, aligning with the after-work commute.</a:t>
             </a:r>
             <a:endParaRPr/>
           </a:p>
           <a:p>
-            <a:pPr indent="-311150" lvl="0" marL="457200" rtl="0" algn="l">
-              <a:spcBef>
-                <a:spcPts val="0"/>
-              </a:spcBef>
-              <a:spcAft>
-                <a:spcPts val="0"/>
-              </a:spcAft>
-              <a:buSzPts val="1300"/>
-              <a:buChar char="-"/>
+            <a:pPr indent="-298767" lvl="0" marL="457200" rtl="0" algn="l">
+              <a:spcBef>
+                <a:spcPts val="0"/>
+              </a:spcBef>
+              <a:spcAft>
+                <a:spcPts val="0"/>
+              </a:spcAft>
+              <a:buSzPct val="100000"/>
+              <a:buChar char="●"/>
             </a:pPr>
             <a:r>
               <a:rPr lang="hu"/>
-              <a:t>Then gradually decreases until the next morning, only having a very small bump around midnight (pub commute?)</a:t>
+              <a:t>A gradual decrease ensues until the early hours of the following day, with a minor uptick around midnight, which could potentially be attributed to the "pub commute."</a:t>
+            </a:r>
+            <a:endParaRPr/>
+          </a:p>
+          <a:p>
+            <a:pPr indent="0" lvl="0" marL="0" rtl="0" algn="l">
+              <a:spcBef>
+                <a:spcPts val="1200"/>
+              </a:spcBef>
+              <a:spcAft>
+                <a:spcPts val="1200"/>
+              </a:spcAft>
+              <a:buNone/>
+            </a:pPr>
+            <a:r>
+              <a:rPr lang="hu"/>
+              <a:t>These findings reinforce the commuting patterns observed in the daily model, adding an hourly perspective and highlighting distinct peaks in bike usage during morning and evening commuting hours. This nuanced understanding can inform strategies for optimizing bike availability and operations during specific times of the day.</a:t>
             </a:r>
             <a:endParaRPr/>
           </a:p>
@@ -13384,18 +13325,10 @@
               <a:buNone/>
             </a:pPr>
             <a:r>
-              <a:rPr lang="hu"/>
-              <a:t>For the weather analysis I use the previously mentioned </a:t>
-            </a:r>
-            <a:r>
-              <a:rPr i="1" lang="hu"/>
-              <a:t>drv_fact_cycle_hire_weather_combined</a:t>
-            </a:r>
-            <a:r>
-              <a:rPr lang="hu"/>
-              <a:t> table which is a 3rd party hourly weather data combined with the given usage data, plus additional date features that I created.</a:t>
-            </a:r>
-            <a:endParaRPr/>
+              <a:rPr lang="hu" sz="1200"/>
+              <a:t>To conduct the weather analysis, I utilized the drv_fact_cycle_hire_weather_combined table, which combines third-party hourly weather data with the provided usage data. This integration also includes supplementary date-related features that I generated. This approach allows for an exploration of how weather conditions impact bike usage patterns, providing a comprehensive understanding of the interplay between weather and bike rentals.</a:t>
+            </a:r>
+            <a:endParaRPr sz="1200"/>
           </a:p>
           <a:p>
             <a:pPr indent="0" lvl="0" marL="0" rtl="0" algn="l">
@@ -13410,7 +13343,7 @@
             <a:r>
               <a:t/>
             </a:r>
-            <a:endParaRPr/>
+            <a:endParaRPr sz="1200"/>
           </a:p>
         </p:txBody>
       </p:sp>
@@ -13430,7 +13363,7 @@
         </p:blipFill>
         <p:spPr>
           <a:xfrm>
-            <a:off x="844062" y="2695901"/>
+            <a:off x="844075" y="2911101"/>
             <a:ext cx="7945773" cy="1263000"/>
           </a:xfrm>
           <a:prstGeom prst="rect">
@@ -13526,309 +13459,224 @@
         </p:spPr>
         <p:txBody>
           <a:bodyPr anchorCtr="0" anchor="t" bIns="91425" lIns="91425" spcFirstLastPara="1" rIns="91425" wrap="square" tIns="91425">
-            <a:normAutofit fontScale="70000" lnSpcReduction="20000"/>
+            <a:normAutofit/>
           </a:bodyPr>
           <a:lstStyle/>
           <a:p>
-            <a:pPr indent="-335280" lvl="0" marL="457200" rtl="0" algn="l">
-              <a:lnSpc>
-                <a:spcPct val="100000"/>
-              </a:lnSpc>
-              <a:spcBef>
-                <a:spcPts val="0"/>
-              </a:spcBef>
-              <a:spcAft>
-                <a:spcPts val="0"/>
-              </a:spcAft>
-              <a:buSzPct val="100000"/>
-              <a:buFont typeface="Montserrat"/>
+            <a:pPr indent="-311150" lvl="0" marL="457200" rtl="0" algn="l">
+              <a:spcBef>
+                <a:spcPts val="0"/>
+              </a:spcBef>
+              <a:spcAft>
+                <a:spcPts val="0"/>
+              </a:spcAft>
+              <a:buSzPts val="1300"/>
               <a:buAutoNum type="arabicPeriod"/>
             </a:pPr>
             <a:r>
-              <a:rPr lang="hu" sz="2400">
-                <a:latin typeface="Montserrat"/>
-                <a:ea typeface="Montserrat"/>
-                <a:cs typeface="Montserrat"/>
-                <a:sym typeface="Montserrat"/>
+              <a:rPr lang="hu" u="sng">
+                <a:solidFill>
+                  <a:schemeClr val="hlink"/>
+                </a:solidFill>
+                <a:hlinkClick action="ppaction://hlinksldjump" r:id="rId3"/>
               </a:rPr>
               <a:t>Data sources &amp; tools used</a:t>
             </a:r>
-            <a:endParaRPr sz="2400">
-              <a:latin typeface="Montserrat"/>
-              <a:ea typeface="Montserrat"/>
-              <a:cs typeface="Montserrat"/>
-              <a:sym typeface="Montserrat"/>
-            </a:endParaRPr>
-          </a:p>
-          <a:p>
-            <a:pPr indent="-335280" lvl="0" marL="457200" rtl="0" algn="l">
-              <a:lnSpc>
-                <a:spcPct val="100000"/>
-              </a:lnSpc>
-              <a:spcBef>
-                <a:spcPts val="0"/>
-              </a:spcBef>
-              <a:spcAft>
-                <a:spcPts val="0"/>
-              </a:spcAft>
-              <a:buSzPct val="100000"/>
-              <a:buFont typeface="Montserrat"/>
+            <a:endParaRPr/>
+          </a:p>
+          <a:p>
+            <a:pPr indent="-311150" lvl="0" marL="457200" rtl="0" algn="l">
+              <a:spcBef>
+                <a:spcPts val="0"/>
+              </a:spcBef>
+              <a:spcAft>
+                <a:spcPts val="0"/>
+              </a:spcAft>
+              <a:buSzPts val="1300"/>
               <a:buAutoNum type="arabicPeriod"/>
             </a:pPr>
             <a:r>
-              <a:rPr lang="hu" sz="2400">
-                <a:latin typeface="Montserrat"/>
-                <a:ea typeface="Montserrat"/>
-                <a:cs typeface="Montserrat"/>
-                <a:sym typeface="Montserrat"/>
+              <a:rPr lang="hu" u="sng">
+                <a:solidFill>
+                  <a:schemeClr val="hlink"/>
+                </a:solidFill>
+                <a:hlinkClick action="ppaction://hlinksldjump" r:id="rId4"/>
               </a:rPr>
               <a:t>Data inspection, quality check and added features</a:t>
             </a:r>
-            <a:endParaRPr sz="2400">
-              <a:latin typeface="Montserrat"/>
-              <a:ea typeface="Montserrat"/>
-              <a:cs typeface="Montserrat"/>
-              <a:sym typeface="Montserrat"/>
-            </a:endParaRPr>
-          </a:p>
-          <a:p>
-            <a:pPr indent="-335280" lvl="0" marL="457200" rtl="0" algn="l">
-              <a:lnSpc>
-                <a:spcPct val="100000"/>
-              </a:lnSpc>
-              <a:spcBef>
-                <a:spcPts val="0"/>
-              </a:spcBef>
-              <a:spcAft>
-                <a:spcPts val="0"/>
-              </a:spcAft>
-              <a:buSzPct val="100000"/>
-              <a:buFont typeface="Montserrat"/>
+            <a:endParaRPr/>
+          </a:p>
+          <a:p>
+            <a:pPr indent="-311150" lvl="0" marL="457200" rtl="0" algn="l">
+              <a:spcBef>
+                <a:spcPts val="0"/>
+              </a:spcBef>
+              <a:spcAft>
+                <a:spcPts val="0"/>
+              </a:spcAft>
+              <a:buSzPts val="1300"/>
               <a:buAutoNum type="arabicPeriod"/>
             </a:pPr>
             <a:r>
-              <a:rPr lang="hu" sz="2400">
-                <a:latin typeface="Montserrat"/>
-                <a:ea typeface="Montserrat"/>
-                <a:cs typeface="Montserrat"/>
-                <a:sym typeface="Montserrat"/>
+              <a:rPr lang="hu" u="sng">
+                <a:solidFill>
+                  <a:schemeClr val="hlink"/>
+                </a:solidFill>
+                <a:hlinkClick action="ppaction://hlinksldjump" r:id="rId5"/>
               </a:rPr>
               <a:t>Creating the staging-, dimension and derived fact tables</a:t>
             </a:r>
-            <a:endParaRPr sz="2400">
-              <a:latin typeface="Montserrat"/>
-              <a:ea typeface="Montserrat"/>
-              <a:cs typeface="Montserrat"/>
-              <a:sym typeface="Montserrat"/>
-            </a:endParaRPr>
-          </a:p>
-          <a:p>
-            <a:pPr indent="-335280" lvl="0" marL="457200" rtl="0" algn="l">
-              <a:lnSpc>
-                <a:spcPct val="100000"/>
-              </a:lnSpc>
-              <a:spcBef>
-                <a:spcPts val="0"/>
-              </a:spcBef>
-              <a:spcAft>
-                <a:spcPts val="0"/>
-              </a:spcAft>
-              <a:buSzPct val="100000"/>
-              <a:buFont typeface="Montserrat"/>
+            <a:endParaRPr/>
+          </a:p>
+          <a:p>
+            <a:pPr indent="-311150" lvl="0" marL="457200" rtl="0" algn="l">
+              <a:spcBef>
+                <a:spcPts val="0"/>
+              </a:spcBef>
+              <a:spcAft>
+                <a:spcPts val="0"/>
+              </a:spcAft>
+              <a:buSzPts val="1300"/>
               <a:buAutoNum type="arabicPeriod"/>
             </a:pPr>
             <a:r>
-              <a:rPr lang="hu" sz="2400">
-                <a:latin typeface="Montserrat"/>
-                <a:ea typeface="Montserrat"/>
-                <a:cs typeface="Montserrat"/>
-                <a:sym typeface="Montserrat"/>
+              <a:rPr lang="hu" u="sng">
+                <a:solidFill>
+                  <a:schemeClr val="hlink"/>
+                </a:solidFill>
+                <a:hlinkClick action="ppaction://hlinksldjump" r:id="rId6"/>
               </a:rPr>
-              <a:t>What are the most popular start and end stations?</a:t>
-            </a:r>
-            <a:endParaRPr sz="2400">
-              <a:latin typeface="Montserrat"/>
-              <a:ea typeface="Montserrat"/>
-              <a:cs typeface="Montserrat"/>
-              <a:sym typeface="Montserrat"/>
-            </a:endParaRPr>
-          </a:p>
-          <a:p>
-            <a:pPr indent="-335280" lvl="0" marL="457200" rtl="0" algn="l">
-              <a:lnSpc>
-                <a:spcPct val="100000"/>
-              </a:lnSpc>
-              <a:spcBef>
-                <a:spcPts val="0"/>
-              </a:spcBef>
-              <a:spcAft>
-                <a:spcPts val="0"/>
-              </a:spcAft>
-              <a:buSzPct val="100000"/>
-              <a:buFont typeface="Montserrat"/>
+              <a:t>Most popular start and end stations</a:t>
+            </a:r>
+            <a:endParaRPr/>
+          </a:p>
+          <a:p>
+            <a:pPr indent="-311150" lvl="0" marL="457200" rtl="0" algn="l">
+              <a:spcBef>
+                <a:spcPts val="0"/>
+              </a:spcBef>
+              <a:spcAft>
+                <a:spcPts val="0"/>
+              </a:spcAft>
+              <a:buSzPts val="1300"/>
               <a:buAutoNum type="arabicPeriod"/>
             </a:pPr>
             <a:r>
-              <a:rPr lang="hu" sz="2400">
-                <a:latin typeface="Montserrat"/>
-                <a:ea typeface="Montserrat"/>
-                <a:cs typeface="Montserrat"/>
-                <a:sym typeface="Montserrat"/>
+              <a:rPr lang="hu" u="sng">
+                <a:solidFill>
+                  <a:schemeClr val="hlink"/>
+                </a:solidFill>
+                <a:hlinkClick action="ppaction://hlinksldjump" r:id="rId7"/>
               </a:rPr>
-              <a:t>Is there a relationship between the number of docks and the number of bicycles hired?</a:t>
-            </a:r>
-            <a:endParaRPr sz="2400">
-              <a:latin typeface="Montserrat"/>
-              <a:ea typeface="Montserrat"/>
-              <a:cs typeface="Montserrat"/>
-              <a:sym typeface="Montserrat"/>
-            </a:endParaRPr>
-          </a:p>
-          <a:p>
-            <a:pPr indent="-335280" lvl="0" marL="457200" rtl="0" algn="l">
-              <a:lnSpc>
-                <a:spcPct val="100000"/>
-              </a:lnSpc>
-              <a:spcBef>
-                <a:spcPts val="0"/>
-              </a:spcBef>
-              <a:spcAft>
-                <a:spcPts val="0"/>
-              </a:spcAft>
-              <a:buSzPct val="100000"/>
-              <a:buFont typeface="Montserrat"/>
+              <a:t>Relationship between the number of docks and the number of bicycles hired</a:t>
+            </a:r>
+            <a:endParaRPr/>
+          </a:p>
+          <a:p>
+            <a:pPr indent="-311150" lvl="0" marL="457200" rtl="0" algn="l">
+              <a:spcBef>
+                <a:spcPts val="0"/>
+              </a:spcBef>
+              <a:spcAft>
+                <a:spcPts val="0"/>
+              </a:spcAft>
+              <a:buSzPts val="1300"/>
               <a:buAutoNum type="arabicPeriod"/>
             </a:pPr>
             <a:r>
-              <a:rPr lang="hu" sz="2400">
-                <a:latin typeface="Montserrat"/>
-                <a:ea typeface="Montserrat"/>
-                <a:cs typeface="Montserrat"/>
-                <a:sym typeface="Montserrat"/>
+              <a:rPr lang="hu" u="sng">
+                <a:solidFill>
+                  <a:schemeClr val="hlink"/>
+                </a:solidFill>
+                <a:hlinkClick action="ppaction://hlinksldjump" r:id="rId8"/>
               </a:rPr>
-              <a:t>Are there any stations that should be expanded based on high usage?</a:t>
-            </a:r>
-            <a:endParaRPr sz="2400">
-              <a:latin typeface="Montserrat"/>
-              <a:ea typeface="Montserrat"/>
-              <a:cs typeface="Montserrat"/>
-              <a:sym typeface="Montserrat"/>
-            </a:endParaRPr>
-          </a:p>
-          <a:p>
-            <a:pPr indent="-335280" lvl="0" marL="457200" rtl="0" algn="l">
-              <a:lnSpc>
-                <a:spcPct val="100000"/>
-              </a:lnSpc>
-              <a:spcBef>
-                <a:spcPts val="0"/>
-              </a:spcBef>
-              <a:spcAft>
-                <a:spcPts val="0"/>
-              </a:spcAft>
-              <a:buSzPct val="100000"/>
-              <a:buFont typeface="Montserrat"/>
+              <a:t>Station expansion based on high usage</a:t>
+            </a:r>
+            <a:endParaRPr/>
+          </a:p>
+          <a:p>
+            <a:pPr indent="-311150" lvl="0" marL="457200" rtl="0" algn="l">
+              <a:spcBef>
+                <a:spcPts val="0"/>
+              </a:spcBef>
+              <a:spcAft>
+                <a:spcPts val="0"/>
+              </a:spcAft>
+              <a:buSzPts val="1300"/>
               <a:buAutoNum type="arabicPeriod"/>
             </a:pPr>
             <a:r>
-              <a:rPr lang="hu" sz="2400">
-                <a:latin typeface="Montserrat"/>
-                <a:ea typeface="Montserrat"/>
-                <a:cs typeface="Montserrat"/>
-                <a:sym typeface="Montserrat"/>
+              <a:rPr lang="hu" u="sng">
+                <a:solidFill>
+                  <a:schemeClr val="hlink"/>
+                </a:solidFill>
+                <a:hlinkClick action="ppaction://hlinksldjump" r:id="rId9"/>
               </a:rPr>
               <a:t>Commuting Patterns</a:t>
             </a:r>
-            <a:endParaRPr sz="2400">
-              <a:latin typeface="Montserrat"/>
-              <a:ea typeface="Montserrat"/>
-              <a:cs typeface="Montserrat"/>
-              <a:sym typeface="Montserrat"/>
-            </a:endParaRPr>
-          </a:p>
-          <a:p>
-            <a:pPr indent="-335280" lvl="0" marL="457200" rtl="0" algn="l">
-              <a:lnSpc>
-                <a:spcPct val="100000"/>
-              </a:lnSpc>
-              <a:spcBef>
-                <a:spcPts val="0"/>
-              </a:spcBef>
-              <a:spcAft>
-                <a:spcPts val="0"/>
-              </a:spcAft>
-              <a:buSzPct val="100000"/>
-              <a:buFont typeface="Montserrat"/>
+            <a:endParaRPr/>
+          </a:p>
+          <a:p>
+            <a:pPr indent="-311150" lvl="0" marL="457200" rtl="0" algn="l">
+              <a:spcBef>
+                <a:spcPts val="0"/>
+              </a:spcBef>
+              <a:spcAft>
+                <a:spcPts val="0"/>
+              </a:spcAft>
+              <a:buSzPts val="1300"/>
               <a:buAutoNum type="arabicPeriod"/>
             </a:pPr>
             <a:r>
-              <a:rPr lang="hu" sz="2400">
-                <a:latin typeface="Montserrat"/>
-                <a:ea typeface="Montserrat"/>
-                <a:cs typeface="Montserrat"/>
-                <a:sym typeface="Montserrat"/>
+              <a:rPr lang="hu" u="sng">
+                <a:solidFill>
+                  <a:schemeClr val="hlink"/>
+                </a:solidFill>
+                <a:hlinkClick action="ppaction://hlinksldjump" r:id="rId10"/>
               </a:rPr>
               <a:t>Rental duration analysis</a:t>
             </a:r>
-            <a:endParaRPr sz="2400">
-              <a:latin typeface="Montserrat"/>
-              <a:ea typeface="Montserrat"/>
-              <a:cs typeface="Montserrat"/>
-              <a:sym typeface="Montserrat"/>
-            </a:endParaRPr>
-          </a:p>
-          <a:p>
-            <a:pPr indent="-335280" lvl="0" marL="457200" rtl="0" algn="l">
-              <a:lnSpc>
-                <a:spcPct val="100000"/>
-              </a:lnSpc>
-              <a:spcBef>
-                <a:spcPts val="0"/>
-              </a:spcBef>
-              <a:spcAft>
-                <a:spcPts val="0"/>
-              </a:spcAft>
-              <a:buSzPct val="100000"/>
-              <a:buFont typeface="Montserrat"/>
+            <a:endParaRPr/>
+          </a:p>
+          <a:p>
+            <a:pPr indent="-311150" lvl="0" marL="457200" rtl="0" algn="l">
+              <a:spcBef>
+                <a:spcPts val="0"/>
+              </a:spcBef>
+              <a:spcAft>
+                <a:spcPts val="0"/>
+              </a:spcAft>
+              <a:buSzPts val="1300"/>
               <a:buAutoNum type="arabicPeriod"/>
             </a:pPr>
             <a:r>
-              <a:rPr lang="hu" sz="2400">
-                <a:latin typeface="Montserrat"/>
-                <a:ea typeface="Montserrat"/>
-                <a:cs typeface="Montserrat"/>
-                <a:sym typeface="Montserrat"/>
+              <a:rPr lang="hu" u="sng">
+                <a:solidFill>
+                  <a:schemeClr val="hlink"/>
+                </a:solidFill>
+                <a:hlinkClick action="ppaction://hlinksldjump" r:id="rId11"/>
               </a:rPr>
               <a:t>Most common times of day and days of week for bicycle hire (+ monthly trends)</a:t>
             </a:r>
-            <a:endParaRPr sz="2400">
-              <a:latin typeface="Montserrat"/>
-              <a:ea typeface="Montserrat"/>
-              <a:cs typeface="Montserrat"/>
-              <a:sym typeface="Montserrat"/>
-            </a:endParaRPr>
-          </a:p>
-          <a:p>
-            <a:pPr indent="-335280" lvl="0" marL="457200" rtl="0" algn="l">
-              <a:lnSpc>
-                <a:spcPct val="100000"/>
-              </a:lnSpc>
-              <a:spcBef>
-                <a:spcPts val="0"/>
-              </a:spcBef>
-              <a:spcAft>
-                <a:spcPts val="0"/>
-              </a:spcAft>
-              <a:buSzPct val="100000"/>
-              <a:buFont typeface="Montserrat"/>
+            <a:endParaRPr/>
+          </a:p>
+          <a:p>
+            <a:pPr indent="-311150" lvl="0" marL="457200" rtl="0" algn="l">
+              <a:spcBef>
+                <a:spcPts val="0"/>
+              </a:spcBef>
+              <a:spcAft>
+                <a:spcPts val="0"/>
+              </a:spcAft>
+              <a:buSzPts val="1300"/>
               <a:buAutoNum type="arabicPeriod"/>
             </a:pPr>
             <a:r>
-              <a:rPr lang="hu" sz="2400">
-                <a:latin typeface="Montserrat"/>
-                <a:ea typeface="Montserrat"/>
-                <a:cs typeface="Montserrat"/>
-                <a:sym typeface="Montserrat"/>
+              <a:rPr lang="hu" u="sng">
+                <a:solidFill>
+                  <a:schemeClr val="hlink"/>
+                </a:solidFill>
+                <a:hlinkClick action="ppaction://hlinksldjump" r:id="rId12"/>
               </a:rPr>
               <a:t>London weather data analysis</a:t>
             </a:r>
@@ -13911,7 +13759,7 @@
         </p:nvSpPr>
         <p:spPr>
           <a:xfrm>
-            <a:off x="1297500" y="2026475"/>
+            <a:off x="1297500" y="1789750"/>
             <a:ext cx="5128200" cy="2911200"/>
           </a:xfrm>
           <a:prstGeom prst="rect">
@@ -13920,7 +13768,7 @@
         </p:spPr>
         <p:txBody>
           <a:bodyPr anchorCtr="0" anchor="t" bIns="91425" lIns="91425" spcFirstLastPara="1" rIns="91425" wrap="square" tIns="91425">
-            <a:normAutofit/>
+            <a:normAutofit fontScale="85000" lnSpcReduction="20000"/>
           </a:bodyPr>
           <a:lstStyle/>
           <a:p>
@@ -13935,36 +13783,72 @@
             </a:pPr>
             <a:r>
               <a:rPr lang="hu"/>
-              <a:t>After checking for </a:t>
-            </a:r>
-            <a:r>
-              <a:rPr lang="hu" u="sng">
-                <a:solidFill>
-                  <a:schemeClr val="hlink"/>
-                </a:solidFill>
-                <a:hlinkClick r:id="rId3"/>
-              </a:rPr>
-              <a:t>multicollinearity </a:t>
-            </a:r>
+              <a:t>Following an assessment for multicollinearity, which indicated the absence of any multicollinearity issues, intriguing correlations have emerged. Notably:</a:t>
+            </a:r>
+            <a:endParaRPr/>
+          </a:p>
+          <a:p>
+            <a:pPr indent="-298767" lvl="0" marL="457200" rtl="0" algn="l">
+              <a:spcBef>
+                <a:spcPts val="1200"/>
+              </a:spcBef>
+              <a:spcAft>
+                <a:spcPts val="0"/>
+              </a:spcAft>
+              <a:buSzPct val="100000"/>
+              <a:buChar char="●"/>
+            </a:pPr>
             <a:r>
               <a:rPr lang="hu"/>
-              <a:t>which signals no multicollinearity problem, we can see a few interesting correlations.</a:t>
+              <a:t>The number of rentals displays a positive correlation with temperature and the hour of the day.</a:t>
             </a:r>
             <a:endParaRPr/>
           </a:p>
           <a:p>
+            <a:pPr indent="-298767" lvl="0" marL="457200" rtl="0" algn="l">
+              <a:spcBef>
+                <a:spcPts val="0"/>
+              </a:spcBef>
+              <a:spcAft>
+                <a:spcPts val="0"/>
+              </a:spcAft>
+              <a:buSzPct val="100000"/>
+              <a:buChar char="●"/>
+            </a:pPr>
+            <a:r>
+              <a:rPr lang="hu"/>
+              <a:t>Conversely, there is a negative correlation between the number of rentals and humidity.</a:t>
+            </a:r>
+            <a:endParaRPr/>
+          </a:p>
+          <a:p>
             <a:pPr indent="0" lvl="0" marL="0" rtl="0" algn="l">
               <a:spcBef>
                 <a:spcPts val="1200"/>
               </a:spcBef>
               <a:spcAft>
+                <a:spcPts val="0"/>
+              </a:spcAft>
+              <a:buNone/>
+            </a:pPr>
+            <a:r>
+              <a:rPr lang="hu"/>
+              <a:t>These correlations underscore the influence of weather factors, particularly temperature and humidity, on bike rental patterns. The positive correlation with temperature suggests increased usage during warmer conditions, while the negative correlation with humidity implies a decrease in rentals during more humid weather. Additionally, the positive correlation with the hour of the day aligns with the commuting patterns observed in the previous analyses.</a:t>
+            </a:r>
+            <a:endParaRPr/>
+          </a:p>
+          <a:p>
+            <a:pPr indent="0" lvl="0" marL="0" rtl="0" algn="l">
+              <a:spcBef>
                 <a:spcPts val="1200"/>
-              </a:spcAft>
-              <a:buNone/>
-            </a:pPr>
-            <a:r>
-              <a:rPr lang="hu"/>
-              <a:t>The number of rentals seem to correlate positively with the temperature and the hour and correlate negatively with humidity.</a:t>
+              </a:spcBef>
+              <a:spcAft>
+                <a:spcPts val="1200"/>
+              </a:spcAft>
+              <a:buNone/>
+            </a:pPr>
+            <a:r>
+              <a:t/>
             </a:r>
             <a:endParaRPr/>
           </a:p>
@@ -13977,7 +13861,7 @@
           <p:nvPr/>
         </p:nvPicPr>
         <p:blipFill>
-          <a:blip r:embed="rId4">
+          <a:blip r:embed="rId3">
             <a:alphaModFix/>
           </a:blip>
           <a:stretch>
@@ -14082,7 +13966,7 @@
         </p:spPr>
         <p:txBody>
           <a:bodyPr anchorCtr="0" anchor="t" bIns="91425" lIns="91425" spcFirstLastPara="1" rIns="91425" wrap="square" tIns="91425">
-            <a:normAutofit fontScale="85000" lnSpcReduction="20000"/>
+            <a:normAutofit fontScale="62500" lnSpcReduction="20000"/>
           </a:bodyPr>
           <a:lstStyle/>
           <a:p>
@@ -14097,12 +13981,12 @@
             </a:pPr>
             <a:r>
               <a:rPr lang="hu"/>
-              <a:t>Looking at rentals with the hours on the X axis we can deduct several trend:</a:t>
+              <a:t>Analyzing rentals in relation to the hours of the day reveals several trends:</a:t>
             </a:r>
             <a:endParaRPr/>
           </a:p>
           <a:p>
-            <a:pPr indent="-298767" lvl="0" marL="457200" rtl="0" algn="l">
+            <a:pPr indent="-280193" lvl="0" marL="457200" rtl="0" algn="l">
               <a:spcBef>
                 <a:spcPts val="1200"/>
               </a:spcBef>
@@ -14114,12 +13998,12 @@
             </a:pPr>
             <a:r>
               <a:rPr lang="hu"/>
-              <a:t>As previously seen, the number of rentals has a bimodal distribution during the day (peak around 8am and 5-6pm</a:t>
+              <a:t>Consistent with previous findings, the number of rentals follows a bimodal distribution throughout the day, with peaks around 8 am and 5-6 pm, reflecting morning and evening commuting patterns.</a:t>
             </a:r>
             <a:endParaRPr/>
           </a:p>
           <a:p>
-            <a:pPr indent="-298767" lvl="0" marL="457200" rtl="0" algn="l">
+            <a:pPr indent="-280193" lvl="0" marL="457200" rtl="0" algn="l">
               <a:spcBef>
                 <a:spcPts val="0"/>
               </a:spcBef>
@@ -14131,12 +14015,12 @@
             </a:pPr>
             <a:r>
               <a:rPr lang="hu"/>
-              <a:t>If we split this by holidays, the trend changes, turning into a single modal and flatter distribution</a:t>
+              <a:t>When isolating data for holidays, this trend transforms into a single modal distribution with a flatter shape.</a:t>
             </a:r>
             <a:endParaRPr/>
           </a:p>
           <a:p>
-            <a:pPr indent="-298767" lvl="0" marL="457200" rtl="0" algn="l">
+            <a:pPr indent="-280193" lvl="0" marL="457200" rtl="0" algn="l">
               <a:spcBef>
                 <a:spcPts val="0"/>
               </a:spcBef>
@@ -14148,12 +14032,12 @@
             </a:pPr>
             <a:r>
               <a:rPr lang="hu"/>
-              <a:t>The weekends are very similar to the holidays.</a:t>
+              <a:t>Weekends exhibit a similar pattern to holidays, further reinforcing the flattening effect on the distribution.</a:t>
             </a:r>
             <a:endParaRPr/>
           </a:p>
           <a:p>
-            <a:pPr indent="-298767" lvl="0" marL="457200" rtl="0" algn="l">
+            <a:pPr indent="-280193" lvl="0" marL="457200" rtl="0" algn="l">
               <a:spcBef>
                 <a:spcPts val="0"/>
               </a:spcBef>
@@ -14165,7 +14049,23 @@
             </a:pPr>
             <a:r>
               <a:rPr lang="hu"/>
-              <a:t>Regarding the seasons, Summer has the highest usage in general, specially late afternoon, Sprint and Fall being the in the middle, with Winter lagging way behind</a:t>
+              <a:t>Considering seasons, Summer registers the highest overall usage, particularly in the late afternoon. Spring and Fall fall in between, while Winter significantly lags behind in terms of bike usage.</a:t>
+            </a:r>
+            <a:endParaRPr/>
+          </a:p>
+          <a:p>
+            <a:pPr indent="0" lvl="0" marL="0" rtl="0" algn="l">
+              <a:spcBef>
+                <a:spcPts val="1200"/>
+              </a:spcBef>
+              <a:spcAft>
+                <a:spcPts val="1200"/>
+              </a:spcAft>
+              <a:buNone/>
+            </a:pPr>
+            <a:r>
+              <a:rPr lang="hu"/>
+              <a:t>These trends provide valuable insights into how usage patterns fluctuate throughout the day, across holidays, weekends, and seasons, aiding in optimizing bike availability and operational strategies.</a:t>
             </a:r>
             <a:endParaRPr/>
           </a:p>
@@ -14199,6 +14099,539 @@
           </a:ln>
         </p:spPr>
       </p:pic>
+    </p:spTree>
+  </p:cSld>
+  <p:clrMapOvr>
+    <a:masterClrMapping/>
+  </p:clrMapOvr>
+</p:sld>
+</file>
+
+<file path=ppt/slides/slide22.xml><?xml version="1.0" encoding="utf-8"?>
+<p:sld xmlns:a="http://schemas.openxmlformats.org/drawingml/2006/main" xmlns:r="http://schemas.openxmlformats.org/officeDocument/2006/relationships" xmlns:mc="http://schemas.openxmlformats.org/markup-compatibility/2006" xmlns:mv="urn:schemas-microsoft-com:mac:vml" xmlns:p="http://schemas.openxmlformats.org/presentationml/2006/main" xmlns:c="http://schemas.openxmlformats.org/drawingml/2006/chart" xmlns:dgm="http://schemas.openxmlformats.org/drawingml/2006/diagram" xmlns:o="urn:schemas-microsoft-com:office:office" xmlns:v="urn:schemas-microsoft-com:vml" xmlns:pvml="urn:schemas-microsoft-com:office:powerpoint" xmlns:com="http://schemas.openxmlformats.org/drawingml/2006/compatibility" xmlns:p14="http://schemas.microsoft.com/office/powerpoint/2010/main" xmlns:p15="http://schemas.microsoft.com/office/powerpoint/2012/main" xmlns:ahyp="http://schemas.microsoft.com/office/drawing/2018/hyperlinkcolor">
+  <p:cSld>
+    <p:spTree>
+      <p:nvGrpSpPr>
+        <p:cNvPr id="281" name="Shape 281"/>
+        <p:cNvGrpSpPr/>
+        <p:nvPr/>
+      </p:nvGrpSpPr>
+      <p:grpSpPr>
+        <a:xfrm>
+          <a:off x="0" y="0"/>
+          <a:ext cx="0" cy="0"/>
+          <a:chOff x="0" y="0"/>
+          <a:chExt cx="0" cy="0"/>
+        </a:xfrm>
+      </p:grpSpPr>
+      <p:sp>
+        <p:nvSpPr>
+          <p:cNvPr id="282" name="Google Shape;282;p34"/>
+          <p:cNvSpPr txBox="1"/>
+          <p:nvPr>
+            <p:ph type="title"/>
+          </p:nvPr>
+        </p:nvSpPr>
+        <p:spPr>
+          <a:xfrm>
+            <a:off x="1297500" y="393750"/>
+            <a:ext cx="7038900" cy="914100"/>
+          </a:xfrm>
+          <a:prstGeom prst="rect">
+            <a:avLst/>
+          </a:prstGeom>
+        </p:spPr>
+        <p:txBody>
+          <a:bodyPr anchorCtr="0" anchor="t" bIns="91425" lIns="91425" spcFirstLastPara="1" rIns="91425" wrap="square" tIns="91425">
+            <a:normAutofit/>
+          </a:bodyPr>
+          <a:lstStyle/>
+          <a:p>
+            <a:pPr indent="0" lvl="0" marL="0" rtl="0" algn="l">
+              <a:spcBef>
+                <a:spcPts val="0"/>
+              </a:spcBef>
+              <a:spcAft>
+                <a:spcPts val="0"/>
+              </a:spcAft>
+              <a:buNone/>
+            </a:pPr>
+            <a:r>
+              <a:rPr lang="hu"/>
+              <a:t>12. Conclusions</a:t>
+            </a:r>
+            <a:endParaRPr/>
+          </a:p>
+        </p:txBody>
+      </p:sp>
+      <p:sp>
+        <p:nvSpPr>
+          <p:cNvPr id="283" name="Google Shape;283;p34"/>
+          <p:cNvSpPr txBox="1"/>
+          <p:nvPr>
+            <p:ph idx="1" type="body"/>
+          </p:nvPr>
+        </p:nvSpPr>
+        <p:spPr>
+          <a:xfrm>
+            <a:off x="1297500" y="1567550"/>
+            <a:ext cx="3403200" cy="2911200"/>
+          </a:xfrm>
+          <a:prstGeom prst="rect">
+            <a:avLst/>
+          </a:prstGeom>
+        </p:spPr>
+        <p:txBody>
+          <a:bodyPr anchorCtr="0" anchor="t" bIns="91425" lIns="91425" spcFirstLastPara="1" rIns="91425" wrap="square" tIns="91425">
+            <a:normAutofit fontScale="55000"/>
+          </a:bodyPr>
+          <a:lstStyle/>
+          <a:p>
+            <a:pPr indent="0" lvl="0" marL="0" rtl="0" algn="l">
+              <a:spcBef>
+                <a:spcPts val="0"/>
+              </a:spcBef>
+              <a:spcAft>
+                <a:spcPts val="0"/>
+              </a:spcAft>
+              <a:buNone/>
+            </a:pPr>
+            <a:r>
+              <a:rPr lang="hu"/>
+              <a:t>User Patterns and Trends</a:t>
+            </a:r>
+            <a:endParaRPr/>
+          </a:p>
+          <a:p>
+            <a:pPr indent="-274002" lvl="0" marL="457200" rtl="0" algn="l">
+              <a:spcBef>
+                <a:spcPts val="1200"/>
+              </a:spcBef>
+              <a:spcAft>
+                <a:spcPts val="0"/>
+              </a:spcAft>
+              <a:buSzPct val="100000"/>
+              <a:buChar char="●"/>
+            </a:pPr>
+            <a:r>
+              <a:rPr lang="hu"/>
+              <a:t>Ride usage follows bimodal peaks around 8 am and 5-6 pm.</a:t>
+            </a:r>
+            <a:endParaRPr/>
+          </a:p>
+          <a:p>
+            <a:pPr indent="-274002" lvl="0" marL="457200" rtl="0" algn="l">
+              <a:spcBef>
+                <a:spcPts val="0"/>
+              </a:spcBef>
+              <a:spcAft>
+                <a:spcPts val="0"/>
+              </a:spcAft>
+              <a:buSzPct val="100000"/>
+              <a:buChar char="●"/>
+            </a:pPr>
+            <a:r>
+              <a:rPr lang="hu"/>
+              <a:t>Holidays and weekends reshape the pattern to a flatter distribution.</a:t>
+            </a:r>
+            <a:endParaRPr/>
+          </a:p>
+          <a:p>
+            <a:pPr indent="-274002" lvl="0" marL="457200" rtl="0" algn="l">
+              <a:spcBef>
+                <a:spcPts val="0"/>
+              </a:spcBef>
+              <a:spcAft>
+                <a:spcPts val="0"/>
+              </a:spcAft>
+              <a:buSzPct val="100000"/>
+              <a:buChar char="●"/>
+            </a:pPr>
+            <a:r>
+              <a:rPr lang="hu"/>
+              <a:t>Ride count positively correlates with temperature and hour of the day.</a:t>
+            </a:r>
+            <a:endParaRPr/>
+          </a:p>
+          <a:p>
+            <a:pPr indent="-274002" lvl="0" marL="457200" rtl="0" algn="l">
+              <a:spcBef>
+                <a:spcPts val="0"/>
+              </a:spcBef>
+              <a:spcAft>
+                <a:spcPts val="0"/>
+              </a:spcAft>
+              <a:buSzPct val="100000"/>
+              <a:buChar char="●"/>
+            </a:pPr>
+            <a:r>
+              <a:rPr lang="hu"/>
+              <a:t>Negative correlation observed with humidity.</a:t>
+            </a:r>
+            <a:endParaRPr/>
+          </a:p>
+          <a:p>
+            <a:pPr indent="0" lvl="0" marL="0" rtl="0" algn="l">
+              <a:spcBef>
+                <a:spcPts val="1200"/>
+              </a:spcBef>
+              <a:spcAft>
+                <a:spcPts val="0"/>
+              </a:spcAft>
+              <a:buNone/>
+            </a:pPr>
+            <a:r>
+              <a:rPr lang="hu"/>
+              <a:t>Seasonal Insights</a:t>
+            </a:r>
+            <a:endParaRPr/>
+          </a:p>
+          <a:p>
+            <a:pPr indent="-274002" lvl="0" marL="457200" rtl="0" algn="l">
+              <a:spcBef>
+                <a:spcPts val="1200"/>
+              </a:spcBef>
+              <a:spcAft>
+                <a:spcPts val="0"/>
+              </a:spcAft>
+              <a:buSzPct val="100000"/>
+              <a:buChar char="●"/>
+            </a:pPr>
+            <a:r>
+              <a:rPr lang="hu"/>
+              <a:t>Usage peaks during Summer, tapers in Spring and Fall, and dips in Winter.</a:t>
+            </a:r>
+            <a:endParaRPr/>
+          </a:p>
+          <a:p>
+            <a:pPr indent="-274002" lvl="0" marL="457200" rtl="0" algn="l">
+              <a:spcBef>
+                <a:spcPts val="0"/>
+              </a:spcBef>
+              <a:spcAft>
+                <a:spcPts val="0"/>
+              </a:spcAft>
+              <a:buSzPct val="100000"/>
+              <a:buChar char="●"/>
+            </a:pPr>
+            <a:r>
+              <a:rPr lang="hu"/>
+              <a:t>Spring and Summer rides extend by 2-4 mins compared to other seasons.</a:t>
+            </a:r>
+            <a:endParaRPr/>
+          </a:p>
+          <a:p>
+            <a:pPr indent="-274002" lvl="0" marL="457200" rtl="0" algn="l">
+              <a:spcBef>
+                <a:spcPts val="0"/>
+              </a:spcBef>
+              <a:spcAft>
+                <a:spcPts val="0"/>
+              </a:spcAft>
+              <a:buSzPct val="100000"/>
+              <a:buChar char="●"/>
+            </a:pPr>
+            <a:r>
+              <a:rPr lang="hu"/>
+              <a:t>Electric bikes have a modest impact, shifting distribution by ~4 mins.</a:t>
+            </a:r>
+            <a:endParaRPr/>
+          </a:p>
+          <a:p>
+            <a:pPr indent="0" lvl="0" marL="0" rtl="0" algn="l">
+              <a:spcBef>
+                <a:spcPts val="1200"/>
+              </a:spcBef>
+              <a:spcAft>
+                <a:spcPts val="0"/>
+              </a:spcAft>
+              <a:buNone/>
+            </a:pPr>
+            <a:r>
+              <a:rPr lang="hu"/>
+              <a:t>Ride Durations and Weather</a:t>
+            </a:r>
+            <a:endParaRPr/>
+          </a:p>
+          <a:p>
+            <a:pPr indent="-274002" lvl="0" marL="457200" rtl="0" algn="l">
+              <a:spcBef>
+                <a:spcPts val="1200"/>
+              </a:spcBef>
+              <a:spcAft>
+                <a:spcPts val="0"/>
+              </a:spcAft>
+              <a:buSzPct val="100000"/>
+              <a:buChar char="●"/>
+            </a:pPr>
+            <a:r>
+              <a:rPr lang="hu"/>
+              <a:t>Ride durations exhibit a skewed distribution with heavy leftward tilt.</a:t>
+            </a:r>
+            <a:endParaRPr/>
+          </a:p>
+          <a:p>
+            <a:pPr indent="-274002" lvl="0" marL="457200" rtl="0" algn="l">
+              <a:spcBef>
+                <a:spcPts val="0"/>
+              </a:spcBef>
+              <a:spcAft>
+                <a:spcPts val="0"/>
+              </a:spcAft>
+              <a:buSzPct val="100000"/>
+              <a:buChar char="●"/>
+            </a:pPr>
+            <a:r>
+              <a:rPr lang="hu"/>
+              <a:t>Short rides (&lt;5 mins) as common as 25-30 min rides.</a:t>
+            </a:r>
+            <a:endParaRPr/>
+          </a:p>
+          <a:p>
+            <a:pPr indent="-274002" lvl="0" marL="457200" rtl="0" algn="l">
+              <a:spcBef>
+                <a:spcPts val="0"/>
+              </a:spcBef>
+              <a:spcAft>
+                <a:spcPts val="0"/>
+              </a:spcAft>
+              <a:buSzPct val="100000"/>
+              <a:buChar char="●"/>
+            </a:pPr>
+            <a:r>
+              <a:rPr lang="hu"/>
+              <a:t>Majority of rides fall within 0-40 min range.</a:t>
+            </a:r>
+            <a:endParaRPr/>
+          </a:p>
+        </p:txBody>
+      </p:sp>
+      <p:sp>
+        <p:nvSpPr>
+          <p:cNvPr id="284" name="Google Shape;284;p34"/>
+          <p:cNvSpPr txBox="1"/>
+          <p:nvPr>
+            <p:ph idx="2" type="body"/>
+          </p:nvPr>
+        </p:nvSpPr>
+        <p:spPr>
+          <a:xfrm>
+            <a:off x="4933221" y="1567550"/>
+            <a:ext cx="3403200" cy="2911200"/>
+          </a:xfrm>
+          <a:prstGeom prst="rect">
+            <a:avLst/>
+          </a:prstGeom>
+        </p:spPr>
+        <p:txBody>
+          <a:bodyPr anchorCtr="0" anchor="t" bIns="91425" lIns="91425" spcFirstLastPara="1" rIns="91425" wrap="square" tIns="91425">
+            <a:normAutofit fontScale="62500"/>
+          </a:bodyPr>
+          <a:lstStyle/>
+          <a:p>
+            <a:pPr indent="0" lvl="0" marL="0" rtl="0" algn="l">
+              <a:spcBef>
+                <a:spcPts val="0"/>
+              </a:spcBef>
+              <a:spcAft>
+                <a:spcPts val="0"/>
+              </a:spcAft>
+              <a:buNone/>
+            </a:pPr>
+            <a:r>
+              <a:rPr lang="hu"/>
+              <a:t>Weekend and Weekday Behavior</a:t>
+            </a:r>
+            <a:endParaRPr/>
+          </a:p>
+          <a:p>
+            <a:pPr indent="-280193" lvl="0" marL="457200" rtl="0" algn="l">
+              <a:spcBef>
+                <a:spcPts val="1200"/>
+              </a:spcBef>
+              <a:spcAft>
+                <a:spcPts val="0"/>
+              </a:spcAft>
+              <a:buSzPct val="100000"/>
+              <a:buChar char="●"/>
+            </a:pPr>
+            <a:r>
+              <a:rPr lang="hu"/>
+              <a:t>Weekends see fewer rides, but longer durations.</a:t>
+            </a:r>
+            <a:endParaRPr/>
+          </a:p>
+          <a:p>
+            <a:pPr indent="-280193" lvl="0" marL="457200" rtl="0" algn="l">
+              <a:spcBef>
+                <a:spcPts val="0"/>
+              </a:spcBef>
+              <a:spcAft>
+                <a:spcPts val="0"/>
+              </a:spcAft>
+              <a:buSzPct val="100000"/>
+              <a:buChar char="●"/>
+            </a:pPr>
+            <a:r>
+              <a:rPr lang="hu"/>
+              <a:t>Distribution declines gently with a higher tail on weekends.</a:t>
+            </a:r>
+            <a:endParaRPr/>
+          </a:p>
+          <a:p>
+            <a:pPr indent="-280193" lvl="0" marL="457200" rtl="0" algn="l">
+              <a:spcBef>
+                <a:spcPts val="0"/>
+              </a:spcBef>
+              <a:spcAft>
+                <a:spcPts val="0"/>
+              </a:spcAft>
+              <a:buSzPct val="100000"/>
+              <a:buChar char="●"/>
+            </a:pPr>
+            <a:r>
+              <a:rPr lang="hu"/>
+              <a:t>40-min leisure rides almost double on weekends.</a:t>
+            </a:r>
+            <a:endParaRPr/>
+          </a:p>
+          <a:p>
+            <a:pPr indent="0" lvl="0" marL="0" rtl="0" algn="l">
+              <a:spcBef>
+                <a:spcPts val="1200"/>
+              </a:spcBef>
+              <a:spcAft>
+                <a:spcPts val="0"/>
+              </a:spcAft>
+              <a:buNone/>
+            </a:pPr>
+            <a:r>
+              <a:rPr lang="hu"/>
+              <a:t>Strategic Implications</a:t>
+            </a:r>
+            <a:endParaRPr/>
+          </a:p>
+          <a:p>
+            <a:pPr indent="-280193" lvl="0" marL="457200" rtl="0" algn="l">
+              <a:spcBef>
+                <a:spcPts val="1200"/>
+              </a:spcBef>
+              <a:spcAft>
+                <a:spcPts val="0"/>
+              </a:spcAft>
+              <a:buSzPct val="100000"/>
+              <a:buChar char="●"/>
+            </a:pPr>
+            <a:r>
+              <a:rPr lang="hu"/>
+              <a:t>Expand stations with highest deltas for optimized docks.</a:t>
+            </a:r>
+            <a:endParaRPr/>
+          </a:p>
+          <a:p>
+            <a:pPr indent="-280193" lvl="0" marL="457200" rtl="0" algn="l">
+              <a:spcBef>
+                <a:spcPts val="0"/>
+              </a:spcBef>
+              <a:spcAft>
+                <a:spcPts val="0"/>
+              </a:spcAft>
+              <a:buSzPct val="100000"/>
+              <a:buChar char="●"/>
+            </a:pPr>
+            <a:r>
+              <a:rPr lang="hu"/>
+              <a:t>Organize access bike transfers considering delta variations.</a:t>
+            </a:r>
+            <a:endParaRPr/>
+          </a:p>
+          <a:p>
+            <a:pPr indent="-280193" lvl="0" marL="457200" rtl="0" algn="l">
+              <a:spcBef>
+                <a:spcPts val="0"/>
+              </a:spcBef>
+              <a:spcAft>
+                <a:spcPts val="0"/>
+              </a:spcAft>
+              <a:buSzPct val="100000"/>
+              <a:buChar char="●"/>
+            </a:pPr>
+            <a:r>
+              <a:rPr lang="hu"/>
+              <a:t>Optimize bike availability during peak commuting hours.</a:t>
+            </a:r>
+            <a:endParaRPr/>
+          </a:p>
+          <a:p>
+            <a:pPr indent="-280193" lvl="0" marL="457200" rtl="0" algn="l">
+              <a:spcBef>
+                <a:spcPts val="0"/>
+              </a:spcBef>
+              <a:spcAft>
+                <a:spcPts val="0"/>
+              </a:spcAft>
+              <a:buSzPct val="100000"/>
+              <a:buChar char="●"/>
+            </a:pPr>
+            <a:r>
+              <a:rPr lang="hu"/>
+              <a:t>Optimize resources for commuting peaks (8 am, 5-6 pm).</a:t>
+            </a:r>
+            <a:endParaRPr/>
+          </a:p>
+          <a:p>
+            <a:pPr indent="-280193" lvl="0" marL="457200" rtl="0" algn="l">
+              <a:spcBef>
+                <a:spcPts val="0"/>
+              </a:spcBef>
+              <a:spcAft>
+                <a:spcPts val="0"/>
+              </a:spcAft>
+              <a:buSzPct val="100000"/>
+              <a:buChar char="●"/>
+            </a:pPr>
+            <a:r>
+              <a:rPr lang="hu"/>
+              <a:t>Cater to varied seasonal patterns for efficient operations.</a:t>
+            </a:r>
+            <a:endParaRPr/>
+          </a:p>
+          <a:p>
+            <a:pPr indent="-280193" lvl="0" marL="457200" rtl="0" algn="l">
+              <a:spcBef>
+                <a:spcPts val="0"/>
+              </a:spcBef>
+              <a:spcAft>
+                <a:spcPts val="0"/>
+              </a:spcAft>
+              <a:buSzPct val="100000"/>
+              <a:buChar char="●"/>
+            </a:pPr>
+            <a:r>
+              <a:rPr lang="hu"/>
+              <a:t>Prioritize bike availability during favorable weather conditions.</a:t>
+            </a:r>
+            <a:endParaRPr/>
+          </a:p>
+          <a:p>
+            <a:pPr indent="-280193" lvl="0" marL="457200" rtl="0" algn="l">
+              <a:spcBef>
+                <a:spcPts val="0"/>
+              </a:spcBef>
+              <a:spcAft>
+                <a:spcPts val="0"/>
+              </a:spcAft>
+              <a:buSzPct val="100000"/>
+              <a:buChar char="●"/>
+            </a:pPr>
+            <a:r>
+              <a:rPr lang="hu"/>
+              <a:t>Account for extended weekend ride preferences</a:t>
+            </a:r>
+            <a:endParaRPr/>
+          </a:p>
+        </p:txBody>
+      </p:sp>
     </p:spTree>
   </p:cSld>
   <p:clrMapOvr>
@@ -14299,7 +14732,7 @@
             </a:pPr>
             <a:r>
               <a:rPr lang="hu"/>
-              <a:t>Datasource:</a:t>
+              <a:t>Data sources</a:t>
             </a:r>
             <a:endParaRPr/>
           </a:p>
@@ -14342,7 +14775,7 @@
             </a:pPr>
             <a:r>
               <a:rPr lang="hu"/>
-              <a:t>Contains 2 table:</a:t>
+              <a:t>Contains 2 tables:</a:t>
             </a:r>
             <a:endParaRPr/>
           </a:p>
@@ -14376,7 +14809,7 @@
             </a:pPr>
             <a:r>
               <a:rPr lang="hu"/>
-              <a:t>station lookup table with 795 unique stations installed between 2010-06-19 and 2022-10-17</a:t>
+              <a:t>A station lookup table with 795 unique stations installed between 2010-06-19 and 2022-10-17</a:t>
             </a:r>
             <a:endParaRPr/>
           </a:p>
@@ -14410,7 +14843,7 @@
             </a:pPr>
             <a:r>
               <a:rPr lang="hu"/>
-              <a:t>ride </a:t>
+              <a:t>A ride </a:t>
             </a:r>
             <a:r>
               <a:rPr lang="hu"/>
@@ -14418,7 +14851,7 @@
             </a:r>
             <a:r>
               <a:rPr lang="hu"/>
-              <a:t> data between 2015-01-04 and 2023-01-15 </a:t>
+              <a:t> table with data between 2015-01-04 and 2023-01-15 </a:t>
             </a:r>
             <a:endParaRPr sz="900">
               <a:solidFill>
@@ -14449,7 +14882,7 @@
             </a:r>
             <a:r>
               <a:rPr lang="hu"/>
-              <a:t>data sources</a:t>
+              <a:t>data sources utilized</a:t>
             </a:r>
             <a:r>
               <a:rPr lang="hu"/>
@@ -14530,7 +14963,7 @@
             </a:pPr>
             <a:r>
               <a:rPr lang="hu"/>
-              <a:t>BigQuery</a:t>
+              <a:t>BigQuery (SQL)</a:t>
             </a:r>
             <a:endParaRPr/>
           </a:p>
@@ -14547,7 +14980,7 @@
             </a:pPr>
             <a:r>
               <a:rPr lang="hu"/>
-              <a:t>Google Collab (python)</a:t>
+              <a:t>Google Collab (Python)</a:t>
             </a:r>
             <a:endParaRPr/>
           </a:p>
@@ -14612,7 +15045,7 @@
             </a:pPr>
             <a:r>
               <a:rPr lang="hu"/>
-              <a:t>2. Data inspection, quality check and added features</a:t>
+              <a:t>2. Data inspection, quality checks and added features</a:t>
             </a:r>
             <a:endParaRPr/>
           </a:p>
@@ -14637,7 +15070,7 @@
         </p:spPr>
         <p:txBody>
           <a:bodyPr anchorCtr="0" anchor="t" bIns="91425" lIns="91425" spcFirstLastPara="1" rIns="91425" wrap="square" tIns="91425">
-            <a:normAutofit fontScale="77500" lnSpcReduction="10000"/>
+            <a:normAutofit fontScale="77500" lnSpcReduction="20000"/>
           </a:bodyPr>
           <a:lstStyle/>
           <a:p>
@@ -14652,15 +15085,7 @@
             </a:pPr>
             <a:r>
               <a:rPr lang="hu"/>
-              <a:t>Multiple </a:t>
-            </a:r>
-            <a:r>
-              <a:rPr lang="hu"/>
-              <a:t>corrections</a:t>
-            </a:r>
-            <a:r>
-              <a:rPr lang="hu"/>
-              <a:t> and improvements were made in order to improve the quality of the datasets. A few examples:</a:t>
+              <a:t>Numerous corrections and improvements were implemented to enhance the quality of the datasets. Here are a few examples:</a:t>
             </a:r>
             <a:endParaRPr/>
           </a:p>
@@ -14694,7 +15119,7 @@
             </a:pPr>
             <a:r>
               <a:rPr lang="hu"/>
-              <a:t>after a through inspection they were all found to be only present on the last Sunday of October (in multiple years) for ride that started between 1 and 2 am and ended after 2 am</a:t>
+              <a:t>Upon thorough inspection, I found that these negative values occurred exclusively on the last Sunday of October (across multiple years) for rides that commenced between 1 and 2 am and concluded after 2 am</a:t>
             </a:r>
             <a:endParaRPr/>
           </a:p>
@@ -14711,7 +15136,7 @@
             </a:pPr>
             <a:r>
               <a:rPr lang="hu"/>
-              <a:t>This happens to coincide with the clock shift, so I fixed these</a:t>
+              <a:t>This coincided with the clock shift and were properly adjusted</a:t>
             </a:r>
             <a:endParaRPr/>
           </a:p>
@@ -14728,7 +15153,7 @@
             </a:pPr>
             <a:r>
               <a:rPr lang="hu"/>
-              <a:t>Many stations had a missing station_id between 2016-08-31 and 2016-09-06 that was stored in a different field in this interval, which I backfilled into the original column</a:t>
+              <a:t>Many stations had a missing station_id between August 31, 2016, and September 6, 2016. This information was instead stored in a different field within this timeframe. I backfilled into the original column.</a:t>
             </a:r>
             <a:endParaRPr/>
           </a:p>
@@ -14745,31 +15170,23 @@
             </a:pPr>
             <a:r>
               <a:rPr lang="hu"/>
-              <a:t>Many station had a change of </a:t>
-            </a:r>
+              <a:t>Numerous stations experienced changes in their names or station_ids. To address this, I consolidated these changes to establish a consistent and unique name and id that aligned with the stations dataset.</a:t>
+            </a:r>
+            <a:endParaRPr/>
+          </a:p>
+          <a:p>
+            <a:pPr indent="0" lvl="0" marL="0" rtl="0" algn="l">
+              <a:spcBef>
+                <a:spcPts val="1200"/>
+              </a:spcBef>
+              <a:spcAft>
+                <a:spcPts val="0"/>
+              </a:spcAft>
+              <a:buNone/>
+            </a:pPr>
             <a:r>
               <a:rPr lang="hu"/>
-              <a:t>its</a:t>
-            </a:r>
-            <a:r>
-              <a:rPr lang="hu"/>
-              <a:t> name or station_id, which I rolled up to have a unique name and id that matched the stations dataset</a:t>
-            </a:r>
-            <a:endParaRPr/>
-          </a:p>
-          <a:p>
-            <a:pPr indent="0" lvl="0" marL="0" rtl="0" algn="l">
-              <a:spcBef>
-                <a:spcPts val="1200"/>
-              </a:spcBef>
-              <a:spcAft>
-                <a:spcPts val="0"/>
-              </a:spcAft>
-              <a:buNone/>
-            </a:pPr>
-            <a:r>
-              <a:rPr lang="hu"/>
-              <a:t>Many new features were also created for to future analysis. A few examples:</a:t>
+              <a:t>Additionally, a variety of new features were developed to facilitate future analyses. Here are a few examples:</a:t>
             </a:r>
             <a:endParaRPr/>
           </a:p>
@@ -14803,7 +15220,7 @@
             </a:pPr>
             <a:r>
               <a:rPr lang="hu"/>
-              <a:t>Did the ride happen on a weekend?</a:t>
+              <a:t>Did the ride occur during a weekend?</a:t>
             </a:r>
             <a:endParaRPr/>
           </a:p>
@@ -14820,7 +15237,7 @@
             </a:pPr>
             <a:r>
               <a:rPr lang="hu"/>
-              <a:t>In what season? </a:t>
+              <a:t>In which season did the ride take place?</a:t>
             </a:r>
             <a:endParaRPr/>
           </a:p>
@@ -14837,7 +15254,7 @@
             </a:pPr>
             <a:r>
               <a:rPr lang="hu"/>
-              <a:t>Etc.</a:t>
+              <a:t>And so forth.</a:t>
             </a:r>
             <a:endParaRPr/>
           </a:p>
@@ -14902,7 +15319,7 @@
             </a:pPr>
             <a:r>
               <a:rPr lang="hu"/>
-              <a:t>3. Creating the staging-, dimension and derived fact tables</a:t>
+              <a:t>3. Creating the staging, dimension and derived fact (marts) tables</a:t>
             </a:r>
             <a:endParaRPr/>
           </a:p>
@@ -14942,7 +15359,11 @@
             </a:pPr>
             <a:r>
               <a:rPr lang="hu"/>
-              <a:t>These along with all the fixes were stored in staging tables:</a:t>
+              <a:t>All the fixes and improvements (along with those previously mentioned) </a:t>
+            </a:r>
+            <a:r>
+              <a:rPr lang="hu"/>
+              <a:t>were stored in two staging tables:</a:t>
             </a:r>
             <a:endParaRPr/>
           </a:p>
@@ -14955,13 +15376,13 @@
                 <a:spcPts val="0"/>
               </a:spcAft>
               <a:buSzPct val="100000"/>
-              <a:buChar char="-"/>
-            </a:pPr>
-            <a:r>
-              <a:rPr lang="hu"/>
+              <a:buChar char="●"/>
+            </a:pPr>
+            <a:r>
+              <a:rPr i="1" lang="hu"/>
               <a:t>stg_cycle_stations</a:t>
             </a:r>
-            <a:endParaRPr/>
+            <a:endParaRPr i="1"/>
           </a:p>
           <a:p>
             <a:pPr indent="-292576" lvl="0" marL="457200" rtl="0" algn="l">
@@ -14972,13 +15393,13 @@
                 <a:spcPts val="0"/>
               </a:spcAft>
               <a:buSzPct val="100000"/>
-              <a:buChar char="-"/>
-            </a:pPr>
-            <a:r>
-              <a:rPr lang="hu"/>
+              <a:buChar char="●"/>
+            </a:pPr>
+            <a:r>
+              <a:rPr i="1" lang="hu"/>
               <a:t>stg_cycle_hire</a:t>
             </a:r>
-            <a:endParaRPr/>
+            <a:endParaRPr i="1"/>
           </a:p>
           <a:p>
             <a:pPr indent="0" lvl="0" marL="0" rtl="0" algn="l">
@@ -15005,15 +15426,48 @@
                 <a:spcPts val="0"/>
               </a:spcAft>
               <a:buSzPct val="100000"/>
-              <a:buChar char="-"/>
+              <a:buChar char="●"/>
+            </a:pPr>
+            <a:r>
+              <a:rPr i="1" lang="hu"/>
+              <a:t>dim_cycle_data</a:t>
+            </a:r>
+            <a:endParaRPr i="1"/>
+          </a:p>
+          <a:p>
+            <a:pPr indent="0" lvl="0" marL="0" rtl="0" algn="l">
+              <a:spcBef>
+                <a:spcPts val="1200"/>
+              </a:spcBef>
+              <a:spcAft>
+                <a:spcPts val="0"/>
+              </a:spcAft>
+              <a:buNone/>
             </a:pPr>
             <a:r>
               <a:rPr lang="hu"/>
-              <a:t>dim_cycle_data</a:t>
+              <a:t>A lookup table for later use (storing all the station properties with the cleaned up ids and names) was also created:</a:t>
             </a:r>
             <a:endParaRPr/>
           </a:p>
           <a:p>
+            <a:pPr indent="-292576" lvl="0" marL="457200" rtl="0" algn="l">
+              <a:spcBef>
+                <a:spcPts val="1200"/>
+              </a:spcBef>
+              <a:spcAft>
+                <a:spcPts val="0"/>
+              </a:spcAft>
+              <a:buSzPct val="100000"/>
+              <a:buChar char="●"/>
+            </a:pPr>
+            <a:r>
+              <a:rPr i="1" lang="hu"/>
+              <a:t>dim_cycle_stations</a:t>
+            </a:r>
+            <a:endParaRPr i="1"/>
+          </a:p>
+          <a:p>
             <a:pPr indent="0" lvl="0" marL="0" rtl="0" algn="l">
               <a:spcBef>
                 <a:spcPts val="1200"/>
@@ -15025,7 +15479,7 @@
             </a:pPr>
             <a:r>
               <a:rPr lang="hu"/>
-              <a:t>Also created a lookup table for later use storing all the station properties with the cleaned up ids and named:</a:t>
+              <a:t>Lastly, a derived fact tables was created that stored all the previous data, but was rolled up to an hourly level for the analysis, and another one combining the London weather data with the hire dataset.</a:t>
             </a:r>
             <a:endParaRPr/>
           </a:p>
@@ -15038,63 +15492,30 @@
                 <a:spcPts val="0"/>
               </a:spcAft>
               <a:buSzPct val="100000"/>
-              <a:buChar char="-"/>
-            </a:pPr>
-            <a:r>
-              <a:rPr lang="hu"/>
-              <a:t>dim_cycle_stations</a:t>
-            </a:r>
-            <a:endParaRPr/>
-          </a:p>
-          <a:p>
-            <a:pPr indent="0" lvl="0" marL="0" rtl="0" algn="l">
-              <a:spcBef>
-                <a:spcPts val="1200"/>
-              </a:spcBef>
-              <a:spcAft>
-                <a:spcPts val="0"/>
-              </a:spcAft>
-              <a:buNone/>
-            </a:pPr>
-            <a:r>
-              <a:rPr lang="hu"/>
-              <a:t>Lastly, 2 derived fact tables were created that stored all the previous data but was rolled up to an hourly level for the analysis:</a:t>
-            </a:r>
-            <a:endParaRPr/>
+              <a:buChar char="●"/>
+            </a:pPr>
+            <a:r>
+              <a:rPr i="1" lang="hu"/>
+              <a:t>drv_fact_cycle_data</a:t>
+            </a:r>
+            <a:endParaRPr i="1"/>
           </a:p>
           <a:p>
             <a:pPr indent="-292576" lvl="0" marL="457200" rtl="0" algn="l">
               <a:spcBef>
-                <a:spcPts val="1200"/>
+                <a:spcPts val="0"/>
               </a:spcBef>
               <a:spcAft>
                 <a:spcPts val="0"/>
               </a:spcAft>
               <a:buSzPct val="100000"/>
-              <a:buChar char="-"/>
-            </a:pPr>
-            <a:r>
-              <a:rPr lang="hu"/>
-              <a:t>drv_fact_cycle_data</a:t>
-            </a:r>
-            <a:endParaRPr/>
-          </a:p>
-          <a:p>
-            <a:pPr indent="-292576" lvl="0" marL="457200" rtl="0" algn="l">
-              <a:spcBef>
-                <a:spcPts val="0"/>
-              </a:spcBef>
-              <a:spcAft>
-                <a:spcPts val="0"/>
-              </a:spcAft>
-              <a:buSzPct val="100000"/>
-              <a:buChar char="-"/>
-            </a:pPr>
-            <a:r>
-              <a:rPr lang="hu"/>
+              <a:buChar char="●"/>
+            </a:pPr>
+            <a:r>
+              <a:rPr i="1" lang="hu"/>
               <a:t>drv_fact_cycle_hire_weather_combined</a:t>
             </a:r>
-            <a:endParaRPr/>
+            <a:endParaRPr i="1"/>
           </a:p>
         </p:txBody>
       </p:sp>
@@ -15198,11 +15619,11 @@
                 <a:spcPts val="0"/>
               </a:spcAft>
               <a:buSzPts val="1100"/>
-              <a:buChar char="-"/>
+              <a:buChar char="●"/>
             </a:pPr>
             <a:r>
               <a:rPr lang="hu" sz="1100"/>
-              <a:t>9 out of the 10 most popular start stations are also in the most popular end stations</a:t>
+              <a:t>Out of the 10 most popular starting stations, 9 are also featured among the most frequently used ending stations</a:t>
             </a:r>
             <a:endParaRPr sz="1100"/>
           </a:p>
@@ -15215,28 +15636,11 @@
                 <a:spcPts val="0"/>
               </a:spcAft>
               <a:buSzPts val="1100"/>
-              <a:buChar char="-"/>
+              <a:buChar char="●"/>
             </a:pPr>
             <a:r>
               <a:rPr lang="hu" sz="1100"/>
-              <a:t>The 10 most popular start stations make up for the 5.5% of the total traffic</a:t>
-            </a:r>
-            <a:endParaRPr sz="1100"/>
-          </a:p>
-          <a:p>
-            <a:pPr indent="-298450" lvl="0" marL="457200" rtl="0" algn="l">
-              <a:spcBef>
-                <a:spcPts val="0"/>
-              </a:spcBef>
-              <a:spcAft>
-                <a:spcPts val="0"/>
-              </a:spcAft>
-              <a:buSzPts val="1100"/>
-              <a:buChar char="-"/>
-            </a:pPr>
-            <a:r>
-              <a:rPr lang="hu" sz="1100"/>
-              <a:t>They are centered downtown (London City, Westminster etc. - which suggest the daily commute to work was the most influential factor </a:t>
+              <a:t>The top 10 starting stations account for 5.5% of the total traffic. Notably, these stations are concentrated downtown, encompassing areas such as London City and Westminster. This concentration suggests that the daily commute to work exerted the most significant influence on these patterns.</a:t>
             </a:r>
             <a:endParaRPr sz="1100"/>
           </a:p>
@@ -15258,7 +15662,7 @@
         </p:blipFill>
         <p:spPr>
           <a:xfrm>
-            <a:off x="5179174" y="2468875"/>
+            <a:off x="5179174" y="2501150"/>
             <a:ext cx="3110487" cy="2468376"/>
           </a:xfrm>
           <a:prstGeom prst="rect">
@@ -15286,7 +15690,7 @@
         </p:blipFill>
         <p:spPr>
           <a:xfrm>
-            <a:off x="1506050" y="2468875"/>
+            <a:off x="1500675" y="2501150"/>
             <a:ext cx="3201400" cy="2468374"/>
           </a:xfrm>
           <a:prstGeom prst="rect">
@@ -15373,7 +15777,7 @@
         </p:nvSpPr>
         <p:spPr>
           <a:xfrm>
-            <a:off x="1297500" y="1567550"/>
+            <a:off x="1297500" y="1992600"/>
             <a:ext cx="3748500" cy="2911200"/>
           </a:xfrm>
           <a:prstGeom prst="rect">
@@ -15397,7 +15801,7 @@
             </a:pPr>
             <a:r>
               <a:rPr lang="hu"/>
-              <a:t>However, if we only focus on the weekend rides, it’s clear that they almost all of the most popular stations are centered around Hyde park which suggest recreational purposes</a:t>
+              <a:t>Nevertheless, when we narrow our focus to weekend rides, a distinct pattern emerges. The majority of the most popular stations are clustered around Hyde Park, indicating a strong inclination towards recreational purposes.</a:t>
             </a:r>
             <a:endParaRPr/>
           </a:p>
@@ -15544,91 +15948,78 @@
               <a:buNone/>
             </a:pPr>
             <a:r>
-              <a:rPr lang="hu"/>
-              <a:t>A different way of looking at popularity is by calculating the </a:t>
-            </a:r>
-            <a:r>
-              <a:rPr lang="hu" u="sng">
+              <a:rPr lang="hu" sz="1200"/>
+              <a:t>An alternative approach to gauging popularity</a:t>
+            </a:r>
+            <a:r>
+              <a:rPr lang="hu" sz="1200"/>
+              <a:t> is by computing station </a:t>
+            </a:r>
+            <a:r>
+              <a:rPr lang="hu" sz="1200" u="sng">
                 <a:solidFill>
                   <a:schemeClr val="hlink"/>
                 </a:solidFill>
                 <a:hlinkClick r:id="rId3"/>
               </a:rPr>
-              <a:t>PageRank </a:t>
-            </a:r>
-            <a:r>
-              <a:rPr lang="hu"/>
-              <a:t>for each station</a:t>
-            </a:r>
-            <a:endParaRPr/>
-          </a:p>
-          <a:p>
-            <a:pPr indent="-311150" lvl="0" marL="457200" rtl="0" algn="l">
+              <a:t>PageRank</a:t>
+            </a:r>
+            <a:r>
+              <a:rPr lang="hu" sz="1200"/>
+              <a:t>, a network ranking technique famously used by Google for search result rankings.</a:t>
+            </a:r>
+            <a:endParaRPr sz="1100"/>
+          </a:p>
+          <a:p>
+            <a:pPr indent="-304800" lvl="0" marL="457200" rtl="0" algn="l">
               <a:spcBef>
                 <a:spcPts val="1200"/>
               </a:spcBef>
               <a:spcAft>
                 <a:spcPts val="0"/>
               </a:spcAft>
-              <a:buSzPts val="1300"/>
+              <a:buSzPts val="1200"/>
               <a:buChar char="-"/>
             </a:pPr>
             <a:r>
-              <a:rPr lang="hu"/>
-              <a:t>PageRank is a network ranking method (primarily known by the fact that Google is also using it to rank the search results that users see)</a:t>
-            </a:r>
-            <a:endParaRPr/>
-          </a:p>
-          <a:p>
-            <a:pPr indent="-298450" lvl="1" marL="914400" rtl="0" algn="l">
-              <a:spcBef>
-                <a:spcPts val="0"/>
-              </a:spcBef>
-              <a:spcAft>
-                <a:spcPts val="0"/>
-              </a:spcAft>
-              <a:buSzPts val="1100"/>
+              <a:rPr lang="hu" sz="1200"/>
+              <a:t>PageRank takes into account a variety of factors beyond mere traffic volume (or in this context, the number of journeys)</a:t>
+            </a:r>
+            <a:endParaRPr sz="1200"/>
+          </a:p>
+          <a:p>
+            <a:pPr indent="-292100" lvl="1" marL="914400" rtl="0" algn="l">
+              <a:spcBef>
+                <a:spcPts val="0"/>
+              </a:spcBef>
+              <a:spcAft>
+                <a:spcPts val="0"/>
+              </a:spcAft>
+              <a:buSzPts val="1000"/>
               <a:buChar char="-"/>
             </a:pPr>
             <a:r>
-              <a:rPr lang="hu"/>
-              <a:t>It factors in many different features, not just purely the number of traffic (or journeys in this case)</a:t>
-            </a:r>
-            <a:endParaRPr/>
-          </a:p>
-          <a:p>
-            <a:pPr indent="-298450" lvl="1" marL="914400" rtl="0" algn="l">
-              <a:spcBef>
-                <a:spcPts val="0"/>
-              </a:spcBef>
-              <a:spcAft>
-                <a:spcPts val="0"/>
-              </a:spcAft>
-              <a:buSzPts val="1100"/>
+              <a:rPr lang="hu" sz="1000"/>
+              <a:t>For instance, it considers the number of connections each station possesses and evaluates the significance of these connections within the broader network graph</a:t>
+            </a:r>
+            <a:endParaRPr sz="1000"/>
+          </a:p>
+          <a:p>
+            <a:pPr indent="-304800" lvl="0" marL="457200" rtl="0" algn="l">
+              <a:spcBef>
+                <a:spcPts val="0"/>
+              </a:spcBef>
+              <a:spcAft>
+                <a:spcPts val="0"/>
+              </a:spcAft>
+              <a:buSzPts val="1200"/>
               <a:buChar char="-"/>
             </a:pPr>
             <a:r>
-              <a:rPr lang="hu"/>
-              <a:t>For example, how many connections each station has, and how influential are those connections in the graph</a:t>
-            </a:r>
-            <a:endParaRPr/>
-          </a:p>
-          <a:p>
-            <a:pPr indent="-311150" lvl="0" marL="457200" rtl="0" algn="l">
-              <a:spcBef>
-                <a:spcPts val="0"/>
-              </a:spcBef>
-              <a:spcAft>
-                <a:spcPts val="0"/>
-              </a:spcAft>
-              <a:buSzPts val="1300"/>
-              <a:buChar char="-"/>
-            </a:pPr>
-            <a:r>
-              <a:rPr lang="hu"/>
-              <a:t>The results are somewhat different to the ranking based on frequency alone, although there is overlap. Would be an interesting next step to understand the differences and what they might suggest</a:t>
-            </a:r>
-            <a:endParaRPr/>
+              <a:rPr lang="hu" sz="1200"/>
+              <a:t>The outcomes diverge somewhat from rankings based solely on frequency, although there is a degree of overlap. Exploring these variations could serve as a compelling next step, offering insights into the disparities and the implications they might hold</a:t>
+            </a:r>
+            <a:endParaRPr sz="1100"/>
           </a:p>
         </p:txBody>
       </p:sp>
@@ -15759,9 +16150,20 @@
             </a:pPr>
             <a:r>
               <a:rPr lang="hu" sz="1200"/>
-              <a:t>A different way of looking at how much a station is utilised is by attributing the inflow and outflow numbers, and also by looking at the delta of these two (aka. inflow - outflow).</a:t>
-            </a:r>
-            <a:endParaRPr sz="1200"/>
+              <a:t>An alternative approach to assessing station utilization involves analyzing inflow and outflow numbers, as well as their difference (referred to as delta, i.e., inflow - outflow)</a:t>
+            </a:r>
+            <a:endParaRPr sz="1100">
+              <a:solidFill>
+                <a:srgbClr val="D1D5DB"/>
+              </a:solidFill>
+              <a:highlight>
+                <a:srgbClr val="444654"/>
+              </a:highlight>
+              <a:latin typeface="Roboto"/>
+              <a:ea typeface="Roboto"/>
+              <a:cs typeface="Roboto"/>
+              <a:sym typeface="Roboto"/>
+            </a:endParaRPr>
           </a:p>
           <a:p>
             <a:pPr indent="0" lvl="0" marL="0" rtl="0" algn="l">
@@ -15809,9 +16211,9 @@
             </a:pPr>
             <a:r>
               <a:rPr lang="hu" sz="1200"/>
-              <a:t>If we look at the relationship between the delta of the stations and the number of docks, the correlation is not deterministic and crystal clear, but we can see that the biggest delta differences are the ones found at the higher end of the number of docks</a:t>
-            </a:r>
-            <a:endParaRPr sz="1200"/>
+              <a:t>When examining the correlation between station deltas and the number of docks, the relationship is not entirely definitive; however, a noticeable trend emerges. Stations with larger delta differences tend to be associated with higher numbers of docks, although the correlation is not absolute.</a:t>
+            </a:r>
+            <a:endParaRPr sz="1100"/>
           </a:p>
         </p:txBody>
       </p:sp>
@@ -15880,6 +16282,285 @@
 </file>
 
 <file path=ppt/theme/theme1.xml><?xml version="1.0" encoding="utf-8"?>
+<a:theme xmlns:a="http://schemas.openxmlformats.org/drawingml/2006/main" xmlns:r="http://schemas.openxmlformats.org/officeDocument/2006/relationships">
+  <a:themeElements>
+    <a:clrScheme name="Default">
+      <a:dk1>
+        <a:srgbClr val="000000"/>
+      </a:dk1>
+      <a:lt1>
+        <a:srgbClr val="FFFFFF"/>
+      </a:lt1>
+      <a:dk2>
+        <a:srgbClr val="158158"/>
+      </a:dk2>
+      <a:lt2>
+        <a:srgbClr val="F3F3F3"/>
+      </a:lt2>
+      <a:accent1>
+        <a:srgbClr val="058DC7"/>
+      </a:accent1>
+      <a:accent2>
+        <a:srgbClr val="50B432"/>
+      </a:accent2>
+      <a:accent3>
+        <a:srgbClr val="ED561B"/>
+      </a:accent3>
+      <a:accent4>
+        <a:srgbClr val="EDEF00"/>
+      </a:accent4>
+      <a:accent5>
+        <a:srgbClr val="24CBE5"/>
+      </a:accent5>
+      <a:accent6>
+        <a:srgbClr val="64E572"/>
+      </a:accent6>
+      <a:hlink>
+        <a:srgbClr val="2200CC"/>
+      </a:hlink>
+      <a:folHlink>
+        <a:srgbClr val="551A8B"/>
+      </a:folHlink>
+    </a:clrScheme>
+    <a:fontScheme name="Office">
+      <a:majorFont>
+        <a:latin typeface="Arial"/>
+        <a:ea typeface=""/>
+        <a:cs typeface=""/>
+        <a:font script="Jpan" typeface="ＭＳ Ｐゴシック"/>
+        <a:font script="Hang" typeface="맑은 고딕"/>
+        <a:font script="Hans" typeface="宋体"/>
+        <a:font script="Hant" typeface="新細明體"/>
+        <a:font script="Arab" typeface="Times New Roman"/>
+        <a:font script="Hebr" typeface="Times New Roman"/>
+        <a:font script="Thai" typeface="Angsana New"/>
+        <a:font script="Ethi" typeface="Nyala"/>
+        <a:font script="Beng" typeface="Vrinda"/>
+        <a:font script="Gujr" typeface="Shruti"/>
+        <a:font script="Khmr" typeface="MoolBoran"/>
+        <a:font script="Knda" typeface="Tunga"/>
+        <a:font script="Guru" typeface="Raavi"/>
+        <a:font script="Cans" typeface="Euphemia"/>
+        <a:font script="Cher" typeface="Plantagenet Cherokee"/>
+        <a:font script="Yiii" typeface="Microsoft Yi Baiti"/>
+        <a:font script="Tibt" typeface="Microsoft Himalaya"/>
+        <a:font script="Thaa" typeface="MV Boli"/>
+        <a:font script="Deva" typeface="Mangal"/>
+        <a:font script="Telu" typeface="Gautami"/>
+        <a:font script="Taml" typeface="Latha"/>
+        <a:font script="Syrc" typeface="Estrangelo Edessa"/>
+        <a:font script="Orya" typeface="Kalinga"/>
+        <a:font script="Mlym" typeface="Kartika"/>
+        <a:font script="Laoo" typeface="DokChampa"/>
+        <a:font script="Sinh" typeface="Iskoola Pota"/>
+        <a:font script="Mong" typeface="Mongolian Baiti"/>
+        <a:font script="Viet" typeface="Times New Roman"/>
+        <a:font script="Uigh" typeface="Microsoft Uighur"/>
+        <a:font script="Geor" typeface="Sylfaen"/>
+      </a:majorFont>
+      <a:minorFont>
+        <a:latin typeface="Arial"/>
+        <a:ea typeface=""/>
+        <a:cs typeface=""/>
+        <a:font script="Jpan" typeface="ＭＳ Ｐゴシック"/>
+        <a:font script="Hang" typeface="맑은 고딕"/>
+        <a:font script="Hans" typeface="宋体"/>
+        <a:font script="Hant" typeface="新細明體"/>
+        <a:font script="Arab" typeface="Arial"/>
+        <a:font script="Hebr" typeface="Arial"/>
+        <a:font script="Thai" typeface="Cordia New"/>
+        <a:font script="Ethi" typeface="Nyala"/>
+        <a:font script="Beng" typeface="Vrinda"/>
+        <a:font script="Gujr" typeface="Shruti"/>
+        <a:font script="Khmr" typeface="DaunPenh"/>
+        <a:font script="Knda" typeface="Tunga"/>
+        <a:font script="Guru" typeface="Raavi"/>
+        <a:font script="Cans" typeface="Euphemia"/>
+        <a:font script="Cher" typeface="Plantagenet Cherokee"/>
+        <a:font script="Yiii" typeface="Microsoft Yi Baiti"/>
+        <a:font script="Tibt" typeface="Microsoft Himalaya"/>
+        <a:font script="Thaa" typeface="MV Boli"/>
+        <a:font script="Deva" typeface="Mangal"/>
+        <a:font script="Telu" typeface="Gautami"/>
+        <a:font script="Taml" typeface="Latha"/>
+        <a:font script="Syrc" typeface="Estrangelo Edessa"/>
+        <a:font script="Orya" typeface="Kalinga"/>
+        <a:font script="Mlym" typeface="Kartika"/>
+        <a:font script="Laoo" typeface="DokChampa"/>
+        <a:font script="Sinh" typeface="Iskoola Pota"/>
+        <a:font script="Mong" typeface="Mongolian Baiti"/>
+        <a:font script="Viet" typeface="Arial"/>
+        <a:font script="Uigh" typeface="Microsoft Uighur"/>
+        <a:font script="Geor" typeface="Sylfaen"/>
+      </a:minorFont>
+    </a:fontScheme>
+    <a:fmtScheme name="Office">
+      <a:fillStyleLst>
+        <a:solidFill>
+          <a:schemeClr val="phClr"/>
+        </a:solidFill>
+        <a:gradFill rotWithShape="1">
+          <a:gsLst>
+            <a:gs pos="0">
+              <a:schemeClr val="phClr">
+                <a:tint val="50000"/>
+                <a:satMod val="300000"/>
+              </a:schemeClr>
+            </a:gs>
+            <a:gs pos="35000">
+              <a:schemeClr val="phClr">
+                <a:tint val="37000"/>
+                <a:satMod val="300000"/>
+              </a:schemeClr>
+            </a:gs>
+            <a:gs pos="100000">
+              <a:schemeClr val="phClr">
+                <a:tint val="15000"/>
+                <a:satMod val="350000"/>
+              </a:schemeClr>
+            </a:gs>
+          </a:gsLst>
+          <a:lin ang="16200000" scaled="1"/>
+        </a:gradFill>
+        <a:gradFill rotWithShape="1">
+          <a:gsLst>
+            <a:gs pos="0">
+              <a:schemeClr val="phClr">
+                <a:tint val="100000"/>
+                <a:shade val="100000"/>
+                <a:satMod val="130000"/>
+              </a:schemeClr>
+            </a:gs>
+            <a:gs pos="100000">
+              <a:schemeClr val="phClr">
+                <a:tint val="50000"/>
+                <a:shade val="100000"/>
+                <a:satMod val="350000"/>
+              </a:schemeClr>
+            </a:gs>
+          </a:gsLst>
+          <a:lin ang="16200000" scaled="0"/>
+        </a:gradFill>
+      </a:fillStyleLst>
+      <a:lnStyleLst>
+        <a:ln w="9525" cap="flat" cmpd="sng" algn="ctr">
+          <a:solidFill>
+            <a:schemeClr val="phClr">
+              <a:shade val="95000"/>
+              <a:satMod val="105000"/>
+            </a:schemeClr>
+          </a:solidFill>
+          <a:prstDash val="solid"/>
+        </a:ln>
+        <a:ln w="25400" cap="flat" cmpd="sng" algn="ctr">
+          <a:solidFill>
+            <a:schemeClr val="phClr"/>
+          </a:solidFill>
+          <a:prstDash val="solid"/>
+        </a:ln>
+        <a:ln w="38100" cap="flat" cmpd="sng" algn="ctr">
+          <a:solidFill>
+            <a:schemeClr val="phClr"/>
+          </a:solidFill>
+          <a:prstDash val="solid"/>
+        </a:ln>
+      </a:lnStyleLst>
+      <a:effectStyleLst>
+        <a:effectStyle>
+          <a:effectLst>
+            <a:outerShdw blurRad="40000" dist="20000" dir="5400000" rotWithShape="0">
+              <a:srgbClr val="000000">
+                <a:alpha val="38000"/>
+              </a:srgbClr>
+            </a:outerShdw>
+          </a:effectLst>
+        </a:effectStyle>
+        <a:effectStyle>
+          <a:effectLst>
+            <a:outerShdw blurRad="40000" dist="23000" dir="5400000" rotWithShape="0">
+              <a:srgbClr val="000000">
+                <a:alpha val="35000"/>
+              </a:srgbClr>
+            </a:outerShdw>
+          </a:effectLst>
+        </a:effectStyle>
+        <a:effectStyle>
+          <a:effectLst>
+            <a:outerShdw blurRad="40000" dist="23000" dir="5400000" rotWithShape="0">
+              <a:srgbClr val="000000">
+                <a:alpha val="35000"/>
+              </a:srgbClr>
+            </a:outerShdw>
+          </a:effectLst>
+          <a:scene3d>
+            <a:camera prst="orthographicFront">
+              <a:rot lat="0" lon="0" rev="0"/>
+            </a:camera>
+            <a:lightRig rig="threePt" dir="t">
+              <a:rot lat="0" lon="0" rev="1200000"/>
+            </a:lightRig>
+          </a:scene3d>
+          <a:sp3d>
+            <a:bevelT w="63500" h="25400"/>
+          </a:sp3d>
+        </a:effectStyle>
+      </a:effectStyleLst>
+      <a:bgFillStyleLst>
+        <a:solidFill>
+          <a:schemeClr val="phClr"/>
+        </a:solidFill>
+        <a:gradFill rotWithShape="1">
+          <a:gsLst>
+            <a:gs pos="0">
+              <a:schemeClr val="phClr">
+                <a:tint val="40000"/>
+                <a:satMod val="350000"/>
+              </a:schemeClr>
+            </a:gs>
+            <a:gs pos="40000">
+              <a:schemeClr val="phClr">
+                <a:tint val="45000"/>
+                <a:shade val="99000"/>
+                <a:satMod val="350000"/>
+              </a:schemeClr>
+            </a:gs>
+            <a:gs pos="100000">
+              <a:schemeClr val="phClr">
+                <a:shade val="20000"/>
+                <a:satMod val="255000"/>
+              </a:schemeClr>
+            </a:gs>
+          </a:gsLst>
+          <a:path path="circle">
+            <a:fillToRect l="50000" t="-80000" r="50000" b="180000"/>
+          </a:path>
+        </a:gradFill>
+        <a:gradFill rotWithShape="1">
+          <a:gsLst>
+            <a:gs pos="0">
+              <a:schemeClr val="phClr">
+                <a:tint val="80000"/>
+                <a:satMod val="300000"/>
+              </a:schemeClr>
+            </a:gs>
+            <a:gs pos="100000">
+              <a:schemeClr val="phClr">
+                <a:shade val="30000"/>
+                <a:satMod val="200000"/>
+              </a:schemeClr>
+            </a:gs>
+          </a:gsLst>
+          <a:path path="circle">
+            <a:fillToRect l="50000" t="50000" r="50000" b="50000"/>
+          </a:path>
+        </a:gradFill>
+      </a:bgFillStyleLst>
+    </a:fmtScheme>
+  </a:themeElements>
+</a:theme>
+</file>
+
+<file path=ppt/theme/theme2.xml><?xml version="1.0" encoding="utf-8"?>
 <a:theme xmlns:a="http://schemas.openxmlformats.org/drawingml/2006/main" xmlns:r="http://schemas.openxmlformats.org/officeDocument/2006/relationships" name="Focus">
   <a:themeElements>
     <a:clrScheme name="Focus">
@@ -16156,283 +16837,4 @@
     </a:fmtScheme>
   </a:themeElements>
 </a:theme>
-</file>
-
-<file path=ppt/theme/theme2.xml><?xml version="1.0" encoding="utf-8"?>
-<a:theme xmlns:a="http://schemas.openxmlformats.org/drawingml/2006/main" xmlns:r="http://schemas.openxmlformats.org/officeDocument/2006/relationships">
-  <a:themeElements>
-    <a:clrScheme name="Default">
-      <a:dk1>
-        <a:srgbClr val="000000"/>
-      </a:dk1>
-      <a:lt1>
-        <a:srgbClr val="FFFFFF"/>
-      </a:lt1>
-      <a:dk2>
-        <a:srgbClr val="158158"/>
-      </a:dk2>
-      <a:lt2>
-        <a:srgbClr val="F3F3F3"/>
-      </a:lt2>
-      <a:accent1>
-        <a:srgbClr val="058DC7"/>
-      </a:accent1>
-      <a:accent2>
-        <a:srgbClr val="50B432"/>
-      </a:accent2>
-      <a:accent3>
-        <a:srgbClr val="ED561B"/>
-      </a:accent3>
-      <a:accent4>
-        <a:srgbClr val="EDEF00"/>
-      </a:accent4>
-      <a:accent5>
-        <a:srgbClr val="24CBE5"/>
-      </a:accent5>
-      <a:accent6>
-        <a:srgbClr val="64E572"/>
-      </a:accent6>
-      <a:hlink>
-        <a:srgbClr val="2200CC"/>
-      </a:hlink>
-      <a:folHlink>
-        <a:srgbClr val="551A8B"/>
-      </a:folHlink>
-    </a:clrScheme>
-    <a:fontScheme name="Office">
-      <a:majorFont>
-        <a:latin typeface="Arial"/>
-        <a:ea typeface=""/>
-        <a:cs typeface=""/>
-        <a:font script="Jpan" typeface="ＭＳ Ｐゴシック"/>
-        <a:font script="Hang" typeface="맑은 고딕"/>
-        <a:font script="Hans" typeface="宋体"/>
-        <a:font script="Hant" typeface="新細明體"/>
-        <a:font script="Arab" typeface="Times New Roman"/>
-        <a:font script="Hebr" typeface="Times New Roman"/>
-        <a:font script="Thai" typeface="Angsana New"/>
-        <a:font script="Ethi" typeface="Nyala"/>
-        <a:font script="Beng" typeface="Vrinda"/>
-        <a:font script="Gujr" typeface="Shruti"/>
-        <a:font script="Khmr" typeface="MoolBoran"/>
-        <a:font script="Knda" typeface="Tunga"/>
-        <a:font script="Guru" typeface="Raavi"/>
-        <a:font script="Cans" typeface="Euphemia"/>
-        <a:font script="Cher" typeface="Plantagenet Cherokee"/>
-        <a:font script="Yiii" typeface="Microsoft Yi Baiti"/>
-        <a:font script="Tibt" typeface="Microsoft Himalaya"/>
-        <a:font script="Thaa" typeface="MV Boli"/>
-        <a:font script="Deva" typeface="Mangal"/>
-        <a:font script="Telu" typeface="Gautami"/>
-        <a:font script="Taml" typeface="Latha"/>
-        <a:font script="Syrc" typeface="Estrangelo Edessa"/>
-        <a:font script="Orya" typeface="Kalinga"/>
-        <a:font script="Mlym" typeface="Kartika"/>
-        <a:font script="Laoo" typeface="DokChampa"/>
-        <a:font script="Sinh" typeface="Iskoola Pota"/>
-        <a:font script="Mong" typeface="Mongolian Baiti"/>
-        <a:font script="Viet" typeface="Times New Roman"/>
-        <a:font script="Uigh" typeface="Microsoft Uighur"/>
-        <a:font script="Geor" typeface="Sylfaen"/>
-      </a:majorFont>
-      <a:minorFont>
-        <a:latin typeface="Arial"/>
-        <a:ea typeface=""/>
-        <a:cs typeface=""/>
-        <a:font script="Jpan" typeface="ＭＳ Ｐゴシック"/>
-        <a:font script="Hang" typeface="맑은 고딕"/>
-        <a:font script="Hans" typeface="宋体"/>
-        <a:font script="Hant" typeface="新細明體"/>
-        <a:font script="Arab" typeface="Arial"/>
-        <a:font script="Hebr" typeface="Arial"/>
-        <a:font script="Thai" typeface="Cordia New"/>
-        <a:font script="Ethi" typeface="Nyala"/>
-        <a:font script="Beng" typeface="Vrinda"/>
-        <a:font script="Gujr" typeface="Shruti"/>
-        <a:font script="Khmr" typeface="DaunPenh"/>
-        <a:font script="Knda" typeface="Tunga"/>
-        <a:font script="Guru" typeface="Raavi"/>
-        <a:font script="Cans" typeface="Euphemia"/>
-        <a:font script="Cher" typeface="Plantagenet Cherokee"/>
-        <a:font script="Yiii" typeface="Microsoft Yi Baiti"/>
-        <a:font script="Tibt" typeface="Microsoft Himalaya"/>
-        <a:font script="Thaa" typeface="MV Boli"/>
-        <a:font script="Deva" typeface="Mangal"/>
-        <a:font script="Telu" typeface="Gautami"/>
-        <a:font script="Taml" typeface="Latha"/>
-        <a:font script="Syrc" typeface="Estrangelo Edessa"/>
-        <a:font script="Orya" typeface="Kalinga"/>
-        <a:font script="Mlym" typeface="Kartika"/>
-        <a:font script="Laoo" typeface="DokChampa"/>
-        <a:font script="Sinh" typeface="Iskoola Pota"/>
-        <a:font script="Mong" typeface="Mongolian Baiti"/>
-        <a:font script="Viet" typeface="Arial"/>
-        <a:font script="Uigh" typeface="Microsoft Uighur"/>
-        <a:font script="Geor" typeface="Sylfaen"/>
-      </a:minorFont>
-    </a:fontScheme>
-    <a:fmtScheme name="Office">
-      <a:fillStyleLst>
-        <a:solidFill>
-          <a:schemeClr val="phClr"/>
-        </a:solidFill>
-        <a:gradFill rotWithShape="1">
-          <a:gsLst>
-            <a:gs pos="0">
-              <a:schemeClr val="phClr">
-                <a:tint val="50000"/>
-                <a:satMod val="300000"/>
-              </a:schemeClr>
-            </a:gs>
-            <a:gs pos="35000">
-              <a:schemeClr val="phClr">
-                <a:tint val="37000"/>
-                <a:satMod val="300000"/>
-              </a:schemeClr>
-            </a:gs>
-            <a:gs pos="100000">
-              <a:schemeClr val="phClr">
-                <a:tint val="15000"/>
-                <a:satMod val="350000"/>
-              </a:schemeClr>
-            </a:gs>
-          </a:gsLst>
-          <a:lin ang="16200000" scaled="1"/>
-        </a:gradFill>
-        <a:gradFill rotWithShape="1">
-          <a:gsLst>
-            <a:gs pos="0">
-              <a:schemeClr val="phClr">
-                <a:tint val="100000"/>
-                <a:shade val="100000"/>
-                <a:satMod val="130000"/>
-              </a:schemeClr>
-            </a:gs>
-            <a:gs pos="100000">
-              <a:schemeClr val="phClr">
-                <a:tint val="50000"/>
-                <a:shade val="100000"/>
-                <a:satMod val="350000"/>
-              </a:schemeClr>
-            </a:gs>
-          </a:gsLst>
-          <a:lin ang="16200000" scaled="0"/>
-        </a:gradFill>
-      </a:fillStyleLst>
-      <a:lnStyleLst>
-        <a:ln w="9525" cap="flat" cmpd="sng" algn="ctr">
-          <a:solidFill>
-            <a:schemeClr val="phClr">
-              <a:shade val="95000"/>
-              <a:satMod val="105000"/>
-            </a:schemeClr>
-          </a:solidFill>
-          <a:prstDash val="solid"/>
-        </a:ln>
-        <a:ln w="25400" cap="flat" cmpd="sng" algn="ctr">
-          <a:solidFill>
-            <a:schemeClr val="phClr"/>
-          </a:solidFill>
-          <a:prstDash val="solid"/>
-        </a:ln>
-        <a:ln w="38100" cap="flat" cmpd="sng" algn="ctr">
-          <a:solidFill>
-            <a:schemeClr val="phClr"/>
-          </a:solidFill>
-          <a:prstDash val="solid"/>
-        </a:ln>
-      </a:lnStyleLst>
-      <a:effectStyleLst>
-        <a:effectStyle>
-          <a:effectLst>
-            <a:outerShdw blurRad="40000" dist="20000" dir="5400000" rotWithShape="0">
-              <a:srgbClr val="000000">
-                <a:alpha val="38000"/>
-              </a:srgbClr>
-            </a:outerShdw>
-          </a:effectLst>
-        </a:effectStyle>
-        <a:effectStyle>
-          <a:effectLst>
-            <a:outerShdw blurRad="40000" dist="23000" dir="5400000" rotWithShape="0">
-              <a:srgbClr val="000000">
-                <a:alpha val="35000"/>
-              </a:srgbClr>
-            </a:outerShdw>
-          </a:effectLst>
-        </a:effectStyle>
-        <a:effectStyle>
-          <a:effectLst>
-            <a:outerShdw blurRad="40000" dist="23000" dir="5400000" rotWithShape="0">
-              <a:srgbClr val="000000">
-                <a:alpha val="35000"/>
-              </a:srgbClr>
-            </a:outerShdw>
-          </a:effectLst>
-          <a:scene3d>
-            <a:camera prst="orthographicFront">
-              <a:rot lat="0" lon="0" rev="0"/>
-            </a:camera>
-            <a:lightRig rig="threePt" dir="t">
-              <a:rot lat="0" lon="0" rev="1200000"/>
-            </a:lightRig>
-          </a:scene3d>
-          <a:sp3d>
-            <a:bevelT w="63500" h="25400"/>
-          </a:sp3d>
-        </a:effectStyle>
-      </a:effectStyleLst>
-      <a:bgFillStyleLst>
-        <a:solidFill>
-          <a:schemeClr val="phClr"/>
-        </a:solidFill>
-        <a:gradFill rotWithShape="1">
-          <a:gsLst>
-            <a:gs pos="0">
-              <a:schemeClr val="phClr">
-                <a:tint val="40000"/>
-                <a:satMod val="350000"/>
-              </a:schemeClr>
-            </a:gs>
-            <a:gs pos="40000">
-              <a:schemeClr val="phClr">
-                <a:tint val="45000"/>
-                <a:shade val="99000"/>
-                <a:satMod val="350000"/>
-              </a:schemeClr>
-            </a:gs>
-            <a:gs pos="100000">
-              <a:schemeClr val="phClr">
-                <a:shade val="20000"/>
-                <a:satMod val="255000"/>
-              </a:schemeClr>
-            </a:gs>
-          </a:gsLst>
-          <a:path path="circle">
-            <a:fillToRect l="50000" t="-80000" r="50000" b="180000"/>
-          </a:path>
-        </a:gradFill>
-        <a:gradFill rotWithShape="1">
-          <a:gsLst>
-            <a:gs pos="0">
-              <a:schemeClr val="phClr">
-                <a:tint val="80000"/>
-                <a:satMod val="300000"/>
-              </a:schemeClr>
-            </a:gs>
-            <a:gs pos="100000">
-              <a:schemeClr val="phClr">
-                <a:shade val="30000"/>
-                <a:satMod val="200000"/>
-              </a:schemeClr>
-            </a:gs>
-          </a:gsLst>
-          <a:path path="circle">
-            <a:fillToRect l="50000" t="50000" r="50000" b="50000"/>
-          </a:path>
-        </a:gradFill>
-      </a:bgFillStyleLst>
-    </a:fmtScheme>
-  </a:themeElements>
-</a:theme>
 </file>